--- a/Terahertz Metrology/Ch7/Terahertz Metrology_Ch7.pptx
+++ b/Terahertz Metrology/Ch7/Terahertz Metrology_Ch7.pptx
@@ -5,7 +5,7 @@
     <p:sldMasterId id="2147483660" r:id="rId1"/>
   </p:sldMasterIdLst>
   <p:notesMasterIdLst>
-    <p:notesMasterId r:id="rId12"/>
+    <p:notesMasterId r:id="rId17"/>
   </p:notesMasterIdLst>
   <p:sldIdLst>
     <p:sldId id="258" r:id="rId2"/>
@@ -17,7 +17,12 @@
     <p:sldId id="282" r:id="rId8"/>
     <p:sldId id="281" r:id="rId9"/>
     <p:sldId id="283" r:id="rId10"/>
-    <p:sldId id="275" r:id="rId11"/>
+    <p:sldId id="284" r:id="rId11"/>
+    <p:sldId id="285" r:id="rId12"/>
+    <p:sldId id="286" r:id="rId13"/>
+    <p:sldId id="288" r:id="rId14"/>
+    <p:sldId id="287" r:id="rId15"/>
+    <p:sldId id="275" r:id="rId16"/>
   </p:sldIdLst>
   <p:sldSz cx="9144000" cy="6858000" type="screen4x3"/>
   <p:notesSz cx="6735763" cy="9866313"/>
@@ -206,7 +211,7 @@
           <a:p>
             <a:fld id="{A9D6DECA-6E4E-4D09-9277-E151A2E3F74C}" type="datetimeFigureOut">
               <a:rPr lang="ko-KR" altLang="en-US" smtClean="0"/>
-              <a:t>2018-04-12</a:t>
+              <a:t>2018-04-13</a:t>
             </a:fld>
             <a:endParaRPr lang="ko-KR" altLang="en-US"/>
           </a:p>
@@ -632,6 +637,426 @@
     </p:spTree>
     <p:extLst>
       <p:ext uri="{BB962C8B-B14F-4D97-AF65-F5344CB8AC3E}">
+        <p14:creationId xmlns:p14="http://schemas.microsoft.com/office/powerpoint/2010/main" val="3626457324"/>
+      </p:ext>
+    </p:extLst>
+  </p:cSld>
+  <p:clrMapOvr>
+    <a:masterClrMapping/>
+  </p:clrMapOvr>
+</p:notes>
+</file>
+
+<file path=ppt/notesSlides/notesSlide11.xml><?xml version="1.0" encoding="utf-8"?>
+<p:notes xmlns:a="http://schemas.openxmlformats.org/drawingml/2006/main" xmlns:r="http://schemas.openxmlformats.org/officeDocument/2006/relationships" xmlns:p="http://schemas.openxmlformats.org/presentationml/2006/main">
+  <p:cSld>
+    <p:spTree>
+      <p:nvGrpSpPr>
+        <p:cNvPr id="1" name=""/>
+        <p:cNvGrpSpPr/>
+        <p:nvPr/>
+      </p:nvGrpSpPr>
+      <p:grpSpPr>
+        <a:xfrm>
+          <a:off x="0" y="0"/>
+          <a:ext cx="0" cy="0"/>
+          <a:chOff x="0" y="0"/>
+          <a:chExt cx="0" cy="0"/>
+        </a:xfrm>
+      </p:grpSpPr>
+      <p:sp>
+        <p:nvSpPr>
+          <p:cNvPr id="2" name="슬라이드 이미지 개체 틀 1"/>
+          <p:cNvSpPr>
+            <a:spLocks noGrp="1" noRot="1" noChangeAspect="1"/>
+          </p:cNvSpPr>
+          <p:nvPr>
+            <p:ph type="sldImg"/>
+          </p:nvPr>
+        </p:nvSpPr>
+        <p:spPr/>
+      </p:sp>
+      <p:sp>
+        <p:nvSpPr>
+          <p:cNvPr id="3" name="슬라이드 노트 개체 틀 2"/>
+          <p:cNvSpPr>
+            <a:spLocks noGrp="1"/>
+          </p:cNvSpPr>
+          <p:nvPr>
+            <p:ph type="body" idx="1"/>
+          </p:nvPr>
+        </p:nvSpPr>
+        <p:spPr/>
+        <p:txBody>
+          <a:bodyPr/>
+          <a:lstStyle/>
+          <a:p>
+            <a:endParaRPr lang="ko-KR" altLang="en-US"/>
+          </a:p>
+        </p:txBody>
+      </p:sp>
+      <p:sp>
+        <p:nvSpPr>
+          <p:cNvPr id="4" name="슬라이드 번호 개체 틀 3"/>
+          <p:cNvSpPr>
+            <a:spLocks noGrp="1"/>
+          </p:cNvSpPr>
+          <p:nvPr>
+            <p:ph type="sldNum" sz="quarter" idx="10"/>
+          </p:nvPr>
+        </p:nvSpPr>
+        <p:spPr/>
+        <p:txBody>
+          <a:bodyPr/>
+          <a:lstStyle/>
+          <a:p>
+            <a:fld id="{6D0ABE42-EEBB-47F0-BC6E-2BB25FA03CFE}" type="slidenum">
+              <a:rPr lang="ko-KR" altLang="en-US" smtClean="0"/>
+              <a:t>11</a:t>
+            </a:fld>
+            <a:endParaRPr lang="ko-KR" altLang="en-US"/>
+          </a:p>
+        </p:txBody>
+      </p:sp>
+    </p:spTree>
+    <p:extLst>
+      <p:ext uri="{BB962C8B-B14F-4D97-AF65-F5344CB8AC3E}">
+        <p14:creationId xmlns:p14="http://schemas.microsoft.com/office/powerpoint/2010/main" val="62476228"/>
+      </p:ext>
+    </p:extLst>
+  </p:cSld>
+  <p:clrMapOvr>
+    <a:masterClrMapping/>
+  </p:clrMapOvr>
+</p:notes>
+</file>
+
+<file path=ppt/notesSlides/notesSlide12.xml><?xml version="1.0" encoding="utf-8"?>
+<p:notes xmlns:a="http://schemas.openxmlformats.org/drawingml/2006/main" xmlns:r="http://schemas.openxmlformats.org/officeDocument/2006/relationships" xmlns:p="http://schemas.openxmlformats.org/presentationml/2006/main">
+  <p:cSld>
+    <p:spTree>
+      <p:nvGrpSpPr>
+        <p:cNvPr id="1" name=""/>
+        <p:cNvGrpSpPr/>
+        <p:nvPr/>
+      </p:nvGrpSpPr>
+      <p:grpSpPr>
+        <a:xfrm>
+          <a:off x="0" y="0"/>
+          <a:ext cx="0" cy="0"/>
+          <a:chOff x="0" y="0"/>
+          <a:chExt cx="0" cy="0"/>
+        </a:xfrm>
+      </p:grpSpPr>
+      <p:sp>
+        <p:nvSpPr>
+          <p:cNvPr id="2" name="슬라이드 이미지 개체 틀 1"/>
+          <p:cNvSpPr>
+            <a:spLocks noGrp="1" noRot="1" noChangeAspect="1"/>
+          </p:cNvSpPr>
+          <p:nvPr>
+            <p:ph type="sldImg"/>
+          </p:nvPr>
+        </p:nvSpPr>
+        <p:spPr/>
+      </p:sp>
+      <p:sp>
+        <p:nvSpPr>
+          <p:cNvPr id="3" name="슬라이드 노트 개체 틀 2"/>
+          <p:cNvSpPr>
+            <a:spLocks noGrp="1"/>
+          </p:cNvSpPr>
+          <p:nvPr>
+            <p:ph type="body" idx="1"/>
+          </p:nvPr>
+        </p:nvSpPr>
+        <p:spPr/>
+        <p:txBody>
+          <a:bodyPr/>
+          <a:lstStyle/>
+          <a:p>
+            <a:endParaRPr lang="ko-KR" altLang="en-US"/>
+          </a:p>
+        </p:txBody>
+      </p:sp>
+      <p:sp>
+        <p:nvSpPr>
+          <p:cNvPr id="4" name="슬라이드 번호 개체 틀 3"/>
+          <p:cNvSpPr>
+            <a:spLocks noGrp="1"/>
+          </p:cNvSpPr>
+          <p:nvPr>
+            <p:ph type="sldNum" sz="quarter" idx="10"/>
+          </p:nvPr>
+        </p:nvSpPr>
+        <p:spPr/>
+        <p:txBody>
+          <a:bodyPr/>
+          <a:lstStyle/>
+          <a:p>
+            <a:fld id="{6D0ABE42-EEBB-47F0-BC6E-2BB25FA03CFE}" type="slidenum">
+              <a:rPr lang="ko-KR" altLang="en-US" smtClean="0"/>
+              <a:t>12</a:t>
+            </a:fld>
+            <a:endParaRPr lang="ko-KR" altLang="en-US"/>
+          </a:p>
+        </p:txBody>
+      </p:sp>
+    </p:spTree>
+    <p:extLst>
+      <p:ext uri="{BB962C8B-B14F-4D97-AF65-F5344CB8AC3E}">
+        <p14:creationId xmlns:p14="http://schemas.microsoft.com/office/powerpoint/2010/main" val="2299820664"/>
+      </p:ext>
+    </p:extLst>
+  </p:cSld>
+  <p:clrMapOvr>
+    <a:masterClrMapping/>
+  </p:clrMapOvr>
+</p:notes>
+</file>
+
+<file path=ppt/notesSlides/notesSlide13.xml><?xml version="1.0" encoding="utf-8"?>
+<p:notes xmlns:a="http://schemas.openxmlformats.org/drawingml/2006/main" xmlns:r="http://schemas.openxmlformats.org/officeDocument/2006/relationships" xmlns:p="http://schemas.openxmlformats.org/presentationml/2006/main">
+  <p:cSld>
+    <p:spTree>
+      <p:nvGrpSpPr>
+        <p:cNvPr id="1" name=""/>
+        <p:cNvGrpSpPr/>
+        <p:nvPr/>
+      </p:nvGrpSpPr>
+      <p:grpSpPr>
+        <a:xfrm>
+          <a:off x="0" y="0"/>
+          <a:ext cx="0" cy="0"/>
+          <a:chOff x="0" y="0"/>
+          <a:chExt cx="0" cy="0"/>
+        </a:xfrm>
+      </p:grpSpPr>
+      <p:sp>
+        <p:nvSpPr>
+          <p:cNvPr id="2" name="슬라이드 이미지 개체 틀 1"/>
+          <p:cNvSpPr>
+            <a:spLocks noGrp="1" noRot="1" noChangeAspect="1"/>
+          </p:cNvSpPr>
+          <p:nvPr>
+            <p:ph type="sldImg"/>
+          </p:nvPr>
+        </p:nvSpPr>
+        <p:spPr/>
+      </p:sp>
+      <p:sp>
+        <p:nvSpPr>
+          <p:cNvPr id="3" name="슬라이드 노트 개체 틀 2"/>
+          <p:cNvSpPr>
+            <a:spLocks noGrp="1"/>
+          </p:cNvSpPr>
+          <p:nvPr>
+            <p:ph type="body" idx="1"/>
+          </p:nvPr>
+        </p:nvSpPr>
+        <p:spPr/>
+        <p:txBody>
+          <a:bodyPr/>
+          <a:lstStyle/>
+          <a:p>
+            <a:endParaRPr lang="ko-KR" altLang="en-US"/>
+          </a:p>
+        </p:txBody>
+      </p:sp>
+      <p:sp>
+        <p:nvSpPr>
+          <p:cNvPr id="4" name="슬라이드 번호 개체 틀 3"/>
+          <p:cNvSpPr>
+            <a:spLocks noGrp="1"/>
+          </p:cNvSpPr>
+          <p:nvPr>
+            <p:ph type="sldNum" sz="quarter" idx="10"/>
+          </p:nvPr>
+        </p:nvSpPr>
+        <p:spPr/>
+        <p:txBody>
+          <a:bodyPr/>
+          <a:lstStyle/>
+          <a:p>
+            <a:fld id="{6D0ABE42-EEBB-47F0-BC6E-2BB25FA03CFE}" type="slidenum">
+              <a:rPr lang="ko-KR" altLang="en-US" smtClean="0"/>
+              <a:t>13</a:t>
+            </a:fld>
+            <a:endParaRPr lang="ko-KR" altLang="en-US"/>
+          </a:p>
+        </p:txBody>
+      </p:sp>
+    </p:spTree>
+    <p:extLst>
+      <p:ext uri="{BB962C8B-B14F-4D97-AF65-F5344CB8AC3E}">
+        <p14:creationId xmlns:p14="http://schemas.microsoft.com/office/powerpoint/2010/main" val="1713901209"/>
+      </p:ext>
+    </p:extLst>
+  </p:cSld>
+  <p:clrMapOvr>
+    <a:masterClrMapping/>
+  </p:clrMapOvr>
+</p:notes>
+</file>
+
+<file path=ppt/notesSlides/notesSlide14.xml><?xml version="1.0" encoding="utf-8"?>
+<p:notes xmlns:a="http://schemas.openxmlformats.org/drawingml/2006/main" xmlns:r="http://schemas.openxmlformats.org/officeDocument/2006/relationships" xmlns:p="http://schemas.openxmlformats.org/presentationml/2006/main">
+  <p:cSld>
+    <p:spTree>
+      <p:nvGrpSpPr>
+        <p:cNvPr id="1" name=""/>
+        <p:cNvGrpSpPr/>
+        <p:nvPr/>
+      </p:nvGrpSpPr>
+      <p:grpSpPr>
+        <a:xfrm>
+          <a:off x="0" y="0"/>
+          <a:ext cx="0" cy="0"/>
+          <a:chOff x="0" y="0"/>
+          <a:chExt cx="0" cy="0"/>
+        </a:xfrm>
+      </p:grpSpPr>
+      <p:sp>
+        <p:nvSpPr>
+          <p:cNvPr id="2" name="슬라이드 이미지 개체 틀 1"/>
+          <p:cNvSpPr>
+            <a:spLocks noGrp="1" noRot="1" noChangeAspect="1"/>
+          </p:cNvSpPr>
+          <p:nvPr>
+            <p:ph type="sldImg"/>
+          </p:nvPr>
+        </p:nvSpPr>
+        <p:spPr/>
+      </p:sp>
+      <p:sp>
+        <p:nvSpPr>
+          <p:cNvPr id="3" name="슬라이드 노트 개체 틀 2"/>
+          <p:cNvSpPr>
+            <a:spLocks noGrp="1"/>
+          </p:cNvSpPr>
+          <p:nvPr>
+            <p:ph type="body" idx="1"/>
+          </p:nvPr>
+        </p:nvSpPr>
+        <p:spPr/>
+        <p:txBody>
+          <a:bodyPr/>
+          <a:lstStyle/>
+          <a:p>
+            <a:endParaRPr lang="ko-KR" altLang="en-US"/>
+          </a:p>
+        </p:txBody>
+      </p:sp>
+      <p:sp>
+        <p:nvSpPr>
+          <p:cNvPr id="4" name="슬라이드 번호 개체 틀 3"/>
+          <p:cNvSpPr>
+            <a:spLocks noGrp="1"/>
+          </p:cNvSpPr>
+          <p:nvPr>
+            <p:ph type="sldNum" sz="quarter" idx="10"/>
+          </p:nvPr>
+        </p:nvSpPr>
+        <p:spPr/>
+        <p:txBody>
+          <a:bodyPr/>
+          <a:lstStyle/>
+          <a:p>
+            <a:fld id="{6D0ABE42-EEBB-47F0-BC6E-2BB25FA03CFE}" type="slidenum">
+              <a:rPr lang="ko-KR" altLang="en-US" smtClean="0"/>
+              <a:t>14</a:t>
+            </a:fld>
+            <a:endParaRPr lang="ko-KR" altLang="en-US"/>
+          </a:p>
+        </p:txBody>
+      </p:sp>
+    </p:spTree>
+    <p:extLst>
+      <p:ext uri="{BB962C8B-B14F-4D97-AF65-F5344CB8AC3E}">
+        <p14:creationId xmlns:p14="http://schemas.microsoft.com/office/powerpoint/2010/main" val="3600989806"/>
+      </p:ext>
+    </p:extLst>
+  </p:cSld>
+  <p:clrMapOvr>
+    <a:masterClrMapping/>
+  </p:clrMapOvr>
+</p:notes>
+</file>
+
+<file path=ppt/notesSlides/notesSlide15.xml><?xml version="1.0" encoding="utf-8"?>
+<p:notes xmlns:a="http://schemas.openxmlformats.org/drawingml/2006/main" xmlns:r="http://schemas.openxmlformats.org/officeDocument/2006/relationships" xmlns:p="http://schemas.openxmlformats.org/presentationml/2006/main">
+  <p:cSld>
+    <p:spTree>
+      <p:nvGrpSpPr>
+        <p:cNvPr id="1" name=""/>
+        <p:cNvGrpSpPr/>
+        <p:nvPr/>
+      </p:nvGrpSpPr>
+      <p:grpSpPr>
+        <a:xfrm>
+          <a:off x="0" y="0"/>
+          <a:ext cx="0" cy="0"/>
+          <a:chOff x="0" y="0"/>
+          <a:chExt cx="0" cy="0"/>
+        </a:xfrm>
+      </p:grpSpPr>
+      <p:sp>
+        <p:nvSpPr>
+          <p:cNvPr id="2" name="슬라이드 이미지 개체 틀 1"/>
+          <p:cNvSpPr>
+            <a:spLocks noGrp="1" noRot="1" noChangeAspect="1"/>
+          </p:cNvSpPr>
+          <p:nvPr>
+            <p:ph type="sldImg"/>
+          </p:nvPr>
+        </p:nvSpPr>
+        <p:spPr/>
+      </p:sp>
+      <p:sp>
+        <p:nvSpPr>
+          <p:cNvPr id="3" name="슬라이드 노트 개체 틀 2"/>
+          <p:cNvSpPr>
+            <a:spLocks noGrp="1"/>
+          </p:cNvSpPr>
+          <p:nvPr>
+            <p:ph type="body" idx="1"/>
+          </p:nvPr>
+        </p:nvSpPr>
+        <p:spPr/>
+        <p:txBody>
+          <a:bodyPr/>
+          <a:lstStyle/>
+          <a:p>
+            <a:endParaRPr lang="ko-KR" altLang="en-US"/>
+          </a:p>
+        </p:txBody>
+      </p:sp>
+      <p:sp>
+        <p:nvSpPr>
+          <p:cNvPr id="4" name="슬라이드 번호 개체 틀 3"/>
+          <p:cNvSpPr>
+            <a:spLocks noGrp="1"/>
+          </p:cNvSpPr>
+          <p:nvPr>
+            <p:ph type="sldNum" sz="quarter" idx="10"/>
+          </p:nvPr>
+        </p:nvSpPr>
+        <p:spPr/>
+        <p:txBody>
+          <a:bodyPr/>
+          <a:lstStyle/>
+          <a:p>
+            <a:fld id="{6D0ABE42-EEBB-47F0-BC6E-2BB25FA03CFE}" type="slidenum">
+              <a:rPr lang="ko-KR" altLang="en-US" smtClean="0"/>
+              <a:t>15</a:t>
+            </a:fld>
+            <a:endParaRPr lang="ko-KR" altLang="en-US"/>
+          </a:p>
+        </p:txBody>
+      </p:sp>
+    </p:spTree>
+    <p:extLst>
+      <p:ext uri="{BB962C8B-B14F-4D97-AF65-F5344CB8AC3E}">
         <p14:creationId xmlns:p14="http://schemas.microsoft.com/office/powerpoint/2010/main" val="1671263539"/>
       </p:ext>
     </p:extLst>
@@ -1445,7 +1870,7 @@
           <a:p>
             <a:fld id="{78E89258-A40F-4400-BA1A-638141289729}" type="datetime1">
               <a:rPr lang="ko-KR" altLang="en-US" smtClean="0"/>
-              <a:t>2018-04-12</a:t>
+              <a:t>2018-04-13</a:t>
             </a:fld>
             <a:endParaRPr lang="ko-KR" altLang="en-US"/>
           </a:p>
@@ -1622,7 +2047,7 @@
           <a:p>
             <a:fld id="{CD116CEF-802E-43F7-8932-78519DF2A264}" type="datetime1">
               <a:rPr lang="ko-KR" altLang="en-US" smtClean="0"/>
-              <a:t>2018-04-12</a:t>
+              <a:t>2018-04-13</a:t>
             </a:fld>
             <a:endParaRPr lang="ko-KR" altLang="en-US"/>
           </a:p>
@@ -1802,7 +2227,7 @@
           <a:p>
             <a:fld id="{EFD9D7C3-1982-427D-BFA7-1AF9687AAB0F}" type="datetime1">
               <a:rPr lang="ko-KR" altLang="en-US" smtClean="0"/>
-              <a:t>2018-04-12</a:t>
+              <a:t>2018-04-13</a:t>
             </a:fld>
             <a:endParaRPr lang="ko-KR" altLang="en-US"/>
           </a:p>
@@ -1972,7 +2397,7 @@
           <a:p>
             <a:fld id="{EDD93E7F-B437-40E5-8ACB-B79696783EFA}" type="datetime1">
               <a:rPr lang="ko-KR" altLang="en-US" smtClean="0"/>
-              <a:t>2018-04-12</a:t>
+              <a:t>2018-04-13</a:t>
             </a:fld>
             <a:endParaRPr lang="ko-KR" altLang="en-US"/>
           </a:p>
@@ -2216,7 +2641,7 @@
           <a:p>
             <a:fld id="{DB249950-0BD4-4F6E-BE3F-CB53B7E2FD06}" type="datetime1">
               <a:rPr lang="ko-KR" altLang="en-US" smtClean="0"/>
-              <a:t>2018-04-12</a:t>
+              <a:t>2018-04-13</a:t>
             </a:fld>
             <a:endParaRPr lang="ko-KR" altLang="en-US"/>
           </a:p>
@@ -2448,7 +2873,7 @@
           <a:p>
             <a:fld id="{7B016D7E-32C0-4DB3-B6B3-0506A62840FB}" type="datetime1">
               <a:rPr lang="ko-KR" altLang="en-US" smtClean="0"/>
-              <a:t>2018-04-12</a:t>
+              <a:t>2018-04-13</a:t>
             </a:fld>
             <a:endParaRPr lang="ko-KR" altLang="en-US"/>
           </a:p>
@@ -2815,7 +3240,7 @@
           <a:p>
             <a:fld id="{B246672D-B3FD-4B2E-92C0-4A80DA670927}" type="datetime1">
               <a:rPr lang="ko-KR" altLang="en-US" smtClean="0"/>
-              <a:t>2018-04-12</a:t>
+              <a:t>2018-04-13</a:t>
             </a:fld>
             <a:endParaRPr lang="ko-KR" altLang="en-US"/>
           </a:p>
@@ -2933,7 +3358,7 @@
           <a:p>
             <a:fld id="{9B9B7D2E-B202-4D7A-9519-0C490A04EB9C}" type="datetime1">
               <a:rPr lang="ko-KR" altLang="en-US" smtClean="0"/>
-              <a:t>2018-04-12</a:t>
+              <a:t>2018-04-13</a:t>
             </a:fld>
             <a:endParaRPr lang="ko-KR" altLang="en-US"/>
           </a:p>
@@ -3028,7 +3453,7 @@
           <a:p>
             <a:fld id="{12FB9327-987E-47D6-AE2D-63CED8A79494}" type="datetime1">
               <a:rPr lang="ko-KR" altLang="en-US" smtClean="0"/>
-              <a:t>2018-04-12</a:t>
+              <a:t>2018-04-13</a:t>
             </a:fld>
             <a:endParaRPr lang="ko-KR" altLang="en-US"/>
           </a:p>
@@ -3305,7 +3730,7 @@
           <a:p>
             <a:fld id="{D8D87011-7294-4632-A156-4F695AB9E41C}" type="datetime1">
               <a:rPr lang="ko-KR" altLang="en-US" smtClean="0"/>
-              <a:t>2018-04-12</a:t>
+              <a:t>2018-04-13</a:t>
             </a:fld>
             <a:endParaRPr lang="ko-KR" altLang="en-US"/>
           </a:p>
@@ -3562,7 +3987,7 @@
           <a:p>
             <a:fld id="{1BDC7FDB-72DE-4D65-AF4F-510496DAF70F}" type="datetime1">
               <a:rPr lang="ko-KR" altLang="en-US" smtClean="0"/>
-              <a:t>2018-04-12</a:t>
+              <a:t>2018-04-13</a:t>
             </a:fld>
             <a:endParaRPr lang="ko-KR" altLang="en-US"/>
           </a:p>
@@ -3775,7 +4200,7 @@
           <a:p>
             <a:fld id="{9A286DBF-DB43-470A-A903-26374CB6EF47}" type="datetime1">
               <a:rPr lang="ko-KR" altLang="en-US" smtClean="0"/>
-              <a:t>2018-04-12</a:t>
+              <a:t>2018-04-13</a:t>
             </a:fld>
             <a:endParaRPr lang="ko-KR" altLang="en-US"/>
           </a:p>
@@ -4374,7 +4799,7 @@
           <a:p>
             <a:fld id="{32C03489-23FC-4021-B9AB-958EFB3C0FE7}" type="datetime1">
               <a:rPr lang="ko-KR" altLang="en-US" smtClean="0"/>
-              <a:t>2018-04-12</a:t>
+              <a:t>2018-04-13</a:t>
             </a:fld>
             <a:endParaRPr lang="ko-KR" altLang="en-US"/>
           </a:p>
@@ -4491,6 +4916,1256 @@
           <a:p>
             <a:pPr algn="ctr"/>
             <a:r>
+              <a:rPr lang="en-US" altLang="ko-KR" sz="2800" dirty="0">
+                <a:solidFill>
+                  <a:schemeClr val="bg1"/>
+                </a:solidFill>
+                <a:latin typeface="Arial" panose="020B0604020202020204" pitchFamily="34" charset="0"/>
+              </a:rPr>
+              <a:t>3</a:t>
+            </a:r>
+            <a:r>
+              <a:rPr lang="en-US" altLang="ko-KR" sz="2800" dirty="0" smtClean="0">
+                <a:solidFill>
+                  <a:schemeClr val="bg1"/>
+                </a:solidFill>
+                <a:latin typeface="Arial" panose="020B0604020202020204" pitchFamily="34" charset="0"/>
+              </a:rPr>
+              <a:t>. Imaging Thin Layers</a:t>
+            </a:r>
+          </a:p>
+        </p:txBody>
+      </p:sp>
+      <p:sp>
+        <p:nvSpPr>
+          <p:cNvPr id="2" name="날짜 개체 틀 1"/>
+          <p:cNvSpPr>
+            <a:spLocks noGrp="1"/>
+          </p:cNvSpPr>
+          <p:nvPr>
+            <p:ph type="dt" sz="half" idx="10"/>
+          </p:nvPr>
+        </p:nvSpPr>
+        <p:spPr/>
+        <p:txBody>
+          <a:bodyPr/>
+          <a:lstStyle/>
+          <a:p>
+            <a:fld id="{53646E5C-8775-44A9-9523-40B6CCA06789}" type="datetime1">
+              <a:rPr lang="ko-KR" altLang="en-US" smtClean="0"/>
+              <a:t>2018-04-13</a:t>
+            </a:fld>
+            <a:endParaRPr lang="ko-KR" altLang="en-US"/>
+          </a:p>
+        </p:txBody>
+      </p:sp>
+      <p:sp>
+        <p:nvSpPr>
+          <p:cNvPr id="15" name="슬라이드 번호 개체 틀 14"/>
+          <p:cNvSpPr>
+            <a:spLocks noGrp="1"/>
+          </p:cNvSpPr>
+          <p:nvPr>
+            <p:ph type="sldNum" sz="quarter" idx="12"/>
+          </p:nvPr>
+        </p:nvSpPr>
+        <p:spPr/>
+        <p:txBody>
+          <a:bodyPr/>
+          <a:lstStyle/>
+          <a:p>
+            <a:fld id="{8765F8EB-1186-4395-8E70-F957669279DD}" type="slidenum">
+              <a:rPr lang="ko-KR" altLang="en-US" smtClean="0"/>
+              <a:t>10</a:t>
+            </a:fld>
+            <a:endParaRPr lang="ko-KR" altLang="en-US"/>
+          </a:p>
+        </p:txBody>
+      </p:sp>
+      <p:sp>
+        <p:nvSpPr>
+          <p:cNvPr id="18" name="TextBox 17"/>
+          <p:cNvSpPr txBox="1"/>
+          <p:nvPr/>
+        </p:nvSpPr>
+        <p:spPr>
+          <a:xfrm>
+            <a:off x="720969" y="914202"/>
+            <a:ext cx="7794381" cy="400110"/>
+          </a:xfrm>
+          <a:prstGeom prst="rect">
+            <a:avLst/>
+          </a:prstGeom>
+          <a:noFill/>
+        </p:spPr>
+        <p:txBody>
+          <a:bodyPr wrap="square" rtlCol="0">
+            <a:spAutoFit/>
+          </a:bodyPr>
+          <a:lstStyle/>
+          <a:p>
+            <a:r>
+              <a:rPr lang="en-US" altLang="ko-KR" sz="2000" dirty="0" smtClean="0"/>
+              <a:t>In reality, multiple reflections occur.</a:t>
+            </a:r>
+            <a:endParaRPr lang="en-US" altLang="ko-KR" sz="2000" dirty="0" smtClean="0"/>
+          </a:p>
+        </p:txBody>
+      </p:sp>
+      <p:pic>
+        <p:nvPicPr>
+          <p:cNvPr id="4" name="그림 3"/>
+          <p:cNvPicPr>
+            <a:picLocks noChangeAspect="1"/>
+          </p:cNvPicPr>
+          <p:nvPr/>
+        </p:nvPicPr>
+        <p:blipFill>
+          <a:blip r:embed="rId3"/>
+          <a:stretch>
+            <a:fillRect/>
+          </a:stretch>
+        </p:blipFill>
+        <p:spPr>
+          <a:xfrm>
+            <a:off x="768960" y="2364009"/>
+            <a:ext cx="3257943" cy="2129983"/>
+          </a:xfrm>
+          <a:prstGeom prst="rect">
+            <a:avLst/>
+          </a:prstGeom>
+        </p:spPr>
+      </p:pic>
+      <p:pic>
+        <p:nvPicPr>
+          <p:cNvPr id="5" name="그림 4"/>
+          <p:cNvPicPr>
+            <a:picLocks noChangeAspect="1"/>
+          </p:cNvPicPr>
+          <p:nvPr/>
+        </p:nvPicPr>
+        <p:blipFill>
+          <a:blip r:embed="rId4"/>
+          <a:stretch>
+            <a:fillRect/>
+          </a:stretch>
+        </p:blipFill>
+        <p:spPr>
+          <a:xfrm>
+            <a:off x="4572000" y="2036096"/>
+            <a:ext cx="4025667" cy="2785808"/>
+          </a:xfrm>
+          <a:prstGeom prst="rect">
+            <a:avLst/>
+          </a:prstGeom>
+        </p:spPr>
+      </p:pic>
+      <p:sp>
+        <p:nvSpPr>
+          <p:cNvPr id="9" name="TextBox 8"/>
+          <p:cNvSpPr txBox="1"/>
+          <p:nvPr/>
+        </p:nvSpPr>
+        <p:spPr>
+          <a:xfrm>
+            <a:off x="5199935" y="2579631"/>
+            <a:ext cx="950284" cy="276999"/>
+          </a:xfrm>
+          <a:prstGeom prst="rect">
+            <a:avLst/>
+          </a:prstGeom>
+          <a:noFill/>
+        </p:spPr>
+        <p:txBody>
+          <a:bodyPr wrap="square" rtlCol="0">
+            <a:spAutoFit/>
+          </a:bodyPr>
+          <a:lstStyle/>
+          <a:p>
+            <a:r>
+              <a:rPr lang="en-US" altLang="ko-KR" sz="1200" dirty="0" smtClean="0"/>
+              <a:t>Air-Material</a:t>
+            </a:r>
+            <a:endParaRPr lang="en-US" altLang="ko-KR" sz="1200" dirty="0" smtClean="0"/>
+          </a:p>
+        </p:txBody>
+      </p:sp>
+      <p:sp>
+        <p:nvSpPr>
+          <p:cNvPr id="10" name="TextBox 9"/>
+          <p:cNvSpPr txBox="1"/>
+          <p:nvPr/>
+        </p:nvSpPr>
+        <p:spPr>
+          <a:xfrm>
+            <a:off x="5447942" y="1643730"/>
+            <a:ext cx="1404554" cy="276999"/>
+          </a:xfrm>
+          <a:prstGeom prst="rect">
+            <a:avLst/>
+          </a:prstGeom>
+          <a:noFill/>
+        </p:spPr>
+        <p:txBody>
+          <a:bodyPr wrap="square" rtlCol="0">
+            <a:spAutoFit/>
+          </a:bodyPr>
+          <a:lstStyle/>
+          <a:p>
+            <a:r>
+              <a:rPr lang="en-US" altLang="ko-KR" sz="1200" dirty="0" smtClean="0"/>
+              <a:t>Material-Substrate</a:t>
+            </a:r>
+            <a:endParaRPr lang="en-US" altLang="ko-KR" sz="1200" dirty="0" smtClean="0"/>
+          </a:p>
+        </p:txBody>
+      </p:sp>
+      <p:cxnSp>
+        <p:nvCxnSpPr>
+          <p:cNvPr id="11" name="직선 화살표 연결선 10"/>
+          <p:cNvCxnSpPr>
+            <a:stCxn id="9" idx="2"/>
+          </p:cNvCxnSpPr>
+          <p:nvPr/>
+        </p:nvCxnSpPr>
+        <p:spPr>
+          <a:xfrm flipH="1">
+            <a:off x="5609492" y="2856630"/>
+            <a:ext cx="65585" cy="409262"/>
+          </a:xfrm>
+          <a:prstGeom prst="straightConnector1">
+            <a:avLst/>
+          </a:prstGeom>
+          <a:ln>
+            <a:tailEnd type="triangle"/>
+          </a:ln>
+        </p:spPr>
+        <p:style>
+          <a:lnRef idx="1">
+            <a:schemeClr val="dk1"/>
+          </a:lnRef>
+          <a:fillRef idx="0">
+            <a:schemeClr val="dk1"/>
+          </a:fillRef>
+          <a:effectRef idx="0">
+            <a:schemeClr val="dk1"/>
+          </a:effectRef>
+          <a:fontRef idx="minor">
+            <a:schemeClr val="tx1"/>
+          </a:fontRef>
+        </p:style>
+      </p:cxnSp>
+      <p:cxnSp>
+        <p:nvCxnSpPr>
+          <p:cNvPr id="12" name="직선 화살표 연결선 11"/>
+          <p:cNvCxnSpPr>
+            <a:stCxn id="10" idx="2"/>
+          </p:cNvCxnSpPr>
+          <p:nvPr/>
+        </p:nvCxnSpPr>
+        <p:spPr>
+          <a:xfrm flipH="1">
+            <a:off x="6119447" y="1920729"/>
+            <a:ext cx="30772" cy="337355"/>
+          </a:xfrm>
+          <a:prstGeom prst="straightConnector1">
+            <a:avLst/>
+          </a:prstGeom>
+          <a:ln>
+            <a:tailEnd type="triangle"/>
+          </a:ln>
+        </p:spPr>
+        <p:style>
+          <a:lnRef idx="1">
+            <a:schemeClr val="dk1"/>
+          </a:lnRef>
+          <a:fillRef idx="0">
+            <a:schemeClr val="dk1"/>
+          </a:fillRef>
+          <a:effectRef idx="0">
+            <a:schemeClr val="dk1"/>
+          </a:effectRef>
+          <a:fontRef idx="minor">
+            <a:schemeClr val="tx1"/>
+          </a:fontRef>
+        </p:style>
+      </p:cxnSp>
+    </p:spTree>
+    <p:extLst>
+      <p:ext uri="{BB962C8B-B14F-4D97-AF65-F5344CB8AC3E}">
+        <p14:creationId xmlns:p14="http://schemas.microsoft.com/office/powerpoint/2010/main" val="3305690896"/>
+      </p:ext>
+    </p:extLst>
+  </p:cSld>
+  <p:clrMapOvr>
+    <a:masterClrMapping/>
+  </p:clrMapOvr>
+  <p:timing>
+    <p:tnLst>
+      <p:par>
+        <p:cTn id="1" dur="indefinite" restart="never" nodeType="tmRoot"/>
+      </p:par>
+    </p:tnLst>
+  </p:timing>
+</p:sld>
+</file>
+
+<file path=ppt/slides/slide11.xml><?xml version="1.0" encoding="utf-8"?>
+<p:sld xmlns:a="http://schemas.openxmlformats.org/drawingml/2006/main" xmlns:r="http://schemas.openxmlformats.org/officeDocument/2006/relationships" xmlns:p="http://schemas.openxmlformats.org/presentationml/2006/main">
+  <p:cSld>
+    <p:spTree>
+      <p:nvGrpSpPr>
+        <p:cNvPr id="1" name=""/>
+        <p:cNvGrpSpPr/>
+        <p:nvPr/>
+      </p:nvGrpSpPr>
+      <p:grpSpPr>
+        <a:xfrm>
+          <a:off x="0" y="0"/>
+          <a:ext cx="0" cy="0"/>
+          <a:chOff x="0" y="0"/>
+          <a:chExt cx="0" cy="0"/>
+        </a:xfrm>
+      </p:grpSpPr>
+      <p:sp>
+        <p:nvSpPr>
+          <p:cNvPr id="6199" name="Rectangle 55"/>
+          <p:cNvSpPr>
+            <a:spLocks noChangeArrowheads="1"/>
+          </p:cNvSpPr>
+          <p:nvPr/>
+        </p:nvSpPr>
+        <p:spPr bwMode="auto">
+          <a:xfrm>
+            <a:off x="0" y="0"/>
+            <a:ext cx="9144000" cy="692150"/>
+          </a:xfrm>
+          <a:prstGeom prst="rect">
+            <a:avLst/>
+          </a:prstGeom>
+          <a:solidFill>
+            <a:srgbClr val="3333FF"/>
+          </a:solidFill>
+          <a:ln>
+            <a:noFill/>
+          </a:ln>
+          <a:effectLst/>
+          <a:extLst>
+            <a:ext uri="{91240B29-F687-4F45-9708-019B960494DF}">
+              <a14:hiddenLine xmlns:a14="http://schemas.microsoft.com/office/drawing/2010/main" w="9525">
+                <a:solidFill>
+                  <a:schemeClr val="tx1"/>
+                </a:solidFill>
+                <a:miter lim="800000"/>
+                <a:headEnd/>
+                <a:tailEnd/>
+              </a14:hiddenLine>
+            </a:ext>
+            <a:ext uri="{AF507438-7753-43E0-B8FC-AC1667EBCBE1}">
+              <a14:hiddenEffects xmlns:a14="http://schemas.microsoft.com/office/drawing/2010/main">
+                <a:effectLst>
+                  <a:outerShdw dist="35921" dir="2700000" algn="ctr" rotWithShape="0">
+                    <a:schemeClr val="bg2"/>
+                  </a:outerShdw>
+                </a:effectLst>
+              </a14:hiddenEffects>
+            </a:ext>
+          </a:extLst>
+        </p:spPr>
+        <p:txBody>
+          <a:bodyPr wrap="none" anchor="ctr"/>
+          <a:lstStyle/>
+          <a:p>
+            <a:pPr algn="ctr"/>
+            <a:endParaRPr lang="en-US" altLang="ko-KR" sz="2800" dirty="0">
+              <a:solidFill>
+                <a:schemeClr val="bg1"/>
+              </a:solidFill>
+              <a:latin typeface="Arial" panose="020B0604020202020204" pitchFamily="34" charset="0"/>
+            </a:endParaRPr>
+          </a:p>
+        </p:txBody>
+      </p:sp>
+      <p:sp>
+        <p:nvSpPr>
+          <p:cNvPr id="2" name="직사각형 1"/>
+          <p:cNvSpPr/>
+          <p:nvPr/>
+        </p:nvSpPr>
+        <p:spPr>
+          <a:xfrm>
+            <a:off x="1286256" y="2004529"/>
+            <a:ext cx="6571488" cy="2848942"/>
+          </a:xfrm>
+          <a:prstGeom prst="rect">
+            <a:avLst/>
+          </a:prstGeom>
+          <a:noFill/>
+          <a:ln w="38100">
+            <a:solidFill>
+              <a:srgbClr val="3333FF"/>
+            </a:solidFill>
+          </a:ln>
+        </p:spPr>
+        <p:style>
+          <a:lnRef idx="2">
+            <a:schemeClr val="accent1">
+              <a:shade val="50000"/>
+            </a:schemeClr>
+          </a:lnRef>
+          <a:fillRef idx="1">
+            <a:schemeClr val="accent1"/>
+          </a:fillRef>
+          <a:effectRef idx="0">
+            <a:schemeClr val="accent1"/>
+          </a:effectRef>
+          <a:fontRef idx="minor">
+            <a:schemeClr val="lt1"/>
+          </a:fontRef>
+        </p:style>
+        <p:txBody>
+          <a:bodyPr rtlCol="0" anchor="ctr"/>
+          <a:lstStyle/>
+          <a:p>
+            <a:pPr algn="ctr"/>
+            <a:r>
+              <a:rPr lang="en-US" altLang="ko-KR" sz="3600" dirty="0" smtClean="0">
+                <a:solidFill>
+                  <a:srgbClr val="3333FF"/>
+                </a:solidFill>
+                <a:latin typeface="Arial" panose="020B0604020202020204" pitchFamily="34" charset="0"/>
+              </a:rPr>
+              <a:t>Spatial </a:t>
+            </a:r>
+            <a:r>
+              <a:rPr lang="en-US" altLang="ko-KR" sz="3600" dirty="0" err="1" smtClean="0">
+                <a:solidFill>
+                  <a:srgbClr val="3333FF"/>
+                </a:solidFill>
+                <a:latin typeface="Arial" panose="020B0604020202020204" pitchFamily="34" charset="0"/>
+              </a:rPr>
+              <a:t>Resloution</a:t>
+            </a:r>
+            <a:r>
+              <a:rPr lang="en-US" altLang="ko-KR" sz="3600" dirty="0" smtClean="0">
+                <a:solidFill>
+                  <a:srgbClr val="3333FF"/>
+                </a:solidFill>
+                <a:latin typeface="Arial" panose="020B0604020202020204" pitchFamily="34" charset="0"/>
+              </a:rPr>
+              <a:t> Tests</a:t>
+            </a:r>
+            <a:endParaRPr lang="ko-KR" altLang="en-US" sz="3600" dirty="0"/>
+          </a:p>
+        </p:txBody>
+      </p:sp>
+      <p:sp>
+        <p:nvSpPr>
+          <p:cNvPr id="3" name="날짜 개체 틀 2"/>
+          <p:cNvSpPr>
+            <a:spLocks noGrp="1"/>
+          </p:cNvSpPr>
+          <p:nvPr>
+            <p:ph type="dt" sz="half" idx="10"/>
+          </p:nvPr>
+        </p:nvSpPr>
+        <p:spPr/>
+        <p:txBody>
+          <a:bodyPr/>
+          <a:lstStyle/>
+          <a:p>
+            <a:fld id="{F85A177F-6FD3-496B-8A9C-B332CA04E863}" type="datetime1">
+              <a:rPr lang="ko-KR" altLang="en-US" smtClean="0"/>
+              <a:t>2018-04-13</a:t>
+            </a:fld>
+            <a:endParaRPr lang="ko-KR" altLang="en-US"/>
+          </a:p>
+        </p:txBody>
+      </p:sp>
+      <p:sp>
+        <p:nvSpPr>
+          <p:cNvPr id="4" name="슬라이드 번호 개체 틀 3"/>
+          <p:cNvSpPr>
+            <a:spLocks noGrp="1"/>
+          </p:cNvSpPr>
+          <p:nvPr>
+            <p:ph type="sldNum" sz="quarter" idx="12"/>
+          </p:nvPr>
+        </p:nvSpPr>
+        <p:spPr/>
+        <p:txBody>
+          <a:bodyPr/>
+          <a:lstStyle/>
+          <a:p>
+            <a:fld id="{8765F8EB-1186-4395-8E70-F957669279DD}" type="slidenum">
+              <a:rPr lang="ko-KR" altLang="en-US" smtClean="0"/>
+              <a:t>11</a:t>
+            </a:fld>
+            <a:endParaRPr lang="ko-KR" altLang="en-US"/>
+          </a:p>
+        </p:txBody>
+      </p:sp>
+    </p:spTree>
+    <p:extLst>
+      <p:ext uri="{BB962C8B-B14F-4D97-AF65-F5344CB8AC3E}">
+        <p14:creationId xmlns:p14="http://schemas.microsoft.com/office/powerpoint/2010/main" val="1629393669"/>
+      </p:ext>
+    </p:extLst>
+  </p:cSld>
+  <p:clrMapOvr>
+    <a:masterClrMapping/>
+  </p:clrMapOvr>
+  <p:timing>
+    <p:tnLst>
+      <p:par>
+        <p:cTn id="1" dur="indefinite" restart="never" nodeType="tmRoot"/>
+      </p:par>
+    </p:tnLst>
+  </p:timing>
+</p:sld>
+</file>
+
+<file path=ppt/slides/slide12.xml><?xml version="1.0" encoding="utf-8"?>
+<p:sld xmlns:a="http://schemas.openxmlformats.org/drawingml/2006/main" xmlns:r="http://schemas.openxmlformats.org/officeDocument/2006/relationships" xmlns:p="http://schemas.openxmlformats.org/presentationml/2006/main">
+  <p:cSld>
+    <p:spTree>
+      <p:nvGrpSpPr>
+        <p:cNvPr id="1" name=""/>
+        <p:cNvGrpSpPr/>
+        <p:nvPr/>
+      </p:nvGrpSpPr>
+      <p:grpSpPr>
+        <a:xfrm>
+          <a:off x="0" y="0"/>
+          <a:ext cx="0" cy="0"/>
+          <a:chOff x="0" y="0"/>
+          <a:chExt cx="0" cy="0"/>
+        </a:xfrm>
+      </p:grpSpPr>
+      <p:sp>
+        <p:nvSpPr>
+          <p:cNvPr id="6199" name="Rectangle 55"/>
+          <p:cNvSpPr>
+            <a:spLocks noChangeArrowheads="1"/>
+          </p:cNvSpPr>
+          <p:nvPr/>
+        </p:nvSpPr>
+        <p:spPr bwMode="auto">
+          <a:xfrm>
+            <a:off x="0" y="0"/>
+            <a:ext cx="9144000" cy="692150"/>
+          </a:xfrm>
+          <a:prstGeom prst="rect">
+            <a:avLst/>
+          </a:prstGeom>
+          <a:solidFill>
+            <a:srgbClr val="3333FF"/>
+          </a:solidFill>
+          <a:ln>
+            <a:noFill/>
+          </a:ln>
+          <a:effectLst/>
+          <a:extLst>
+            <a:ext uri="{91240B29-F687-4F45-9708-019B960494DF}">
+              <a14:hiddenLine xmlns:a14="http://schemas.microsoft.com/office/drawing/2010/main" w="9525">
+                <a:solidFill>
+                  <a:schemeClr val="tx1"/>
+                </a:solidFill>
+                <a:miter lim="800000"/>
+                <a:headEnd/>
+                <a:tailEnd/>
+              </a14:hiddenLine>
+            </a:ext>
+            <a:ext uri="{AF507438-7753-43E0-B8FC-AC1667EBCBE1}">
+              <a14:hiddenEffects xmlns:a14="http://schemas.microsoft.com/office/drawing/2010/main">
+                <a:effectLst>
+                  <a:outerShdw dist="35921" dir="2700000" algn="ctr" rotWithShape="0">
+                    <a:schemeClr val="bg2"/>
+                  </a:outerShdw>
+                </a:effectLst>
+              </a14:hiddenEffects>
+            </a:ext>
+          </a:extLst>
+        </p:spPr>
+        <p:txBody>
+          <a:bodyPr wrap="none" anchor="ctr"/>
+          <a:lstStyle/>
+          <a:p>
+            <a:pPr algn="ctr"/>
+            <a:r>
+              <a:rPr lang="en-US" altLang="ko-KR" sz="2800" dirty="0">
+                <a:solidFill>
+                  <a:schemeClr val="bg1"/>
+                </a:solidFill>
+                <a:latin typeface="Arial" panose="020B0604020202020204" pitchFamily="34" charset="0"/>
+              </a:rPr>
+              <a:t>4</a:t>
+            </a:r>
+            <a:r>
+              <a:rPr lang="en-US" altLang="ko-KR" sz="2800" dirty="0" smtClean="0">
+                <a:solidFill>
+                  <a:schemeClr val="bg1"/>
+                </a:solidFill>
+                <a:latin typeface="Arial" panose="020B0604020202020204" pitchFamily="34" charset="0"/>
+              </a:rPr>
+              <a:t>. Spatial Resolution Tests</a:t>
+            </a:r>
+            <a:endParaRPr lang="en-US" altLang="ko-KR" sz="2800" dirty="0" smtClean="0">
+              <a:solidFill>
+                <a:schemeClr val="bg1"/>
+              </a:solidFill>
+              <a:latin typeface="Arial" panose="020B0604020202020204" pitchFamily="34" charset="0"/>
+            </a:endParaRPr>
+          </a:p>
+        </p:txBody>
+      </p:sp>
+      <p:sp>
+        <p:nvSpPr>
+          <p:cNvPr id="2" name="날짜 개체 틀 1"/>
+          <p:cNvSpPr>
+            <a:spLocks noGrp="1"/>
+          </p:cNvSpPr>
+          <p:nvPr>
+            <p:ph type="dt" sz="half" idx="10"/>
+          </p:nvPr>
+        </p:nvSpPr>
+        <p:spPr/>
+        <p:txBody>
+          <a:bodyPr/>
+          <a:lstStyle/>
+          <a:p>
+            <a:fld id="{53646E5C-8775-44A9-9523-40B6CCA06789}" type="datetime1">
+              <a:rPr lang="ko-KR" altLang="en-US" smtClean="0"/>
+              <a:t>2018-04-13</a:t>
+            </a:fld>
+            <a:endParaRPr lang="ko-KR" altLang="en-US"/>
+          </a:p>
+        </p:txBody>
+      </p:sp>
+      <p:sp>
+        <p:nvSpPr>
+          <p:cNvPr id="15" name="슬라이드 번호 개체 틀 14"/>
+          <p:cNvSpPr>
+            <a:spLocks noGrp="1"/>
+          </p:cNvSpPr>
+          <p:nvPr>
+            <p:ph type="sldNum" sz="quarter" idx="12"/>
+          </p:nvPr>
+        </p:nvSpPr>
+        <p:spPr/>
+        <p:txBody>
+          <a:bodyPr/>
+          <a:lstStyle/>
+          <a:p>
+            <a:fld id="{8765F8EB-1186-4395-8E70-F957669279DD}" type="slidenum">
+              <a:rPr lang="ko-KR" altLang="en-US" smtClean="0"/>
+              <a:t>12</a:t>
+            </a:fld>
+            <a:endParaRPr lang="ko-KR" altLang="en-US"/>
+          </a:p>
+        </p:txBody>
+      </p:sp>
+      <p:sp>
+        <p:nvSpPr>
+          <p:cNvPr id="18" name="TextBox 17"/>
+          <p:cNvSpPr txBox="1"/>
+          <p:nvPr/>
+        </p:nvSpPr>
+        <p:spPr>
+          <a:xfrm>
+            <a:off x="720969" y="914202"/>
+            <a:ext cx="7794381" cy="400110"/>
+          </a:xfrm>
+          <a:prstGeom prst="rect">
+            <a:avLst/>
+          </a:prstGeom>
+          <a:noFill/>
+        </p:spPr>
+        <p:txBody>
+          <a:bodyPr wrap="square" rtlCol="0">
+            <a:spAutoFit/>
+          </a:bodyPr>
+          <a:lstStyle/>
+          <a:p>
+            <a:r>
+              <a:rPr lang="en-US" altLang="ko-KR" sz="2000" dirty="0" smtClean="0"/>
+              <a:t>First, the model takes into account only a single reflected pulse.</a:t>
+            </a:r>
+            <a:endParaRPr lang="en-US" altLang="ko-KR" sz="2000" dirty="0" smtClean="0"/>
+          </a:p>
+        </p:txBody>
+      </p:sp>
+      <p:pic>
+        <p:nvPicPr>
+          <p:cNvPr id="5" name="그림 4"/>
+          <p:cNvPicPr>
+            <a:picLocks noChangeAspect="1"/>
+          </p:cNvPicPr>
+          <p:nvPr/>
+        </p:nvPicPr>
+        <p:blipFill>
+          <a:blip r:embed="rId3"/>
+          <a:stretch>
+            <a:fillRect/>
+          </a:stretch>
+        </p:blipFill>
+        <p:spPr>
+          <a:xfrm>
+            <a:off x="628650" y="2116014"/>
+            <a:ext cx="3122596" cy="2918314"/>
+          </a:xfrm>
+          <a:prstGeom prst="rect">
+            <a:avLst/>
+          </a:prstGeom>
+        </p:spPr>
+      </p:pic>
+      <p:pic>
+        <p:nvPicPr>
+          <p:cNvPr id="6" name="그림 5"/>
+          <p:cNvPicPr>
+            <a:picLocks noChangeAspect="1"/>
+          </p:cNvPicPr>
+          <p:nvPr/>
+        </p:nvPicPr>
+        <p:blipFill>
+          <a:blip r:embed="rId4"/>
+          <a:stretch>
+            <a:fillRect/>
+          </a:stretch>
+        </p:blipFill>
+        <p:spPr>
+          <a:xfrm>
+            <a:off x="4294068" y="2179471"/>
+            <a:ext cx="3945181" cy="2854857"/>
+          </a:xfrm>
+          <a:prstGeom prst="rect">
+            <a:avLst/>
+          </a:prstGeom>
+        </p:spPr>
+      </p:pic>
+    </p:spTree>
+    <p:extLst>
+      <p:ext uri="{BB962C8B-B14F-4D97-AF65-F5344CB8AC3E}">
+        <p14:creationId xmlns:p14="http://schemas.microsoft.com/office/powerpoint/2010/main" val="2242170203"/>
+      </p:ext>
+    </p:extLst>
+  </p:cSld>
+  <p:clrMapOvr>
+    <a:masterClrMapping/>
+  </p:clrMapOvr>
+  <p:timing>
+    <p:tnLst>
+      <p:par>
+        <p:cTn id="1" dur="indefinite" restart="never" nodeType="tmRoot"/>
+      </p:par>
+    </p:tnLst>
+  </p:timing>
+</p:sld>
+</file>
+
+<file path=ppt/slides/slide13.xml><?xml version="1.0" encoding="utf-8"?>
+<p:sld xmlns:a="http://schemas.openxmlformats.org/drawingml/2006/main" xmlns:r="http://schemas.openxmlformats.org/officeDocument/2006/relationships" xmlns:p="http://schemas.openxmlformats.org/presentationml/2006/main">
+  <p:cSld>
+    <p:spTree>
+      <p:nvGrpSpPr>
+        <p:cNvPr id="1" name=""/>
+        <p:cNvGrpSpPr/>
+        <p:nvPr/>
+      </p:nvGrpSpPr>
+      <p:grpSpPr>
+        <a:xfrm>
+          <a:off x="0" y="0"/>
+          <a:ext cx="0" cy="0"/>
+          <a:chOff x="0" y="0"/>
+          <a:chExt cx="0" cy="0"/>
+        </a:xfrm>
+      </p:grpSpPr>
+      <p:sp>
+        <p:nvSpPr>
+          <p:cNvPr id="6199" name="Rectangle 55"/>
+          <p:cNvSpPr>
+            <a:spLocks noChangeArrowheads="1"/>
+          </p:cNvSpPr>
+          <p:nvPr/>
+        </p:nvSpPr>
+        <p:spPr bwMode="auto">
+          <a:xfrm>
+            <a:off x="0" y="0"/>
+            <a:ext cx="9144000" cy="692150"/>
+          </a:xfrm>
+          <a:prstGeom prst="rect">
+            <a:avLst/>
+          </a:prstGeom>
+          <a:solidFill>
+            <a:srgbClr val="3333FF"/>
+          </a:solidFill>
+          <a:ln>
+            <a:noFill/>
+          </a:ln>
+          <a:effectLst/>
+          <a:extLst>
+            <a:ext uri="{91240B29-F687-4F45-9708-019B960494DF}">
+              <a14:hiddenLine xmlns:a14="http://schemas.microsoft.com/office/drawing/2010/main" w="9525">
+                <a:solidFill>
+                  <a:schemeClr val="tx1"/>
+                </a:solidFill>
+                <a:miter lim="800000"/>
+                <a:headEnd/>
+                <a:tailEnd/>
+              </a14:hiddenLine>
+            </a:ext>
+            <a:ext uri="{AF507438-7753-43E0-B8FC-AC1667EBCBE1}">
+              <a14:hiddenEffects xmlns:a14="http://schemas.microsoft.com/office/drawing/2010/main">
+                <a:effectLst>
+                  <a:outerShdw dist="35921" dir="2700000" algn="ctr" rotWithShape="0">
+                    <a:schemeClr val="bg2"/>
+                  </a:outerShdw>
+                </a:effectLst>
+              </a14:hiddenEffects>
+            </a:ext>
+          </a:extLst>
+        </p:spPr>
+        <p:txBody>
+          <a:bodyPr wrap="none" anchor="ctr"/>
+          <a:lstStyle/>
+          <a:p>
+            <a:pPr algn="ctr"/>
+            <a:r>
+              <a:rPr lang="en-US" altLang="ko-KR" sz="2800" dirty="0">
+                <a:solidFill>
+                  <a:schemeClr val="bg1"/>
+                </a:solidFill>
+                <a:latin typeface="Arial" panose="020B0604020202020204" pitchFamily="34" charset="0"/>
+              </a:rPr>
+              <a:t>4</a:t>
+            </a:r>
+            <a:r>
+              <a:rPr lang="en-US" altLang="ko-KR" sz="2800" dirty="0" smtClean="0">
+                <a:solidFill>
+                  <a:schemeClr val="bg1"/>
+                </a:solidFill>
+                <a:latin typeface="Arial" panose="020B0604020202020204" pitchFamily="34" charset="0"/>
+              </a:rPr>
+              <a:t>. Spatial Resolution Tests</a:t>
+            </a:r>
+            <a:endParaRPr lang="en-US" altLang="ko-KR" sz="2800" dirty="0" smtClean="0">
+              <a:solidFill>
+                <a:schemeClr val="bg1"/>
+              </a:solidFill>
+              <a:latin typeface="Arial" panose="020B0604020202020204" pitchFamily="34" charset="0"/>
+            </a:endParaRPr>
+          </a:p>
+        </p:txBody>
+      </p:sp>
+      <p:sp>
+        <p:nvSpPr>
+          <p:cNvPr id="2" name="날짜 개체 틀 1"/>
+          <p:cNvSpPr>
+            <a:spLocks noGrp="1"/>
+          </p:cNvSpPr>
+          <p:nvPr>
+            <p:ph type="dt" sz="half" idx="10"/>
+          </p:nvPr>
+        </p:nvSpPr>
+        <p:spPr/>
+        <p:txBody>
+          <a:bodyPr/>
+          <a:lstStyle/>
+          <a:p>
+            <a:fld id="{53646E5C-8775-44A9-9523-40B6CCA06789}" type="datetime1">
+              <a:rPr lang="ko-KR" altLang="en-US" smtClean="0"/>
+              <a:t>2018-04-13</a:t>
+            </a:fld>
+            <a:endParaRPr lang="ko-KR" altLang="en-US"/>
+          </a:p>
+        </p:txBody>
+      </p:sp>
+      <p:sp>
+        <p:nvSpPr>
+          <p:cNvPr id="15" name="슬라이드 번호 개체 틀 14"/>
+          <p:cNvSpPr>
+            <a:spLocks noGrp="1"/>
+          </p:cNvSpPr>
+          <p:nvPr>
+            <p:ph type="sldNum" sz="quarter" idx="12"/>
+          </p:nvPr>
+        </p:nvSpPr>
+        <p:spPr/>
+        <p:txBody>
+          <a:bodyPr/>
+          <a:lstStyle/>
+          <a:p>
+            <a:fld id="{8765F8EB-1186-4395-8E70-F957669279DD}" type="slidenum">
+              <a:rPr lang="ko-KR" altLang="en-US" smtClean="0"/>
+              <a:t>13</a:t>
+            </a:fld>
+            <a:endParaRPr lang="ko-KR" altLang="en-US"/>
+          </a:p>
+        </p:txBody>
+      </p:sp>
+      <p:sp>
+        <p:nvSpPr>
+          <p:cNvPr id="18" name="TextBox 17"/>
+          <p:cNvSpPr txBox="1"/>
+          <p:nvPr/>
+        </p:nvSpPr>
+        <p:spPr>
+          <a:xfrm>
+            <a:off x="720969" y="914202"/>
+            <a:ext cx="7794381" cy="400110"/>
+          </a:xfrm>
+          <a:prstGeom prst="rect">
+            <a:avLst/>
+          </a:prstGeom>
+          <a:noFill/>
+        </p:spPr>
+        <p:txBody>
+          <a:bodyPr wrap="square" rtlCol="0">
+            <a:spAutoFit/>
+          </a:bodyPr>
+          <a:lstStyle/>
+          <a:p>
+            <a:r>
+              <a:rPr lang="en-US" altLang="ko-KR" sz="2000" dirty="0" smtClean="0"/>
+              <a:t>First, the model takes into account only a single reflected pulse.</a:t>
+            </a:r>
+            <a:endParaRPr lang="en-US" altLang="ko-KR" sz="2000" dirty="0" smtClean="0"/>
+          </a:p>
+        </p:txBody>
+      </p:sp>
+      <p:pic>
+        <p:nvPicPr>
+          <p:cNvPr id="3" name="그림 2"/>
+          <p:cNvPicPr>
+            <a:picLocks noChangeAspect="1"/>
+          </p:cNvPicPr>
+          <p:nvPr/>
+        </p:nvPicPr>
+        <p:blipFill>
+          <a:blip r:embed="rId3"/>
+          <a:stretch>
+            <a:fillRect/>
+          </a:stretch>
+        </p:blipFill>
+        <p:spPr>
+          <a:xfrm>
+            <a:off x="720969" y="1553605"/>
+            <a:ext cx="4155401" cy="4360949"/>
+          </a:xfrm>
+          <a:prstGeom prst="rect">
+            <a:avLst/>
+          </a:prstGeom>
+        </p:spPr>
+      </p:pic>
+      <p:pic>
+        <p:nvPicPr>
+          <p:cNvPr id="4" name="그림 3"/>
+          <p:cNvPicPr>
+            <a:picLocks noChangeAspect="1"/>
+          </p:cNvPicPr>
+          <p:nvPr/>
+        </p:nvPicPr>
+        <p:blipFill>
+          <a:blip r:embed="rId4"/>
+          <a:stretch>
+            <a:fillRect/>
+          </a:stretch>
+        </p:blipFill>
+        <p:spPr>
+          <a:xfrm>
+            <a:off x="4941275" y="2341633"/>
+            <a:ext cx="3899023" cy="2987396"/>
+          </a:xfrm>
+          <a:prstGeom prst="rect">
+            <a:avLst/>
+          </a:prstGeom>
+        </p:spPr>
+      </p:pic>
+    </p:spTree>
+    <p:extLst>
+      <p:ext uri="{BB962C8B-B14F-4D97-AF65-F5344CB8AC3E}">
+        <p14:creationId xmlns:p14="http://schemas.microsoft.com/office/powerpoint/2010/main" val="4080323480"/>
+      </p:ext>
+    </p:extLst>
+  </p:cSld>
+  <p:clrMapOvr>
+    <a:masterClrMapping/>
+  </p:clrMapOvr>
+  <p:timing>
+    <p:tnLst>
+      <p:par>
+        <p:cTn id="1" dur="indefinite" restart="never" nodeType="tmRoot"/>
+      </p:par>
+    </p:tnLst>
+  </p:timing>
+</p:sld>
+</file>
+
+<file path=ppt/slides/slide14.xml><?xml version="1.0" encoding="utf-8"?>
+<p:sld xmlns:a="http://schemas.openxmlformats.org/drawingml/2006/main" xmlns:r="http://schemas.openxmlformats.org/officeDocument/2006/relationships" xmlns:p="http://schemas.openxmlformats.org/presentationml/2006/main">
+  <p:cSld>
+    <p:spTree>
+      <p:nvGrpSpPr>
+        <p:cNvPr id="1" name=""/>
+        <p:cNvGrpSpPr/>
+        <p:nvPr/>
+      </p:nvGrpSpPr>
+      <p:grpSpPr>
+        <a:xfrm>
+          <a:off x="0" y="0"/>
+          <a:ext cx="0" cy="0"/>
+          <a:chOff x="0" y="0"/>
+          <a:chExt cx="0" cy="0"/>
+        </a:xfrm>
+      </p:grpSpPr>
+      <p:sp>
+        <p:nvSpPr>
+          <p:cNvPr id="6199" name="Rectangle 55"/>
+          <p:cNvSpPr>
+            <a:spLocks noChangeArrowheads="1"/>
+          </p:cNvSpPr>
+          <p:nvPr/>
+        </p:nvSpPr>
+        <p:spPr bwMode="auto">
+          <a:xfrm>
+            <a:off x="0" y="0"/>
+            <a:ext cx="9144000" cy="692150"/>
+          </a:xfrm>
+          <a:prstGeom prst="rect">
+            <a:avLst/>
+          </a:prstGeom>
+          <a:solidFill>
+            <a:srgbClr val="3333FF"/>
+          </a:solidFill>
+          <a:ln>
+            <a:noFill/>
+          </a:ln>
+          <a:effectLst/>
+          <a:extLst>
+            <a:ext uri="{91240B29-F687-4F45-9708-019B960494DF}">
+              <a14:hiddenLine xmlns:a14="http://schemas.microsoft.com/office/drawing/2010/main" w="9525">
+                <a:solidFill>
+                  <a:schemeClr val="tx1"/>
+                </a:solidFill>
+                <a:miter lim="800000"/>
+                <a:headEnd/>
+                <a:tailEnd/>
+              </a14:hiddenLine>
+            </a:ext>
+            <a:ext uri="{AF507438-7753-43E0-B8FC-AC1667EBCBE1}">
+              <a14:hiddenEffects xmlns:a14="http://schemas.microsoft.com/office/drawing/2010/main">
+                <a:effectLst>
+                  <a:outerShdw dist="35921" dir="2700000" algn="ctr" rotWithShape="0">
+                    <a:schemeClr val="bg2"/>
+                  </a:outerShdw>
+                </a:effectLst>
+              </a14:hiddenEffects>
+            </a:ext>
+          </a:extLst>
+        </p:spPr>
+        <p:txBody>
+          <a:bodyPr wrap="none" anchor="ctr"/>
+          <a:lstStyle/>
+          <a:p>
+            <a:pPr algn="ctr"/>
+            <a:endParaRPr lang="en-US" altLang="ko-KR" sz="2800" dirty="0">
+              <a:solidFill>
+                <a:schemeClr val="bg1"/>
+              </a:solidFill>
+              <a:latin typeface="Arial" panose="020B0604020202020204" pitchFamily="34" charset="0"/>
+            </a:endParaRPr>
+          </a:p>
+        </p:txBody>
+      </p:sp>
+      <p:sp>
+        <p:nvSpPr>
+          <p:cNvPr id="2" name="직사각형 1"/>
+          <p:cNvSpPr/>
+          <p:nvPr/>
+        </p:nvSpPr>
+        <p:spPr>
+          <a:xfrm>
+            <a:off x="1286256" y="2004529"/>
+            <a:ext cx="6571488" cy="2848942"/>
+          </a:xfrm>
+          <a:prstGeom prst="rect">
+            <a:avLst/>
+          </a:prstGeom>
+          <a:noFill/>
+          <a:ln w="38100">
+            <a:solidFill>
+              <a:srgbClr val="3333FF"/>
+            </a:solidFill>
+          </a:ln>
+        </p:spPr>
+        <p:style>
+          <a:lnRef idx="2">
+            <a:schemeClr val="accent1">
+              <a:shade val="50000"/>
+            </a:schemeClr>
+          </a:lnRef>
+          <a:fillRef idx="1">
+            <a:schemeClr val="accent1"/>
+          </a:fillRef>
+          <a:effectRef idx="0">
+            <a:schemeClr val="accent1"/>
+          </a:effectRef>
+          <a:fontRef idx="minor">
+            <a:schemeClr val="lt1"/>
+          </a:fontRef>
+        </p:style>
+        <p:txBody>
+          <a:bodyPr rtlCol="0" anchor="ctr"/>
+          <a:lstStyle/>
+          <a:p>
+            <a:pPr algn="ctr"/>
+            <a:r>
+              <a:rPr lang="en-US" altLang="ko-KR" sz="3600" dirty="0" smtClean="0">
+                <a:solidFill>
+                  <a:srgbClr val="3333FF"/>
+                </a:solidFill>
+                <a:latin typeface="Arial" panose="020B0604020202020204" pitchFamily="34" charset="0"/>
+              </a:rPr>
+              <a:t>Near-Field Imaging</a:t>
+            </a:r>
+            <a:endParaRPr lang="ko-KR" altLang="en-US" sz="3600" dirty="0"/>
+          </a:p>
+        </p:txBody>
+      </p:sp>
+      <p:sp>
+        <p:nvSpPr>
+          <p:cNvPr id="3" name="날짜 개체 틀 2"/>
+          <p:cNvSpPr>
+            <a:spLocks noGrp="1"/>
+          </p:cNvSpPr>
+          <p:nvPr>
+            <p:ph type="dt" sz="half" idx="10"/>
+          </p:nvPr>
+        </p:nvSpPr>
+        <p:spPr/>
+        <p:txBody>
+          <a:bodyPr/>
+          <a:lstStyle/>
+          <a:p>
+            <a:fld id="{F85A177F-6FD3-496B-8A9C-B332CA04E863}" type="datetime1">
+              <a:rPr lang="ko-KR" altLang="en-US" smtClean="0"/>
+              <a:t>2018-04-13</a:t>
+            </a:fld>
+            <a:endParaRPr lang="ko-KR" altLang="en-US"/>
+          </a:p>
+        </p:txBody>
+      </p:sp>
+      <p:sp>
+        <p:nvSpPr>
+          <p:cNvPr id="4" name="슬라이드 번호 개체 틀 3"/>
+          <p:cNvSpPr>
+            <a:spLocks noGrp="1"/>
+          </p:cNvSpPr>
+          <p:nvPr>
+            <p:ph type="sldNum" sz="quarter" idx="12"/>
+          </p:nvPr>
+        </p:nvSpPr>
+        <p:spPr/>
+        <p:txBody>
+          <a:bodyPr/>
+          <a:lstStyle/>
+          <a:p>
+            <a:fld id="{8765F8EB-1186-4395-8E70-F957669279DD}" type="slidenum">
+              <a:rPr lang="ko-KR" altLang="en-US" smtClean="0"/>
+              <a:t>14</a:t>
+            </a:fld>
+            <a:endParaRPr lang="ko-KR" altLang="en-US"/>
+          </a:p>
+        </p:txBody>
+      </p:sp>
+    </p:spTree>
+    <p:extLst>
+      <p:ext uri="{BB962C8B-B14F-4D97-AF65-F5344CB8AC3E}">
+        <p14:creationId xmlns:p14="http://schemas.microsoft.com/office/powerpoint/2010/main" val="2537017193"/>
+      </p:ext>
+    </p:extLst>
+  </p:cSld>
+  <p:clrMapOvr>
+    <a:masterClrMapping/>
+  </p:clrMapOvr>
+  <p:timing>
+    <p:tnLst>
+      <p:par>
+        <p:cTn id="1" dur="indefinite" restart="never" nodeType="tmRoot"/>
+      </p:par>
+    </p:tnLst>
+  </p:timing>
+</p:sld>
+</file>
+
+<file path=ppt/slides/slide15.xml><?xml version="1.0" encoding="utf-8"?>
+<p:sld xmlns:a="http://schemas.openxmlformats.org/drawingml/2006/main" xmlns:r="http://schemas.openxmlformats.org/officeDocument/2006/relationships" xmlns:p="http://schemas.openxmlformats.org/presentationml/2006/main">
+  <p:cSld>
+    <p:spTree>
+      <p:nvGrpSpPr>
+        <p:cNvPr id="1" name=""/>
+        <p:cNvGrpSpPr/>
+        <p:nvPr/>
+      </p:nvGrpSpPr>
+      <p:grpSpPr>
+        <a:xfrm>
+          <a:off x="0" y="0"/>
+          <a:ext cx="0" cy="0"/>
+          <a:chOff x="0" y="0"/>
+          <a:chExt cx="0" cy="0"/>
+        </a:xfrm>
+      </p:grpSpPr>
+      <p:sp>
+        <p:nvSpPr>
+          <p:cNvPr id="6199" name="Rectangle 55"/>
+          <p:cNvSpPr>
+            <a:spLocks noChangeArrowheads="1"/>
+          </p:cNvSpPr>
+          <p:nvPr/>
+        </p:nvSpPr>
+        <p:spPr bwMode="auto">
+          <a:xfrm>
+            <a:off x="0" y="0"/>
+            <a:ext cx="9144000" cy="692150"/>
+          </a:xfrm>
+          <a:prstGeom prst="rect">
+            <a:avLst/>
+          </a:prstGeom>
+          <a:solidFill>
+            <a:srgbClr val="3333FF"/>
+          </a:solidFill>
+          <a:ln>
+            <a:noFill/>
+          </a:ln>
+          <a:effectLst/>
+          <a:extLst>
+            <a:ext uri="{91240B29-F687-4F45-9708-019B960494DF}">
+              <a14:hiddenLine xmlns:a14="http://schemas.microsoft.com/office/drawing/2010/main" w="9525">
+                <a:solidFill>
+                  <a:schemeClr val="tx1"/>
+                </a:solidFill>
+                <a:miter lim="800000"/>
+                <a:headEnd/>
+                <a:tailEnd/>
+              </a14:hiddenLine>
+            </a:ext>
+            <a:ext uri="{AF507438-7753-43E0-B8FC-AC1667EBCBE1}">
+              <a14:hiddenEffects xmlns:a14="http://schemas.microsoft.com/office/drawing/2010/main">
+                <a:effectLst>
+                  <a:outerShdw dist="35921" dir="2700000" algn="ctr" rotWithShape="0">
+                    <a:schemeClr val="bg2"/>
+                  </a:outerShdw>
+                </a:effectLst>
+              </a14:hiddenEffects>
+            </a:ext>
+          </a:extLst>
+        </p:spPr>
+        <p:txBody>
+          <a:bodyPr wrap="none" anchor="ctr"/>
+          <a:lstStyle/>
+          <a:p>
+            <a:pPr algn="ctr"/>
+            <a:r>
               <a:rPr lang="en-US" altLang="ko-KR" sz="2800" dirty="0" smtClean="0">
                 <a:solidFill>
                   <a:schemeClr val="bg1"/>
@@ -4644,7 +6319,7 @@
           <a:p>
             <a:fld id="{6509A91F-0059-474E-BAEC-65E67593FE25}" type="datetime1">
               <a:rPr lang="ko-KR" altLang="en-US" smtClean="0"/>
-              <a:t>2018-04-12</a:t>
+              <a:t>2018-04-13</a:t>
             </a:fld>
             <a:endParaRPr lang="ko-KR" altLang="en-US"/>
           </a:p>
@@ -4667,7 +6342,7 @@
           <a:p>
             <a:fld id="{8765F8EB-1186-4395-8E70-F957669279DD}" type="slidenum">
               <a:rPr lang="ko-KR" altLang="en-US" smtClean="0"/>
-              <a:t>10</a:t>
+              <a:t>15</a:t>
             </a:fld>
             <a:endParaRPr lang="ko-KR" altLang="en-US"/>
           </a:p>
@@ -5094,7 +6769,7 @@
           <a:p>
             <a:fld id="{D71C2118-E1AA-468B-9259-8864ED518988}" type="datetime1">
               <a:rPr lang="ko-KR" altLang="en-US" smtClean="0"/>
-              <a:t>2018-04-12</a:t>
+              <a:t>2018-04-13</a:t>
             </a:fld>
             <a:endParaRPr lang="ko-KR" altLang="en-US"/>
           </a:p>
@@ -5303,7 +6978,7 @@
           <a:p>
             <a:fld id="{F85A177F-6FD3-496B-8A9C-B332CA04E863}" type="datetime1">
               <a:rPr lang="ko-KR" altLang="en-US" smtClean="0"/>
-              <a:t>2018-04-12</a:t>
+              <a:t>2018-04-13</a:t>
             </a:fld>
             <a:endParaRPr lang="ko-KR" altLang="en-US"/>
           </a:p>
@@ -5448,7 +7123,7 @@
           <a:p>
             <a:fld id="{53646E5C-8775-44A9-9523-40B6CCA06789}" type="datetime1">
               <a:rPr lang="ko-KR" altLang="en-US" smtClean="0"/>
-              <a:t>2018-04-12</a:t>
+              <a:t>2018-04-13</a:t>
             </a:fld>
             <a:endParaRPr lang="ko-KR" altLang="en-US"/>
           </a:p>
@@ -5986,7 +7661,7 @@
           <a:p>
             <a:fld id="{F85A177F-6FD3-496B-8A9C-B332CA04E863}" type="datetime1">
               <a:rPr lang="ko-KR" altLang="en-US" smtClean="0"/>
-              <a:t>2018-04-12</a:t>
+              <a:t>2018-04-13</a:t>
             </a:fld>
             <a:endParaRPr lang="ko-KR" altLang="en-US"/>
           </a:p>
@@ -6131,7 +7806,7 @@
           <a:p>
             <a:fld id="{53646E5C-8775-44A9-9523-40B6CCA06789}" type="datetime1">
               <a:rPr lang="ko-KR" altLang="en-US" smtClean="0"/>
-              <a:t>2018-04-12</a:t>
+              <a:t>2018-04-13</a:t>
             </a:fld>
             <a:endParaRPr lang="ko-KR" altLang="en-US"/>
           </a:p>
@@ -6229,14 +7904,80 @@
         </p:blipFill>
         <p:spPr>
           <a:xfrm>
-            <a:off x="3187027" y="2151917"/>
-            <a:ext cx="2769943" cy="2101875"/>
+            <a:off x="4079448" y="2747410"/>
+            <a:ext cx="3447345" cy="2615898"/>
           </a:xfrm>
           <a:prstGeom prst="rect">
             <a:avLst/>
           </a:prstGeom>
         </p:spPr>
       </p:pic>
+      <p:sp>
+        <p:nvSpPr>
+          <p:cNvPr id="7" name="TextBox 6"/>
+          <p:cNvSpPr txBox="1"/>
+          <p:nvPr/>
+        </p:nvSpPr>
+        <p:spPr>
+          <a:xfrm>
+            <a:off x="720969" y="3290517"/>
+            <a:ext cx="2532185" cy="1015663"/>
+          </a:xfrm>
+          <a:prstGeom prst="rect">
+            <a:avLst/>
+          </a:prstGeom>
+          <a:noFill/>
+        </p:spPr>
+        <p:txBody>
+          <a:bodyPr wrap="square" rtlCol="0">
+            <a:spAutoFit/>
+          </a:bodyPr>
+          <a:lstStyle/>
+          <a:p>
+            <a:pPr marL="342900" indent="-342900">
+              <a:buFont typeface="Arial" panose="020B0604020202020204" pitchFamily="34" charset="0"/>
+              <a:buChar char="•"/>
+            </a:pPr>
+            <a:r>
+              <a:rPr lang="en-US" altLang="ko-KR" sz="2000" b="1" dirty="0" smtClean="0"/>
+              <a:t>A-scan</a:t>
+            </a:r>
+            <a:r>
+              <a:rPr lang="en-US" altLang="ko-KR" sz="2000" dirty="0" smtClean="0"/>
+              <a:t>: point scan</a:t>
+            </a:r>
+          </a:p>
+          <a:p>
+            <a:pPr marL="342900" indent="-342900">
+              <a:buFont typeface="Arial" panose="020B0604020202020204" pitchFamily="34" charset="0"/>
+              <a:buChar char="•"/>
+            </a:pPr>
+            <a:r>
+              <a:rPr lang="en-US" altLang="ko-KR" sz="2000" b="1" dirty="0" smtClean="0"/>
+              <a:t>B-scan</a:t>
+            </a:r>
+            <a:r>
+              <a:rPr lang="en-US" altLang="ko-KR" sz="2000" dirty="0" smtClean="0"/>
+              <a:t>: line scan</a:t>
+            </a:r>
+          </a:p>
+          <a:p>
+            <a:pPr marL="342900" indent="-342900">
+              <a:buFont typeface="Arial" panose="020B0604020202020204" pitchFamily="34" charset="0"/>
+              <a:buChar char="•"/>
+            </a:pPr>
+            <a:r>
+              <a:rPr lang="en-US" altLang="ko-KR" sz="2000" b="1" dirty="0" smtClean="0"/>
+              <a:t>C-scan</a:t>
+            </a:r>
+            <a:r>
+              <a:rPr lang="en-US" altLang="ko-KR" sz="2000" dirty="0" smtClean="0"/>
+              <a:t>: area scan</a:t>
+            </a:r>
+            <a:endParaRPr lang="en-US" altLang="ko-KR" sz="2000" dirty="0" smtClean="0"/>
+          </a:p>
+        </p:txBody>
+      </p:sp>
     </p:spTree>
     <p:extLst>
       <p:ext uri="{BB962C8B-B14F-4D97-AF65-F5344CB8AC3E}">
@@ -6353,7 +8094,7 @@
           <a:p>
             <a:fld id="{53646E5C-8775-44A9-9523-40B6CCA06789}" type="datetime1">
               <a:rPr lang="ko-KR" altLang="en-US" smtClean="0"/>
-              <a:t>2018-04-12</a:t>
+              <a:t>2018-04-13</a:t>
             </a:fld>
             <a:endParaRPr lang="ko-KR" altLang="en-US"/>
           </a:p>
@@ -6974,8 +8715,8 @@
           </p:sp>
         </mc:Fallback>
       </mc:AlternateContent>
-      <mc:AlternateContent xmlns:mc="http://schemas.openxmlformats.org/markup-compatibility/2006">
-        <mc:Choice xmlns:a14="http://schemas.microsoft.com/office/drawing/2010/main" Requires="a14">
+      <mc:AlternateContent xmlns:mc="http://schemas.openxmlformats.org/markup-compatibility/2006" xmlns:a14="http://schemas.microsoft.com/office/drawing/2010/main">
+        <mc:Choice Requires="a14">
           <p:sp>
             <p:nvSpPr>
               <p:cNvPr id="3" name="TextBox 2"/>
@@ -6998,6 +8739,7 @@
               </a:bodyPr>
               <a:lstStyle/>
               <a:p>
+                <a:pPr/>
                 <a14:m>
                   <m:oMathPara xmlns:m="http://schemas.openxmlformats.org/officeDocument/2006/math">
                     <m:oMathParaPr>
@@ -7132,7 +8874,7 @@
                               <m:sSup>
                                 <m:sSupPr>
                                   <m:ctrlPr>
-                                    <a:rPr lang="en-US" altLang="ko-KR" b="0" smtClean="0">
+                                    <a:rPr lang="en-US" altLang="ko-KR" b="0" i="1" smtClean="0">
                                       <a:latin typeface="Cambria Math" panose="02040503050406030204" pitchFamily="18" charset="0"/>
                                     </a:rPr>
                                   </m:ctrlPr>
@@ -7266,7 +9008,7 @@
                               <m:sSup>
                                 <m:sSupPr>
                                   <m:ctrlPr>
-                                    <a:rPr lang="en-US" altLang="ko-KR" b="0" smtClean="0">
+                                    <a:rPr lang="en-US" altLang="ko-KR" b="0" i="1" smtClean="0">
                                       <a:latin typeface="Cambria Math" panose="02040503050406030204" pitchFamily="18" charset="0"/>
                                     </a:rPr>
                                   </m:ctrlPr>
@@ -7303,7 +9045,7 @@
             </p:txBody>
           </p:sp>
         </mc:Choice>
-        <mc:Fallback>
+        <mc:Fallback xmlns="">
           <p:sp>
             <p:nvSpPr>
               <p:cNvPr id="3" name="TextBox 2"/>
@@ -7342,8 +9084,8 @@
           </p:sp>
         </mc:Fallback>
       </mc:AlternateContent>
-      <mc:AlternateContent xmlns:mc="http://schemas.openxmlformats.org/markup-compatibility/2006">
-        <mc:Choice xmlns:a14="http://schemas.microsoft.com/office/drawing/2010/main" Requires="a14">
+      <mc:AlternateContent xmlns:mc="http://schemas.openxmlformats.org/markup-compatibility/2006" xmlns:a14="http://schemas.microsoft.com/office/drawing/2010/main">
+        <mc:Choice Requires="a14">
           <p:sp>
             <p:nvSpPr>
               <p:cNvPr id="9" name="TextBox 8"/>
@@ -7654,7 +9396,7 @@
             </p:txBody>
           </p:sp>
         </mc:Choice>
-        <mc:Fallback>
+        <mc:Fallback xmlns="">
           <p:sp>
             <p:nvSpPr>
               <p:cNvPr id="9" name="TextBox 8"/>
@@ -7861,7 +9603,7 @@
           <a:p>
             <a:fld id="{F85A177F-6FD3-496B-8A9C-B332CA04E863}" type="datetime1">
               <a:rPr lang="ko-KR" altLang="en-US" smtClean="0"/>
-              <a:t>2018-04-12</a:t>
+              <a:t>2018-04-13</a:t>
             </a:fld>
             <a:endParaRPr lang="ko-KR" altLang="en-US"/>
           </a:p>
@@ -7995,12 +9737,6 @@
               </a:rPr>
               <a:t>. Imaging Thin Layers</a:t>
             </a:r>
-            <a:endParaRPr lang="en-US" altLang="ko-KR" sz="2800" dirty="0" smtClean="0">
-              <a:solidFill>
-                <a:schemeClr val="bg1"/>
-              </a:solidFill>
-              <a:latin typeface="Arial" panose="020B0604020202020204" pitchFamily="34" charset="0"/>
-            </a:endParaRPr>
           </a:p>
         </p:txBody>
       </p:sp>
@@ -8021,7 +9757,7 @@
           <a:p>
             <a:fld id="{53646E5C-8775-44A9-9523-40B6CCA06789}" type="datetime1">
               <a:rPr lang="ko-KR" altLang="en-US" smtClean="0"/>
-              <a:t>2018-04-12</a:t>
+              <a:t>2018-04-13</a:t>
             </a:fld>
             <a:endParaRPr lang="ko-KR" altLang="en-US"/>
           </a:p>
@@ -8059,7 +9795,7 @@
         <p:spPr>
           <a:xfrm>
             <a:off x="720969" y="914202"/>
-            <a:ext cx="7794381" cy="707886"/>
+            <a:ext cx="7794381" cy="400110"/>
           </a:xfrm>
           <a:prstGeom prst="rect">
             <a:avLst/>
@@ -8074,35 +9810,190 @@
           <a:p>
             <a:r>
               <a:rPr lang="en-US" altLang="ko-KR" sz="2000" dirty="0" smtClean="0"/>
-              <a:t>The time-domain signal is recorded individually for </a:t>
-            </a:r>
-            <a:r>
-              <a:rPr lang="en-US" altLang="ko-KR" sz="2000" dirty="0" smtClean="0">
-                <a:solidFill>
-                  <a:srgbClr val="3333FF"/>
-                </a:solidFill>
-              </a:rPr>
-              <a:t>each point</a:t>
-            </a:r>
-            <a:r>
-              <a:rPr lang="en-US" altLang="ko-KR" sz="2000" dirty="0" smtClean="0"/>
-              <a:t> and the image is formed by </a:t>
-            </a:r>
-            <a:r>
-              <a:rPr lang="en-US" altLang="ko-KR" sz="2000" dirty="0" smtClean="0">
-                <a:solidFill>
-                  <a:srgbClr val="3333FF"/>
-                </a:solidFill>
-              </a:rPr>
-              <a:t>raster-scanning</a:t>
-            </a:r>
-            <a:r>
-              <a:rPr lang="en-US" altLang="ko-KR" sz="2000" dirty="0" smtClean="0"/>
-              <a:t> the object.</a:t>
-            </a:r>
-          </a:p>
-        </p:txBody>
-      </p:sp>
+              <a:t>First, the model takes into account only a single reflected pulse.</a:t>
+            </a:r>
+            <a:endParaRPr lang="en-US" altLang="ko-KR" sz="2000" dirty="0" smtClean="0"/>
+          </a:p>
+        </p:txBody>
+      </p:sp>
+      <p:pic>
+        <p:nvPicPr>
+          <p:cNvPr id="3" name="그림 2"/>
+          <p:cNvPicPr>
+            <a:picLocks noChangeAspect="1"/>
+          </p:cNvPicPr>
+          <p:nvPr/>
+        </p:nvPicPr>
+        <p:blipFill>
+          <a:blip r:embed="rId3"/>
+          <a:stretch>
+            <a:fillRect/>
+          </a:stretch>
+        </p:blipFill>
+        <p:spPr>
+          <a:xfrm>
+            <a:off x="423862" y="2170408"/>
+            <a:ext cx="3627560" cy="2517185"/>
+          </a:xfrm>
+          <a:prstGeom prst="rect">
+            <a:avLst/>
+          </a:prstGeom>
+        </p:spPr>
+      </p:pic>
+      <p:pic>
+        <p:nvPicPr>
+          <p:cNvPr id="4" name="그림 3"/>
+          <p:cNvPicPr>
+            <a:picLocks noChangeAspect="1"/>
+          </p:cNvPicPr>
+          <p:nvPr/>
+        </p:nvPicPr>
+        <p:blipFill>
+          <a:blip r:embed="rId4"/>
+          <a:stretch>
+            <a:fillRect/>
+          </a:stretch>
+        </p:blipFill>
+        <p:spPr>
+          <a:xfrm>
+            <a:off x="4980841" y="2170408"/>
+            <a:ext cx="3368959" cy="2517185"/>
+          </a:xfrm>
+          <a:prstGeom prst="rect">
+            <a:avLst/>
+          </a:prstGeom>
+        </p:spPr>
+      </p:pic>
+      <p:sp>
+        <p:nvSpPr>
+          <p:cNvPr id="9" name="TextBox 8"/>
+          <p:cNvSpPr txBox="1"/>
+          <p:nvPr/>
+        </p:nvSpPr>
+        <p:spPr>
+          <a:xfrm>
+            <a:off x="5419743" y="2936170"/>
+            <a:ext cx="950284" cy="276999"/>
+          </a:xfrm>
+          <a:prstGeom prst="rect">
+            <a:avLst/>
+          </a:prstGeom>
+          <a:noFill/>
+        </p:spPr>
+        <p:txBody>
+          <a:bodyPr wrap="square" rtlCol="0">
+            <a:spAutoFit/>
+          </a:bodyPr>
+          <a:lstStyle/>
+          <a:p>
+            <a:r>
+              <a:rPr lang="en-US" altLang="ko-KR" sz="1200" dirty="0" smtClean="0"/>
+              <a:t>Air-Material</a:t>
+            </a:r>
+            <a:endParaRPr lang="en-US" altLang="ko-KR" sz="1200" dirty="0" smtClean="0"/>
+          </a:p>
+        </p:txBody>
+      </p:sp>
+      <p:sp>
+        <p:nvSpPr>
+          <p:cNvPr id="10" name="TextBox 9"/>
+          <p:cNvSpPr txBox="1"/>
+          <p:nvPr/>
+        </p:nvSpPr>
+        <p:spPr>
+          <a:xfrm>
+            <a:off x="6801957" y="1733192"/>
+            <a:ext cx="1404554" cy="276999"/>
+          </a:xfrm>
+          <a:prstGeom prst="rect">
+            <a:avLst/>
+          </a:prstGeom>
+          <a:noFill/>
+        </p:spPr>
+        <p:txBody>
+          <a:bodyPr wrap="square" rtlCol="0">
+            <a:spAutoFit/>
+          </a:bodyPr>
+          <a:lstStyle/>
+          <a:p>
+            <a:r>
+              <a:rPr lang="en-US" altLang="ko-KR" sz="1200" dirty="0" smtClean="0"/>
+              <a:t>Material-Substrate</a:t>
+            </a:r>
+            <a:endParaRPr lang="en-US" altLang="ko-KR" sz="1200" dirty="0" smtClean="0"/>
+          </a:p>
+        </p:txBody>
+      </p:sp>
+      <p:cxnSp>
+        <p:nvCxnSpPr>
+          <p:cNvPr id="7" name="직선 화살표 연결선 6"/>
+          <p:cNvCxnSpPr>
+            <a:stCxn id="9" idx="2"/>
+          </p:cNvCxnSpPr>
+          <p:nvPr/>
+        </p:nvCxnSpPr>
+        <p:spPr>
+          <a:xfrm flipH="1">
+            <a:off x="5829300" y="3213169"/>
+            <a:ext cx="65585" cy="409262"/>
+          </a:xfrm>
+          <a:prstGeom prst="straightConnector1">
+            <a:avLst/>
+          </a:prstGeom>
+          <a:ln>
+            <a:tailEnd type="triangle"/>
+          </a:ln>
+        </p:spPr>
+        <p:style>
+          <a:lnRef idx="1">
+            <a:schemeClr val="dk1"/>
+          </a:lnRef>
+          <a:fillRef idx="0">
+            <a:schemeClr val="dk1"/>
+          </a:fillRef>
+          <a:effectRef idx="0">
+            <a:schemeClr val="dk1"/>
+          </a:effectRef>
+          <a:fontRef idx="minor">
+            <a:schemeClr val="tx1"/>
+          </a:fontRef>
+        </p:style>
+      </p:cxnSp>
+      <p:cxnSp>
+        <p:nvCxnSpPr>
+          <p:cNvPr id="11" name="직선 화살표 연결선 10"/>
+          <p:cNvCxnSpPr>
+            <a:stCxn id="10" idx="2"/>
+          </p:cNvCxnSpPr>
+          <p:nvPr/>
+        </p:nvCxnSpPr>
+        <p:spPr>
+          <a:xfrm flipH="1">
+            <a:off x="7473462" y="2010191"/>
+            <a:ext cx="30772" cy="337355"/>
+          </a:xfrm>
+          <a:prstGeom prst="straightConnector1">
+            <a:avLst/>
+          </a:prstGeom>
+          <a:ln>
+            <a:tailEnd type="triangle"/>
+          </a:ln>
+        </p:spPr>
+        <p:style>
+          <a:lnRef idx="1">
+            <a:schemeClr val="dk1"/>
+          </a:lnRef>
+          <a:fillRef idx="0">
+            <a:schemeClr val="dk1"/>
+          </a:fillRef>
+          <a:effectRef idx="0">
+            <a:schemeClr val="dk1"/>
+          </a:effectRef>
+          <a:fontRef idx="minor">
+            <a:schemeClr val="tx1"/>
+          </a:fontRef>
+        </p:style>
+      </p:cxnSp>
     </p:spTree>
     <p:extLst>
       <p:ext uri="{BB962C8B-B14F-4D97-AF65-F5344CB8AC3E}">

--- a/Terahertz Metrology/Ch7/Terahertz Metrology_Ch7.pptx
+++ b/Terahertz Metrology/Ch7/Terahertz Metrology_Ch7.pptx
@@ -5,7 +5,7 @@
     <p:sldMasterId id="2147483660" r:id="rId1"/>
   </p:sldMasterIdLst>
   <p:notesMasterIdLst>
-    <p:notesMasterId r:id="rId17"/>
+    <p:notesMasterId r:id="rId22"/>
   </p:notesMasterIdLst>
   <p:sldIdLst>
     <p:sldId id="258" r:id="rId2"/>
@@ -22,7 +22,12 @@
     <p:sldId id="286" r:id="rId13"/>
     <p:sldId id="288" r:id="rId14"/>
     <p:sldId id="287" r:id="rId15"/>
-    <p:sldId id="275" r:id="rId16"/>
+    <p:sldId id="289" r:id="rId16"/>
+    <p:sldId id="290" r:id="rId17"/>
+    <p:sldId id="291" r:id="rId18"/>
+    <p:sldId id="292" r:id="rId19"/>
+    <p:sldId id="293" r:id="rId20"/>
+    <p:sldId id="275" r:id="rId21"/>
   </p:sldIdLst>
   <p:sldSz cx="9144000" cy="6858000" type="screen4x3"/>
   <p:notesSz cx="6735763" cy="9866313"/>
@@ -211,7 +216,7 @@
           <a:p>
             <a:fld id="{A9D6DECA-6E4E-4D09-9277-E151A2E3F74C}" type="datetimeFigureOut">
               <a:rPr lang="ko-KR" altLang="en-US" smtClean="0"/>
-              <a:t>2018-04-13</a:t>
+              <a:t>2018-04-15</a:t>
             </a:fld>
             <a:endParaRPr lang="ko-KR" altLang="en-US"/>
           </a:p>
@@ -1057,7 +1062,343 @@
     </p:spTree>
     <p:extLst>
       <p:ext uri="{BB962C8B-B14F-4D97-AF65-F5344CB8AC3E}">
-        <p14:creationId xmlns:p14="http://schemas.microsoft.com/office/powerpoint/2010/main" val="1671263539"/>
+        <p14:creationId xmlns:p14="http://schemas.microsoft.com/office/powerpoint/2010/main" val="1517053190"/>
+      </p:ext>
+    </p:extLst>
+  </p:cSld>
+  <p:clrMapOvr>
+    <a:masterClrMapping/>
+  </p:clrMapOvr>
+</p:notes>
+</file>
+
+<file path=ppt/notesSlides/notesSlide16.xml><?xml version="1.0" encoding="utf-8"?>
+<p:notes xmlns:a="http://schemas.openxmlformats.org/drawingml/2006/main" xmlns:r="http://schemas.openxmlformats.org/officeDocument/2006/relationships" xmlns:p="http://schemas.openxmlformats.org/presentationml/2006/main">
+  <p:cSld>
+    <p:spTree>
+      <p:nvGrpSpPr>
+        <p:cNvPr id="1" name=""/>
+        <p:cNvGrpSpPr/>
+        <p:nvPr/>
+      </p:nvGrpSpPr>
+      <p:grpSpPr>
+        <a:xfrm>
+          <a:off x="0" y="0"/>
+          <a:ext cx="0" cy="0"/>
+          <a:chOff x="0" y="0"/>
+          <a:chExt cx="0" cy="0"/>
+        </a:xfrm>
+      </p:grpSpPr>
+      <p:sp>
+        <p:nvSpPr>
+          <p:cNvPr id="2" name="슬라이드 이미지 개체 틀 1"/>
+          <p:cNvSpPr>
+            <a:spLocks noGrp="1" noRot="1" noChangeAspect="1"/>
+          </p:cNvSpPr>
+          <p:nvPr>
+            <p:ph type="sldImg"/>
+          </p:nvPr>
+        </p:nvSpPr>
+        <p:spPr/>
+      </p:sp>
+      <p:sp>
+        <p:nvSpPr>
+          <p:cNvPr id="3" name="슬라이드 노트 개체 틀 2"/>
+          <p:cNvSpPr>
+            <a:spLocks noGrp="1"/>
+          </p:cNvSpPr>
+          <p:nvPr>
+            <p:ph type="body" idx="1"/>
+          </p:nvPr>
+        </p:nvSpPr>
+        <p:spPr/>
+        <p:txBody>
+          <a:bodyPr/>
+          <a:lstStyle/>
+          <a:p>
+            <a:endParaRPr lang="ko-KR" altLang="en-US"/>
+          </a:p>
+        </p:txBody>
+      </p:sp>
+      <p:sp>
+        <p:nvSpPr>
+          <p:cNvPr id="4" name="슬라이드 번호 개체 틀 3"/>
+          <p:cNvSpPr>
+            <a:spLocks noGrp="1"/>
+          </p:cNvSpPr>
+          <p:nvPr>
+            <p:ph type="sldNum" sz="quarter" idx="10"/>
+          </p:nvPr>
+        </p:nvSpPr>
+        <p:spPr/>
+        <p:txBody>
+          <a:bodyPr/>
+          <a:lstStyle/>
+          <a:p>
+            <a:fld id="{6D0ABE42-EEBB-47F0-BC6E-2BB25FA03CFE}" type="slidenum">
+              <a:rPr lang="ko-KR" altLang="en-US" smtClean="0"/>
+              <a:t>16</a:t>
+            </a:fld>
+            <a:endParaRPr lang="ko-KR" altLang="en-US"/>
+          </a:p>
+        </p:txBody>
+      </p:sp>
+    </p:spTree>
+    <p:extLst>
+      <p:ext uri="{BB962C8B-B14F-4D97-AF65-F5344CB8AC3E}">
+        <p14:creationId xmlns:p14="http://schemas.microsoft.com/office/powerpoint/2010/main" val="1618789247"/>
+      </p:ext>
+    </p:extLst>
+  </p:cSld>
+  <p:clrMapOvr>
+    <a:masterClrMapping/>
+  </p:clrMapOvr>
+</p:notes>
+</file>
+
+<file path=ppt/notesSlides/notesSlide17.xml><?xml version="1.0" encoding="utf-8"?>
+<p:notes xmlns:a="http://schemas.openxmlformats.org/drawingml/2006/main" xmlns:r="http://schemas.openxmlformats.org/officeDocument/2006/relationships" xmlns:p="http://schemas.openxmlformats.org/presentationml/2006/main">
+  <p:cSld>
+    <p:spTree>
+      <p:nvGrpSpPr>
+        <p:cNvPr id="1" name=""/>
+        <p:cNvGrpSpPr/>
+        <p:nvPr/>
+      </p:nvGrpSpPr>
+      <p:grpSpPr>
+        <a:xfrm>
+          <a:off x="0" y="0"/>
+          <a:ext cx="0" cy="0"/>
+          <a:chOff x="0" y="0"/>
+          <a:chExt cx="0" cy="0"/>
+        </a:xfrm>
+      </p:grpSpPr>
+      <p:sp>
+        <p:nvSpPr>
+          <p:cNvPr id="2" name="슬라이드 이미지 개체 틀 1"/>
+          <p:cNvSpPr>
+            <a:spLocks noGrp="1" noRot="1" noChangeAspect="1"/>
+          </p:cNvSpPr>
+          <p:nvPr>
+            <p:ph type="sldImg"/>
+          </p:nvPr>
+        </p:nvSpPr>
+        <p:spPr/>
+      </p:sp>
+      <p:sp>
+        <p:nvSpPr>
+          <p:cNvPr id="3" name="슬라이드 노트 개체 틀 2"/>
+          <p:cNvSpPr>
+            <a:spLocks noGrp="1"/>
+          </p:cNvSpPr>
+          <p:nvPr>
+            <p:ph type="body" idx="1"/>
+          </p:nvPr>
+        </p:nvSpPr>
+        <p:spPr/>
+        <p:txBody>
+          <a:bodyPr/>
+          <a:lstStyle/>
+          <a:p>
+            <a:endParaRPr lang="ko-KR" altLang="en-US"/>
+          </a:p>
+        </p:txBody>
+      </p:sp>
+      <p:sp>
+        <p:nvSpPr>
+          <p:cNvPr id="4" name="슬라이드 번호 개체 틀 3"/>
+          <p:cNvSpPr>
+            <a:spLocks noGrp="1"/>
+          </p:cNvSpPr>
+          <p:nvPr>
+            <p:ph type="sldNum" sz="quarter" idx="10"/>
+          </p:nvPr>
+        </p:nvSpPr>
+        <p:spPr/>
+        <p:txBody>
+          <a:bodyPr/>
+          <a:lstStyle/>
+          <a:p>
+            <a:fld id="{6D0ABE42-EEBB-47F0-BC6E-2BB25FA03CFE}" type="slidenum">
+              <a:rPr lang="ko-KR" altLang="en-US" smtClean="0"/>
+              <a:t>17</a:t>
+            </a:fld>
+            <a:endParaRPr lang="ko-KR" altLang="en-US"/>
+          </a:p>
+        </p:txBody>
+      </p:sp>
+    </p:spTree>
+    <p:extLst>
+      <p:ext uri="{BB962C8B-B14F-4D97-AF65-F5344CB8AC3E}">
+        <p14:creationId xmlns:p14="http://schemas.microsoft.com/office/powerpoint/2010/main" val="4292141500"/>
+      </p:ext>
+    </p:extLst>
+  </p:cSld>
+  <p:clrMapOvr>
+    <a:masterClrMapping/>
+  </p:clrMapOvr>
+</p:notes>
+</file>
+
+<file path=ppt/notesSlides/notesSlide18.xml><?xml version="1.0" encoding="utf-8"?>
+<p:notes xmlns:a="http://schemas.openxmlformats.org/drawingml/2006/main" xmlns:r="http://schemas.openxmlformats.org/officeDocument/2006/relationships" xmlns:p="http://schemas.openxmlformats.org/presentationml/2006/main">
+  <p:cSld>
+    <p:spTree>
+      <p:nvGrpSpPr>
+        <p:cNvPr id="1" name=""/>
+        <p:cNvGrpSpPr/>
+        <p:nvPr/>
+      </p:nvGrpSpPr>
+      <p:grpSpPr>
+        <a:xfrm>
+          <a:off x="0" y="0"/>
+          <a:ext cx="0" cy="0"/>
+          <a:chOff x="0" y="0"/>
+          <a:chExt cx="0" cy="0"/>
+        </a:xfrm>
+      </p:grpSpPr>
+      <p:sp>
+        <p:nvSpPr>
+          <p:cNvPr id="2" name="슬라이드 이미지 개체 틀 1"/>
+          <p:cNvSpPr>
+            <a:spLocks noGrp="1" noRot="1" noChangeAspect="1"/>
+          </p:cNvSpPr>
+          <p:nvPr>
+            <p:ph type="sldImg"/>
+          </p:nvPr>
+        </p:nvSpPr>
+        <p:spPr/>
+      </p:sp>
+      <p:sp>
+        <p:nvSpPr>
+          <p:cNvPr id="3" name="슬라이드 노트 개체 틀 2"/>
+          <p:cNvSpPr>
+            <a:spLocks noGrp="1"/>
+          </p:cNvSpPr>
+          <p:nvPr>
+            <p:ph type="body" idx="1"/>
+          </p:nvPr>
+        </p:nvSpPr>
+        <p:spPr/>
+        <p:txBody>
+          <a:bodyPr/>
+          <a:lstStyle/>
+          <a:p>
+            <a:endParaRPr lang="ko-KR" altLang="en-US"/>
+          </a:p>
+        </p:txBody>
+      </p:sp>
+      <p:sp>
+        <p:nvSpPr>
+          <p:cNvPr id="4" name="슬라이드 번호 개체 틀 3"/>
+          <p:cNvSpPr>
+            <a:spLocks noGrp="1"/>
+          </p:cNvSpPr>
+          <p:nvPr>
+            <p:ph type="sldNum" sz="quarter" idx="10"/>
+          </p:nvPr>
+        </p:nvSpPr>
+        <p:spPr/>
+        <p:txBody>
+          <a:bodyPr/>
+          <a:lstStyle/>
+          <a:p>
+            <a:fld id="{6D0ABE42-EEBB-47F0-BC6E-2BB25FA03CFE}" type="slidenum">
+              <a:rPr lang="ko-KR" altLang="en-US" smtClean="0"/>
+              <a:t>18</a:t>
+            </a:fld>
+            <a:endParaRPr lang="ko-KR" altLang="en-US"/>
+          </a:p>
+        </p:txBody>
+      </p:sp>
+    </p:spTree>
+    <p:extLst>
+      <p:ext uri="{BB962C8B-B14F-4D97-AF65-F5344CB8AC3E}">
+        <p14:creationId xmlns:p14="http://schemas.microsoft.com/office/powerpoint/2010/main" val="552362308"/>
+      </p:ext>
+    </p:extLst>
+  </p:cSld>
+  <p:clrMapOvr>
+    <a:masterClrMapping/>
+  </p:clrMapOvr>
+</p:notes>
+</file>
+
+<file path=ppt/notesSlides/notesSlide19.xml><?xml version="1.0" encoding="utf-8"?>
+<p:notes xmlns:a="http://schemas.openxmlformats.org/drawingml/2006/main" xmlns:r="http://schemas.openxmlformats.org/officeDocument/2006/relationships" xmlns:p="http://schemas.openxmlformats.org/presentationml/2006/main">
+  <p:cSld>
+    <p:spTree>
+      <p:nvGrpSpPr>
+        <p:cNvPr id="1" name=""/>
+        <p:cNvGrpSpPr/>
+        <p:nvPr/>
+      </p:nvGrpSpPr>
+      <p:grpSpPr>
+        <a:xfrm>
+          <a:off x="0" y="0"/>
+          <a:ext cx="0" cy="0"/>
+          <a:chOff x="0" y="0"/>
+          <a:chExt cx="0" cy="0"/>
+        </a:xfrm>
+      </p:grpSpPr>
+      <p:sp>
+        <p:nvSpPr>
+          <p:cNvPr id="2" name="슬라이드 이미지 개체 틀 1"/>
+          <p:cNvSpPr>
+            <a:spLocks noGrp="1" noRot="1" noChangeAspect="1"/>
+          </p:cNvSpPr>
+          <p:nvPr>
+            <p:ph type="sldImg"/>
+          </p:nvPr>
+        </p:nvSpPr>
+        <p:spPr/>
+      </p:sp>
+      <p:sp>
+        <p:nvSpPr>
+          <p:cNvPr id="3" name="슬라이드 노트 개체 틀 2"/>
+          <p:cNvSpPr>
+            <a:spLocks noGrp="1"/>
+          </p:cNvSpPr>
+          <p:nvPr>
+            <p:ph type="body" idx="1"/>
+          </p:nvPr>
+        </p:nvSpPr>
+        <p:spPr/>
+        <p:txBody>
+          <a:bodyPr/>
+          <a:lstStyle/>
+          <a:p>
+            <a:endParaRPr lang="ko-KR" altLang="en-US"/>
+          </a:p>
+        </p:txBody>
+      </p:sp>
+      <p:sp>
+        <p:nvSpPr>
+          <p:cNvPr id="4" name="슬라이드 번호 개체 틀 3"/>
+          <p:cNvSpPr>
+            <a:spLocks noGrp="1"/>
+          </p:cNvSpPr>
+          <p:nvPr>
+            <p:ph type="sldNum" sz="quarter" idx="10"/>
+          </p:nvPr>
+        </p:nvSpPr>
+        <p:spPr/>
+        <p:txBody>
+          <a:bodyPr/>
+          <a:lstStyle/>
+          <a:p>
+            <a:fld id="{6D0ABE42-EEBB-47F0-BC6E-2BB25FA03CFE}" type="slidenum">
+              <a:rPr lang="ko-KR" altLang="en-US" smtClean="0"/>
+              <a:t>19</a:t>
+            </a:fld>
+            <a:endParaRPr lang="ko-KR" altLang="en-US"/>
+          </a:p>
+        </p:txBody>
+      </p:sp>
+    </p:spTree>
+    <p:extLst>
+      <p:ext uri="{BB962C8B-B14F-4D97-AF65-F5344CB8AC3E}">
+        <p14:creationId xmlns:p14="http://schemas.microsoft.com/office/powerpoint/2010/main" val="2100645949"/>
       </p:ext>
     </p:extLst>
   </p:cSld>
@@ -1142,6 +1483,90 @@
     <p:extLst>
       <p:ext uri="{BB962C8B-B14F-4D97-AF65-F5344CB8AC3E}">
         <p14:creationId xmlns:p14="http://schemas.microsoft.com/office/powerpoint/2010/main" val="3753383617"/>
+      </p:ext>
+    </p:extLst>
+  </p:cSld>
+  <p:clrMapOvr>
+    <a:masterClrMapping/>
+  </p:clrMapOvr>
+</p:notes>
+</file>
+
+<file path=ppt/notesSlides/notesSlide20.xml><?xml version="1.0" encoding="utf-8"?>
+<p:notes xmlns:a="http://schemas.openxmlformats.org/drawingml/2006/main" xmlns:r="http://schemas.openxmlformats.org/officeDocument/2006/relationships" xmlns:p="http://schemas.openxmlformats.org/presentationml/2006/main">
+  <p:cSld>
+    <p:spTree>
+      <p:nvGrpSpPr>
+        <p:cNvPr id="1" name=""/>
+        <p:cNvGrpSpPr/>
+        <p:nvPr/>
+      </p:nvGrpSpPr>
+      <p:grpSpPr>
+        <a:xfrm>
+          <a:off x="0" y="0"/>
+          <a:ext cx="0" cy="0"/>
+          <a:chOff x="0" y="0"/>
+          <a:chExt cx="0" cy="0"/>
+        </a:xfrm>
+      </p:grpSpPr>
+      <p:sp>
+        <p:nvSpPr>
+          <p:cNvPr id="2" name="슬라이드 이미지 개체 틀 1"/>
+          <p:cNvSpPr>
+            <a:spLocks noGrp="1" noRot="1" noChangeAspect="1"/>
+          </p:cNvSpPr>
+          <p:nvPr>
+            <p:ph type="sldImg"/>
+          </p:nvPr>
+        </p:nvSpPr>
+        <p:spPr/>
+      </p:sp>
+      <p:sp>
+        <p:nvSpPr>
+          <p:cNvPr id="3" name="슬라이드 노트 개체 틀 2"/>
+          <p:cNvSpPr>
+            <a:spLocks noGrp="1"/>
+          </p:cNvSpPr>
+          <p:nvPr>
+            <p:ph type="body" idx="1"/>
+          </p:nvPr>
+        </p:nvSpPr>
+        <p:spPr/>
+        <p:txBody>
+          <a:bodyPr/>
+          <a:lstStyle/>
+          <a:p>
+            <a:endParaRPr lang="ko-KR" altLang="en-US"/>
+          </a:p>
+        </p:txBody>
+      </p:sp>
+      <p:sp>
+        <p:nvSpPr>
+          <p:cNvPr id="4" name="슬라이드 번호 개체 틀 3"/>
+          <p:cNvSpPr>
+            <a:spLocks noGrp="1"/>
+          </p:cNvSpPr>
+          <p:nvPr>
+            <p:ph type="sldNum" sz="quarter" idx="10"/>
+          </p:nvPr>
+        </p:nvSpPr>
+        <p:spPr/>
+        <p:txBody>
+          <a:bodyPr/>
+          <a:lstStyle/>
+          <a:p>
+            <a:fld id="{6D0ABE42-EEBB-47F0-BC6E-2BB25FA03CFE}" type="slidenum">
+              <a:rPr lang="ko-KR" altLang="en-US" smtClean="0"/>
+              <a:t>20</a:t>
+            </a:fld>
+            <a:endParaRPr lang="ko-KR" altLang="en-US"/>
+          </a:p>
+        </p:txBody>
+      </p:sp>
+    </p:spTree>
+    <p:extLst>
+      <p:ext uri="{BB962C8B-B14F-4D97-AF65-F5344CB8AC3E}">
+        <p14:creationId xmlns:p14="http://schemas.microsoft.com/office/powerpoint/2010/main" val="1671263539"/>
       </p:ext>
     </p:extLst>
   </p:cSld>
@@ -1870,7 +2295,7 @@
           <a:p>
             <a:fld id="{78E89258-A40F-4400-BA1A-638141289729}" type="datetime1">
               <a:rPr lang="ko-KR" altLang="en-US" smtClean="0"/>
-              <a:t>2018-04-13</a:t>
+              <a:t>2018-04-15</a:t>
             </a:fld>
             <a:endParaRPr lang="ko-KR" altLang="en-US"/>
           </a:p>
@@ -2047,7 +2472,7 @@
           <a:p>
             <a:fld id="{CD116CEF-802E-43F7-8932-78519DF2A264}" type="datetime1">
               <a:rPr lang="ko-KR" altLang="en-US" smtClean="0"/>
-              <a:t>2018-04-13</a:t>
+              <a:t>2018-04-15</a:t>
             </a:fld>
             <a:endParaRPr lang="ko-KR" altLang="en-US"/>
           </a:p>
@@ -2227,7 +2652,7 @@
           <a:p>
             <a:fld id="{EFD9D7C3-1982-427D-BFA7-1AF9687AAB0F}" type="datetime1">
               <a:rPr lang="ko-KR" altLang="en-US" smtClean="0"/>
-              <a:t>2018-04-13</a:t>
+              <a:t>2018-04-15</a:t>
             </a:fld>
             <a:endParaRPr lang="ko-KR" altLang="en-US"/>
           </a:p>
@@ -2397,7 +2822,7 @@
           <a:p>
             <a:fld id="{EDD93E7F-B437-40E5-8ACB-B79696783EFA}" type="datetime1">
               <a:rPr lang="ko-KR" altLang="en-US" smtClean="0"/>
-              <a:t>2018-04-13</a:t>
+              <a:t>2018-04-15</a:t>
             </a:fld>
             <a:endParaRPr lang="ko-KR" altLang="en-US"/>
           </a:p>
@@ -2641,7 +3066,7 @@
           <a:p>
             <a:fld id="{DB249950-0BD4-4F6E-BE3F-CB53B7E2FD06}" type="datetime1">
               <a:rPr lang="ko-KR" altLang="en-US" smtClean="0"/>
-              <a:t>2018-04-13</a:t>
+              <a:t>2018-04-15</a:t>
             </a:fld>
             <a:endParaRPr lang="ko-KR" altLang="en-US"/>
           </a:p>
@@ -2873,7 +3298,7 @@
           <a:p>
             <a:fld id="{7B016D7E-32C0-4DB3-B6B3-0506A62840FB}" type="datetime1">
               <a:rPr lang="ko-KR" altLang="en-US" smtClean="0"/>
-              <a:t>2018-04-13</a:t>
+              <a:t>2018-04-15</a:t>
             </a:fld>
             <a:endParaRPr lang="ko-KR" altLang="en-US"/>
           </a:p>
@@ -3240,7 +3665,7 @@
           <a:p>
             <a:fld id="{B246672D-B3FD-4B2E-92C0-4A80DA670927}" type="datetime1">
               <a:rPr lang="ko-KR" altLang="en-US" smtClean="0"/>
-              <a:t>2018-04-13</a:t>
+              <a:t>2018-04-15</a:t>
             </a:fld>
             <a:endParaRPr lang="ko-KR" altLang="en-US"/>
           </a:p>
@@ -3358,7 +3783,7 @@
           <a:p>
             <a:fld id="{9B9B7D2E-B202-4D7A-9519-0C490A04EB9C}" type="datetime1">
               <a:rPr lang="ko-KR" altLang="en-US" smtClean="0"/>
-              <a:t>2018-04-13</a:t>
+              <a:t>2018-04-15</a:t>
             </a:fld>
             <a:endParaRPr lang="ko-KR" altLang="en-US"/>
           </a:p>
@@ -3453,7 +3878,7 @@
           <a:p>
             <a:fld id="{12FB9327-987E-47D6-AE2D-63CED8A79494}" type="datetime1">
               <a:rPr lang="ko-KR" altLang="en-US" smtClean="0"/>
-              <a:t>2018-04-13</a:t>
+              <a:t>2018-04-15</a:t>
             </a:fld>
             <a:endParaRPr lang="ko-KR" altLang="en-US"/>
           </a:p>
@@ -3730,7 +4155,7 @@
           <a:p>
             <a:fld id="{D8D87011-7294-4632-A156-4F695AB9E41C}" type="datetime1">
               <a:rPr lang="ko-KR" altLang="en-US" smtClean="0"/>
-              <a:t>2018-04-13</a:t>
+              <a:t>2018-04-15</a:t>
             </a:fld>
             <a:endParaRPr lang="ko-KR" altLang="en-US"/>
           </a:p>
@@ -3987,7 +4412,7 @@
           <a:p>
             <a:fld id="{1BDC7FDB-72DE-4D65-AF4F-510496DAF70F}" type="datetime1">
               <a:rPr lang="ko-KR" altLang="en-US" smtClean="0"/>
-              <a:t>2018-04-13</a:t>
+              <a:t>2018-04-15</a:t>
             </a:fld>
             <a:endParaRPr lang="ko-KR" altLang="en-US"/>
           </a:p>
@@ -4200,7 +4625,7 @@
           <a:p>
             <a:fld id="{9A286DBF-DB43-470A-A903-26374CB6EF47}" type="datetime1">
               <a:rPr lang="ko-KR" altLang="en-US" smtClean="0"/>
-              <a:t>2018-04-13</a:t>
+              <a:t>2018-04-15</a:t>
             </a:fld>
             <a:endParaRPr lang="ko-KR" altLang="en-US"/>
           </a:p>
@@ -4799,7 +5224,7 @@
           <a:p>
             <a:fld id="{32C03489-23FC-4021-B9AB-958EFB3C0FE7}" type="datetime1">
               <a:rPr lang="ko-KR" altLang="en-US" smtClean="0"/>
-              <a:t>2018-04-13</a:t>
+              <a:t>2018-04-15</a:t>
             </a:fld>
             <a:endParaRPr lang="ko-KR" altLang="en-US"/>
           </a:p>
@@ -4953,7 +5378,7 @@
           <a:p>
             <a:fld id="{53646E5C-8775-44A9-9523-40B6CCA06789}" type="datetime1">
               <a:rPr lang="ko-KR" altLang="en-US" smtClean="0"/>
-              <a:t>2018-04-13</a:t>
+              <a:t>2018-04-15</a:t>
             </a:fld>
             <a:endParaRPr lang="ko-KR" altLang="en-US"/>
           </a:p>
@@ -5008,7 +5433,6 @@
               <a:rPr lang="en-US" altLang="ko-KR" sz="2000" dirty="0" smtClean="0"/>
               <a:t>In reality, multiple reflections occur.</a:t>
             </a:r>
-            <a:endParaRPr lang="en-US" altLang="ko-KR" sz="2000" dirty="0" smtClean="0"/>
           </a:p>
         </p:txBody>
       </p:sp>
@@ -5086,7 +5510,6 @@
               <a:rPr lang="en-US" altLang="ko-KR" sz="1200" dirty="0" smtClean="0"/>
               <a:t>Air-Material</a:t>
             </a:r>
-            <a:endParaRPr lang="en-US" altLang="ko-KR" sz="1200" dirty="0" smtClean="0"/>
           </a:p>
         </p:txBody>
       </p:sp>
@@ -5116,7 +5539,6 @@
               <a:rPr lang="en-US" altLang="ko-KR" sz="1200" dirty="0" smtClean="0"/>
               <a:t>Material-Substrate</a:t>
             </a:r>
-            <a:endParaRPr lang="en-US" altLang="ko-KR" sz="1200" dirty="0" smtClean="0"/>
           </a:p>
         </p:txBody>
       </p:sp>
@@ -5376,7 +5798,7 @@
           <a:p>
             <a:fld id="{F85A177F-6FD3-496B-8A9C-B332CA04E863}" type="datetime1">
               <a:rPr lang="ko-KR" altLang="en-US" smtClean="0"/>
-              <a:t>2018-04-13</a:t>
+              <a:t>2018-04-15</a:t>
             </a:fld>
             <a:endParaRPr lang="ko-KR" altLang="en-US"/>
           </a:p>
@@ -5510,12 +5932,6 @@
               </a:rPr>
               <a:t>. Spatial Resolution Tests</a:t>
             </a:r>
-            <a:endParaRPr lang="en-US" altLang="ko-KR" sz="2800" dirty="0" smtClean="0">
-              <a:solidFill>
-                <a:schemeClr val="bg1"/>
-              </a:solidFill>
-              <a:latin typeface="Arial" panose="020B0604020202020204" pitchFamily="34" charset="0"/>
-            </a:endParaRPr>
           </a:p>
         </p:txBody>
       </p:sp>
@@ -5536,7 +5952,7 @@
           <a:p>
             <a:fld id="{53646E5C-8775-44A9-9523-40B6CCA06789}" type="datetime1">
               <a:rPr lang="ko-KR" altLang="en-US" smtClean="0"/>
-              <a:t>2018-04-13</a:t>
+              <a:t>2018-04-15</a:t>
             </a:fld>
             <a:endParaRPr lang="ko-KR" altLang="en-US"/>
           </a:p>
@@ -5573,8 +5989,8 @@
         </p:nvSpPr>
         <p:spPr>
           <a:xfrm>
-            <a:off x="720969" y="914202"/>
-            <a:ext cx="7794381" cy="400110"/>
+            <a:off x="720969" y="4288059"/>
+            <a:ext cx="7794381" cy="707886"/>
           </a:xfrm>
           <a:prstGeom prst="rect">
             <a:avLst/>
@@ -5587,9 +6003,43 @@
           </a:bodyPr>
           <a:lstStyle/>
           <a:p>
+            <a:pPr marL="342900" indent="-342900">
+              <a:buFont typeface="Arial" panose="020B0604020202020204" pitchFamily="34" charset="0"/>
+              <a:buChar char="•"/>
+            </a:pPr>
             <a:r>
               <a:rPr lang="en-US" altLang="ko-KR" sz="2000" dirty="0" smtClean="0"/>
-              <a:t>First, the model takes into account only a single reflected pulse.</a:t>
+              <a:t>Increasing the HF </a:t>
+            </a:r>
+            <a:r>
+              <a:rPr lang="en-US" altLang="ko-KR" sz="2000" dirty="0" smtClean="0">
+                <a:sym typeface="Wingdings" panose="05000000000000000000" pitchFamily="2" charset="2"/>
+              </a:rPr>
+              <a:t> </a:t>
+            </a:r>
+            <a:r>
+              <a:rPr lang="en-US" altLang="ko-KR" sz="2000" dirty="0" smtClean="0"/>
+              <a:t>reduction in the spatial resolution</a:t>
+            </a:r>
+          </a:p>
+          <a:p>
+            <a:pPr marL="342900" indent="-342900">
+              <a:buFont typeface="Arial" panose="020B0604020202020204" pitchFamily="34" charset="0"/>
+              <a:buChar char="•"/>
+            </a:pPr>
+            <a:r>
+              <a:rPr lang="en-US" altLang="ko-KR" sz="2000" dirty="0" smtClean="0"/>
+              <a:t>I</a:t>
+            </a:r>
+            <a:r>
+              <a:rPr lang="en-US" altLang="ko-KR" sz="2000" dirty="0" smtClean="0"/>
+              <a:t>ncreasing the LF </a:t>
+            </a:r>
+            <a:r>
+              <a:rPr lang="en-US" altLang="ko-KR" sz="2000" dirty="0" smtClean="0">
+                <a:sym typeface="Wingdings" panose="05000000000000000000" pitchFamily="2" charset="2"/>
+              </a:rPr>
+              <a:t> improve contrast</a:t>
             </a:r>
             <a:endParaRPr lang="en-US" altLang="ko-KR" sz="2000" dirty="0" smtClean="0"/>
           </a:p>
@@ -5611,7 +6061,7 @@
         </p:blipFill>
         <p:spPr>
           <a:xfrm>
-            <a:off x="628650" y="2116014"/>
+            <a:off x="628650" y="999219"/>
             <a:ext cx="3122596" cy="2918314"/>
           </a:xfrm>
           <a:prstGeom prst="rect">
@@ -5635,7 +6085,7 @@
         </p:blipFill>
         <p:spPr>
           <a:xfrm>
-            <a:off x="4294068" y="2179471"/>
+            <a:off x="4294068" y="1062676"/>
             <a:ext cx="3945181" cy="2854857"/>
           </a:xfrm>
           <a:prstGeom prst="rect">
@@ -5748,12 +6198,6 @@
               </a:rPr>
               <a:t>. Spatial Resolution Tests</a:t>
             </a:r>
-            <a:endParaRPr lang="en-US" altLang="ko-KR" sz="2800" dirty="0" smtClean="0">
-              <a:solidFill>
-                <a:schemeClr val="bg1"/>
-              </a:solidFill>
-              <a:latin typeface="Arial" panose="020B0604020202020204" pitchFamily="34" charset="0"/>
-            </a:endParaRPr>
           </a:p>
         </p:txBody>
       </p:sp>
@@ -5774,7 +6218,7 @@
           <a:p>
             <a:fld id="{53646E5C-8775-44A9-9523-40B6CCA06789}" type="datetime1">
               <a:rPr lang="ko-KR" altLang="en-US" smtClean="0"/>
-              <a:t>2018-04-13</a:t>
+              <a:t>2018-04-15</a:t>
             </a:fld>
             <a:endParaRPr lang="ko-KR" altLang="en-US"/>
           </a:p>
@@ -5811,8 +6255,8 @@
         </p:nvSpPr>
         <p:spPr>
           <a:xfrm>
-            <a:off x="720969" y="914202"/>
-            <a:ext cx="7794381" cy="400110"/>
+            <a:off x="720969" y="5486045"/>
+            <a:ext cx="7794381" cy="707886"/>
           </a:xfrm>
           <a:prstGeom prst="rect">
             <a:avLst/>
@@ -5825,9 +6269,23 @@
           </a:bodyPr>
           <a:lstStyle/>
           <a:p>
+            <a:pPr marL="342900" indent="-342900">
+              <a:buFont typeface="Arial" panose="020B0604020202020204" pitchFamily="34" charset="0"/>
+              <a:buChar char="•"/>
+            </a:pPr>
             <a:r>
               <a:rPr lang="en-US" altLang="ko-KR" sz="2000" dirty="0" smtClean="0"/>
-              <a:t>First, the model takes into account only a single reflected pulse.</a:t>
+              <a:t>Below 0.5 THz, the lines are not resolved and cannot be seen.</a:t>
+            </a:r>
+          </a:p>
+          <a:p>
+            <a:pPr marL="342900" indent="-342900">
+              <a:buFont typeface="Arial" panose="020B0604020202020204" pitchFamily="34" charset="0"/>
+              <a:buChar char="•"/>
+            </a:pPr>
+            <a:r>
+              <a:rPr lang="en-US" altLang="ko-KR" sz="2000" dirty="0" smtClean="0"/>
+              <a:t>The image at 2.5 THz, reduced SNR.</a:t>
             </a:r>
             <a:endParaRPr lang="en-US" altLang="ko-KR" sz="2000" dirty="0" smtClean="0"/>
           </a:p>
@@ -5849,7 +6307,7 @@
         </p:blipFill>
         <p:spPr>
           <a:xfrm>
-            <a:off x="720969" y="1553605"/>
+            <a:off x="720969" y="943666"/>
             <a:ext cx="4155401" cy="4360949"/>
           </a:xfrm>
           <a:prstGeom prst="rect">
@@ -5873,7 +6331,7 @@
         </p:blipFill>
         <p:spPr>
           <a:xfrm>
-            <a:off x="4941275" y="2341633"/>
+            <a:off x="4941275" y="1731694"/>
             <a:ext cx="3899023" cy="2987396"/>
           </a:xfrm>
           <a:prstGeom prst="rect">
@@ -6049,7 +6507,7 @@
           <a:p>
             <a:fld id="{F85A177F-6FD3-496B-8A9C-B332CA04E863}" type="datetime1">
               <a:rPr lang="ko-KR" altLang="en-US" smtClean="0"/>
-              <a:t>2018-04-13</a:t>
+              <a:t>2018-04-15</a:t>
             </a:fld>
             <a:endParaRPr lang="ko-KR" altLang="en-US"/>
           </a:p>
@@ -6166,15 +6624,24 @@
           <a:p>
             <a:pPr algn="ctr"/>
             <a:r>
+              <a:rPr lang="en-US" altLang="ko-KR" sz="2800" dirty="0">
+                <a:solidFill>
+                  <a:schemeClr val="bg1"/>
+                </a:solidFill>
+                <a:latin typeface="Arial" panose="020B0604020202020204" pitchFamily="34" charset="0"/>
+              </a:rPr>
+              <a:t>5</a:t>
+            </a:r>
+            <a:r>
               <a:rPr lang="en-US" altLang="ko-KR" sz="2800" dirty="0" smtClean="0">
                 <a:solidFill>
                   <a:schemeClr val="bg1"/>
                 </a:solidFill>
                 <a:latin typeface="Arial" panose="020B0604020202020204" pitchFamily="34" charset="0"/>
               </a:rPr>
-              <a:t>References</a:t>
-            </a:r>
-            <a:endParaRPr lang="en-US" altLang="ko-KR" sz="2800" dirty="0">
+              <a:t>. Near-Field Imaging</a:t>
+            </a:r>
+            <a:endParaRPr lang="en-US" altLang="ko-KR" sz="2800" dirty="0" smtClean="0">
               <a:solidFill>
                 <a:schemeClr val="bg1"/>
               </a:solidFill>
@@ -6185,14 +6652,60 @@
       </p:sp>
       <p:sp>
         <p:nvSpPr>
-          <p:cNvPr id="2" name="TextBox 1"/>
+          <p:cNvPr id="2" name="날짜 개체 틀 1"/>
+          <p:cNvSpPr>
+            <a:spLocks noGrp="1"/>
+          </p:cNvSpPr>
+          <p:nvPr>
+            <p:ph type="dt" sz="half" idx="10"/>
+          </p:nvPr>
+        </p:nvSpPr>
+        <p:spPr/>
+        <p:txBody>
+          <a:bodyPr/>
+          <a:lstStyle/>
+          <a:p>
+            <a:fld id="{53646E5C-8775-44A9-9523-40B6CCA06789}" type="datetime1">
+              <a:rPr lang="ko-KR" altLang="en-US" smtClean="0"/>
+              <a:t>2018-04-15</a:t>
+            </a:fld>
+            <a:endParaRPr lang="ko-KR" altLang="en-US"/>
+          </a:p>
+        </p:txBody>
+      </p:sp>
+      <p:sp>
+        <p:nvSpPr>
+          <p:cNvPr id="15" name="슬라이드 번호 개체 틀 14"/>
+          <p:cNvSpPr>
+            <a:spLocks noGrp="1"/>
+          </p:cNvSpPr>
+          <p:nvPr>
+            <p:ph type="sldNum" sz="quarter" idx="12"/>
+          </p:nvPr>
+        </p:nvSpPr>
+        <p:spPr/>
+        <p:txBody>
+          <a:bodyPr/>
+          <a:lstStyle/>
+          <a:p>
+            <a:fld id="{8765F8EB-1186-4395-8E70-F957669279DD}" type="slidenum">
+              <a:rPr lang="ko-KR" altLang="en-US" smtClean="0"/>
+              <a:t>15</a:t>
+            </a:fld>
+            <a:endParaRPr lang="ko-KR" altLang="en-US"/>
+          </a:p>
+        </p:txBody>
+      </p:sp>
+      <p:sp>
+        <p:nvSpPr>
+          <p:cNvPr id="18" name="TextBox 17"/>
           <p:cNvSpPr txBox="1"/>
           <p:nvPr/>
         </p:nvSpPr>
         <p:spPr>
           <a:xfrm>
-            <a:off x="268165" y="1362807"/>
-            <a:ext cx="8607669" cy="1477328"/>
+            <a:off x="483027" y="3814593"/>
+            <a:ext cx="8177946" cy="1323439"/>
           </a:xfrm>
           <a:prstGeom prst="rect">
             <a:avLst/>
@@ -6205,153 +6718,271 @@
           </a:bodyPr>
           <a:lstStyle/>
           <a:p>
-            <a:pPr marL="285750" indent="-285750">
+            <a:pPr marL="342900" indent="-342900">
               <a:buFont typeface="Arial" panose="020B0604020202020204" pitchFamily="34" charset="0"/>
               <a:buChar char="•"/>
             </a:pPr>
             <a:r>
-              <a:rPr lang="en-US" altLang="ko-KR" dirty="0" err="1" smtClean="0">
+              <a:rPr lang="en-US" altLang="ko-KR" sz="2000" dirty="0" smtClean="0"/>
+              <a:t>First applications restricted by necessity for the </a:t>
+            </a:r>
+            <a:r>
+              <a:rPr lang="en-US" altLang="ko-KR" sz="2000" dirty="0" smtClean="0">
+                <a:solidFill>
+                  <a:srgbClr val="3333FF"/>
+                </a:solidFill>
+              </a:rPr>
+              <a:t>interactions to occur near the surface of the electro-optic crystal</a:t>
+            </a:r>
+            <a:r>
+              <a:rPr lang="en-US" altLang="ko-KR" sz="2000" dirty="0" smtClean="0"/>
+              <a:t>, thus limiting sample accessibility.</a:t>
+            </a:r>
+          </a:p>
+          <a:p>
+            <a:pPr marL="342900" indent="-342900">
+              <a:buFont typeface="Arial" panose="020B0604020202020204" pitchFamily="34" charset="0"/>
+              <a:buChar char="•"/>
+            </a:pPr>
+            <a:r>
+              <a:rPr lang="en-US" altLang="ko-KR" sz="2000" dirty="0" smtClean="0"/>
+              <a:t>Recently developed, using </a:t>
+            </a:r>
+            <a:r>
+              <a:rPr lang="en-US" altLang="ko-KR" sz="2000" dirty="0" smtClean="0">
+                <a:solidFill>
+                  <a:srgbClr val="3333FF"/>
+                </a:solidFill>
+              </a:rPr>
+              <a:t>aperture-less scattering scanning near-field optical microscopy</a:t>
+            </a:r>
+            <a:r>
+              <a:rPr lang="en-US" altLang="ko-KR" sz="2000" dirty="0" smtClean="0"/>
+              <a:t>, known as s-SNOM</a:t>
+            </a:r>
+            <a:endParaRPr lang="en-US" altLang="ko-KR" sz="2000" dirty="0" smtClean="0"/>
+          </a:p>
+        </p:txBody>
+      </p:sp>
+      <p:pic>
+        <p:nvPicPr>
+          <p:cNvPr id="5" name="그림 4"/>
+          <p:cNvPicPr>
+            <a:picLocks noChangeAspect="1"/>
+          </p:cNvPicPr>
+          <p:nvPr/>
+        </p:nvPicPr>
+        <p:blipFill>
+          <a:blip r:embed="rId3"/>
+          <a:stretch>
+            <a:fillRect/>
+          </a:stretch>
+        </p:blipFill>
+        <p:spPr>
+          <a:xfrm>
+            <a:off x="628650" y="993741"/>
+            <a:ext cx="3353145" cy="2402752"/>
+          </a:xfrm>
+          <a:prstGeom prst="rect">
+            <a:avLst/>
+          </a:prstGeom>
+        </p:spPr>
+      </p:pic>
+      <p:pic>
+        <p:nvPicPr>
+          <p:cNvPr id="6" name="그림 5"/>
+          <p:cNvPicPr>
+            <a:picLocks noChangeAspect="1"/>
+          </p:cNvPicPr>
+          <p:nvPr/>
+        </p:nvPicPr>
+        <p:blipFill>
+          <a:blip r:embed="rId4"/>
+          <a:stretch>
+            <a:fillRect/>
+          </a:stretch>
+        </p:blipFill>
+        <p:spPr>
+          <a:xfrm>
+            <a:off x="4918437" y="996777"/>
+            <a:ext cx="3596913" cy="2399716"/>
+          </a:xfrm>
+          <a:prstGeom prst="rect">
+            <a:avLst/>
+          </a:prstGeom>
+        </p:spPr>
+      </p:pic>
+      <p:sp>
+        <p:nvSpPr>
+          <p:cNvPr id="14" name="TextBox 13"/>
+          <p:cNvSpPr txBox="1"/>
+          <p:nvPr/>
+        </p:nvSpPr>
+        <p:spPr>
+          <a:xfrm>
+            <a:off x="268165" y="5961832"/>
+            <a:ext cx="8607669" cy="577081"/>
+          </a:xfrm>
+          <a:prstGeom prst="rect">
+            <a:avLst/>
+          </a:prstGeom>
+          <a:noFill/>
+        </p:spPr>
+        <p:txBody>
+          <a:bodyPr wrap="square" rtlCol="0">
+            <a:spAutoFit/>
+          </a:bodyPr>
+          <a:lstStyle/>
+          <a:p>
+            <a:r>
+              <a:rPr lang="en-US" altLang="ko-KR" sz="1050" dirty="0">
                 <a:latin typeface="Times New Roman" panose="02020603050405020304" pitchFamily="18" charset="0"/>
                 <a:cs typeface="Times New Roman" panose="02020603050405020304" pitchFamily="18" charset="0"/>
               </a:rPr>
-              <a:t>Aenchbacher</a:t>
-            </a:r>
-            <a:r>
-              <a:rPr lang="en-US" altLang="ko-KR" dirty="0" smtClean="0">
+              <a:t>Van der </a:t>
+            </a:r>
+            <a:r>
+              <a:rPr lang="en-US" altLang="ko-KR" sz="1050" dirty="0" err="1">
                 <a:latin typeface="Times New Roman" panose="02020603050405020304" pitchFamily="18" charset="0"/>
                 <a:cs typeface="Times New Roman" panose="02020603050405020304" pitchFamily="18" charset="0"/>
               </a:rPr>
-              <a:t>, W., M. </a:t>
-            </a:r>
-            <a:r>
-              <a:rPr lang="en-US" altLang="ko-KR" dirty="0" err="1" smtClean="0">
+              <a:t>Valk</a:t>
+            </a:r>
+            <a:r>
+              <a:rPr lang="en-US" altLang="ko-KR" sz="1050" dirty="0">
                 <a:latin typeface="Times New Roman" panose="02020603050405020304" pitchFamily="18" charset="0"/>
                 <a:cs typeface="Times New Roman" panose="02020603050405020304" pitchFamily="18" charset="0"/>
               </a:rPr>
-              <a:t>Naftaly</a:t>
-            </a:r>
-            <a:r>
-              <a:rPr lang="en-US" altLang="ko-KR" dirty="0" smtClean="0">
+              <a:t>, N. C. J., and P. C. M. </a:t>
+            </a:r>
+            <a:r>
+              <a:rPr lang="en-US" altLang="ko-KR" sz="1050" dirty="0" err="1">
                 <a:latin typeface="Times New Roman" panose="02020603050405020304" pitchFamily="18" charset="0"/>
                 <a:cs typeface="Times New Roman" panose="02020603050405020304" pitchFamily="18" charset="0"/>
               </a:rPr>
-              <a:t>, and R. Dudley, “Line Strengths and Self-Broadening of Pure Rotational Lines of Carbon Monoxide Measured by Terahertz Time-Domain Spectroscopy,” </a:t>
-            </a:r>
-            <a:r>
-              <a:rPr lang="en-US" altLang="ko-KR" i="1" dirty="0" smtClean="0">
+              <a:t>Planken</a:t>
+            </a:r>
+            <a:r>
+              <a:rPr lang="en-US" altLang="ko-KR" sz="1050" dirty="0">
                 <a:latin typeface="Times New Roman" panose="02020603050405020304" pitchFamily="18" charset="0"/>
                 <a:cs typeface="Times New Roman" panose="02020603050405020304" pitchFamily="18" charset="0"/>
               </a:rPr>
-              <a:t>Applied Optics</a:t>
-            </a:r>
-            <a:r>
-              <a:rPr lang="en-US" altLang="ko-KR" dirty="0" smtClean="0">
+              <a:t>. “Electro-Optic Detection of Subwavelength Terahertz Spot Sizes in the Near Field of a Metal Tip,” </a:t>
+            </a:r>
+            <a:r>
+              <a:rPr lang="en-US" altLang="ko-KR" sz="1050" i="1" dirty="0">
                 <a:latin typeface="Times New Roman" panose="02020603050405020304" pitchFamily="18" charset="0"/>
                 <a:cs typeface="Times New Roman" panose="02020603050405020304" pitchFamily="18" charset="0"/>
               </a:rPr>
-              <a:t>, Vol. 49, No. 13, 2010, pp. 2490-2496.</a:t>
-            </a:r>
-          </a:p>
-          <a:p>
-            <a:pPr marL="285750" indent="-285750">
-              <a:buFont typeface="Arial" panose="020B0604020202020204" pitchFamily="34" charset="0"/>
-              <a:buChar char="•"/>
-            </a:pPr>
-            <a:r>
-              <a:rPr lang="en-US" altLang="ko-KR" dirty="0" smtClean="0">
+              <a:t>Applied Physics Letters</a:t>
+            </a:r>
+            <a:r>
+              <a:rPr lang="en-US" altLang="ko-KR" sz="1050" dirty="0">
                 <a:latin typeface="Times New Roman" panose="02020603050405020304" pitchFamily="18" charset="0"/>
                 <a:cs typeface="Times New Roman" panose="02020603050405020304" pitchFamily="18" charset="0"/>
               </a:rPr>
-              <a:t>Molloy, J. F., et al., “Dispersion Properties of </a:t>
-            </a:r>
-            <a:r>
-              <a:rPr lang="en-US" altLang="ko-KR" dirty="0" err="1" smtClean="0">
+              <a:t>, Vol. 81, No. 9, </a:t>
+            </a:r>
+            <a:r>
+              <a:rPr lang="en-US" altLang="ko-KR" sz="1050" dirty="0" smtClean="0">
                 <a:latin typeface="Times New Roman" panose="02020603050405020304" pitchFamily="18" charset="0"/>
                 <a:cs typeface="Times New Roman" panose="02020603050405020304" pitchFamily="18" charset="0"/>
               </a:rPr>
-              <a:t>GaS</a:t>
-            </a:r>
-            <a:r>
-              <a:rPr lang="en-US" altLang="ko-KR" dirty="0" smtClean="0">
+              <a:t>2002.</a:t>
+            </a:r>
+          </a:p>
+          <a:p>
+            <a:r>
+              <a:rPr lang="en-US" altLang="ko-KR" sz="1050" dirty="0" smtClean="0">
                 <a:latin typeface="Times New Roman" panose="02020603050405020304" pitchFamily="18" charset="0"/>
                 <a:cs typeface="Times New Roman" panose="02020603050405020304" pitchFamily="18" charset="0"/>
               </a:rPr>
-              <a:t> Studied by THz-TDS,” </a:t>
-            </a:r>
-            <a:r>
-              <a:rPr lang="en-US" altLang="ko-KR" i="1" dirty="0" err="1" smtClean="0">
+              <a:t>Hillenbrand</a:t>
+            </a:r>
+            <a:r>
+              <a:rPr lang="en-US" altLang="ko-KR" sz="1050" dirty="0">
                 <a:latin typeface="Times New Roman" panose="02020603050405020304" pitchFamily="18" charset="0"/>
                 <a:cs typeface="Times New Roman" panose="02020603050405020304" pitchFamily="18" charset="0"/>
               </a:rPr>
-              <a:t>Cryst</a:t>
-            </a:r>
-            <a:r>
-              <a:rPr lang="en-US" altLang="ko-KR" i="1" dirty="0" smtClean="0">
+              <a:t>, R., T. </a:t>
+            </a:r>
+            <a:r>
+              <a:rPr lang="en-US" altLang="ko-KR" sz="1050" dirty="0" err="1">
                 <a:latin typeface="Times New Roman" panose="02020603050405020304" pitchFamily="18" charset="0"/>
                 <a:cs typeface="Times New Roman" panose="02020603050405020304" pitchFamily="18" charset="0"/>
               </a:rPr>
-              <a:t>. Eng. Comm.</a:t>
-            </a:r>
-            <a:r>
-              <a:rPr lang="en-US" altLang="ko-KR" dirty="0" smtClean="0">
+              <a:t>Taubner</a:t>
+            </a:r>
+            <a:r>
+              <a:rPr lang="en-US" altLang="ko-KR" sz="1050" dirty="0">
                 <a:latin typeface="Times New Roman" panose="02020603050405020304" pitchFamily="18" charset="0"/>
                 <a:cs typeface="Times New Roman" panose="02020603050405020304" pitchFamily="18" charset="0"/>
               </a:rPr>
-              <a:t>, Vol. 16, 2014, pp. 1995-2000.</a:t>
-            </a:r>
-          </a:p>
-        </p:txBody>
-      </p:sp>
-      <p:sp>
-        <p:nvSpPr>
-          <p:cNvPr id="3" name="날짜 개체 틀 2"/>
-          <p:cNvSpPr>
-            <a:spLocks noGrp="1"/>
-          </p:cNvSpPr>
-          <p:nvPr>
-            <p:ph type="dt" sz="half" idx="10"/>
-          </p:nvPr>
-        </p:nvSpPr>
-        <p:spPr/>
-        <p:txBody>
-          <a:bodyPr/>
-          <a:lstStyle/>
-          <a:p>
-            <a:fld id="{6509A91F-0059-474E-BAEC-65E67593FE25}" type="datetime1">
-              <a:rPr lang="ko-KR" altLang="en-US" smtClean="0"/>
-              <a:t>2018-04-13</a:t>
-            </a:fld>
-            <a:endParaRPr lang="ko-KR" altLang="en-US"/>
-          </a:p>
-        </p:txBody>
-      </p:sp>
-      <p:sp>
-        <p:nvSpPr>
-          <p:cNvPr id="4" name="슬라이드 번호 개체 틀 3"/>
-          <p:cNvSpPr>
-            <a:spLocks noGrp="1"/>
-          </p:cNvSpPr>
-          <p:nvPr>
-            <p:ph type="sldNum" sz="quarter" idx="12"/>
-          </p:nvPr>
-        </p:nvSpPr>
-        <p:spPr/>
-        <p:txBody>
-          <a:bodyPr/>
-          <a:lstStyle/>
-          <a:p>
-            <a:fld id="{8765F8EB-1186-4395-8E70-F957669279DD}" type="slidenum">
-              <a:rPr lang="ko-KR" altLang="en-US" smtClean="0"/>
-              <a:t>15</a:t>
-            </a:fld>
-            <a:endParaRPr lang="ko-KR" altLang="en-US"/>
+              <a:t>, and F. </a:t>
+            </a:r>
+            <a:r>
+              <a:rPr lang="en-US" altLang="ko-KR" sz="1050" dirty="0" err="1">
+                <a:latin typeface="Times New Roman" panose="02020603050405020304" pitchFamily="18" charset="0"/>
+                <a:cs typeface="Times New Roman" panose="02020603050405020304" pitchFamily="18" charset="0"/>
+              </a:rPr>
+              <a:t>Keilmann</a:t>
+            </a:r>
+            <a:r>
+              <a:rPr lang="en-US" altLang="ko-KR" sz="1050" dirty="0">
+                <a:latin typeface="Times New Roman" panose="02020603050405020304" pitchFamily="18" charset="0"/>
+                <a:cs typeface="Times New Roman" panose="02020603050405020304" pitchFamily="18" charset="0"/>
+              </a:rPr>
+              <a:t>, “Phonon-Enhanced Light-Matter Interaction at the </a:t>
+            </a:r>
+            <a:r>
+              <a:rPr lang="en-US" altLang="ko-KR" sz="1050" dirty="0" err="1">
+                <a:latin typeface="Times New Roman" panose="02020603050405020304" pitchFamily="18" charset="0"/>
+                <a:cs typeface="Times New Roman" panose="02020603050405020304" pitchFamily="18" charset="0"/>
+              </a:rPr>
+              <a:t>Nanometre</a:t>
+            </a:r>
+            <a:r>
+              <a:rPr lang="en-US" altLang="ko-KR" sz="1050" dirty="0">
+                <a:latin typeface="Times New Roman" panose="02020603050405020304" pitchFamily="18" charset="0"/>
+                <a:cs typeface="Times New Roman" panose="02020603050405020304" pitchFamily="18" charset="0"/>
+              </a:rPr>
+              <a:t> Scale,” </a:t>
+            </a:r>
+            <a:r>
+              <a:rPr lang="en-US" altLang="ko-KR" sz="1050" i="1" dirty="0">
+                <a:latin typeface="Times New Roman" panose="02020603050405020304" pitchFamily="18" charset="0"/>
+                <a:cs typeface="Times New Roman" panose="02020603050405020304" pitchFamily="18" charset="0"/>
+              </a:rPr>
+              <a:t>Nature</a:t>
+            </a:r>
+            <a:r>
+              <a:rPr lang="en-US" altLang="ko-KR" sz="1050" dirty="0">
+                <a:latin typeface="Times New Roman" panose="02020603050405020304" pitchFamily="18" charset="0"/>
+                <a:cs typeface="Times New Roman" panose="02020603050405020304" pitchFamily="18" charset="0"/>
+              </a:rPr>
+              <a:t>, Vol. 418, No. 6894, </a:t>
+            </a:r>
+            <a:r>
+              <a:rPr lang="en-US" altLang="ko-KR" sz="1050" dirty="0" smtClean="0">
+                <a:latin typeface="Times New Roman" panose="02020603050405020304" pitchFamily="18" charset="0"/>
+                <a:cs typeface="Times New Roman" panose="02020603050405020304" pitchFamily="18" charset="0"/>
+              </a:rPr>
+              <a:t>2002</a:t>
+            </a:r>
+            <a:r>
+              <a:rPr lang="en-US" altLang="ko-KR" sz="1050" dirty="0">
+                <a:latin typeface="Times New Roman" panose="02020603050405020304" pitchFamily="18" charset="0"/>
+                <a:cs typeface="Times New Roman" panose="02020603050405020304" pitchFamily="18" charset="0"/>
+              </a:rPr>
+              <a:t>.</a:t>
+            </a:r>
           </a:p>
         </p:txBody>
       </p:sp>
     </p:spTree>
     <p:extLst>
       <p:ext uri="{BB962C8B-B14F-4D97-AF65-F5344CB8AC3E}">
-        <p14:creationId xmlns:p14="http://schemas.microsoft.com/office/powerpoint/2010/main" val="3518239763"/>
+        <p14:creationId xmlns:p14="http://schemas.microsoft.com/office/powerpoint/2010/main" val="550516494"/>
       </p:ext>
     </p:extLst>
   </p:cSld>
@@ -6368,7 +6999,7 @@
 </p:sld>
 </file>
 
-<file path=ppt/slides/slide2.xml><?xml version="1.0" encoding="utf-8"?>
+<file path=ppt/slides/slide16.xml><?xml version="1.0" encoding="utf-8"?>
 <p:sld xmlns:a="http://schemas.openxmlformats.org/drawingml/2006/main" xmlns:r="http://schemas.openxmlformats.org/officeDocument/2006/relationships" xmlns:p="http://schemas.openxmlformats.org/presentationml/2006/main">
   <p:cSld>
     <p:spTree>
@@ -6385,305 +7016,6 @@
           <a:chExt cx="0" cy="0"/>
         </a:xfrm>
       </p:grpSpPr>
-      <p:sp>
-        <p:nvSpPr>
-          <p:cNvPr id="6185" name="Text Box 41"/>
-          <p:cNvSpPr txBox="1">
-            <a:spLocks noChangeArrowheads="1"/>
-          </p:cNvSpPr>
-          <p:nvPr/>
-        </p:nvSpPr>
-        <p:spPr bwMode="auto">
-          <a:xfrm>
-            <a:off x="1775445" y="1289953"/>
-            <a:ext cx="5593111" cy="4278094"/>
-          </a:xfrm>
-          <a:prstGeom prst="rect">
-            <a:avLst/>
-          </a:prstGeom>
-          <a:noFill/>
-          <a:ln w="19050">
-            <a:solidFill>
-              <a:srgbClr val="3333FF"/>
-            </a:solidFill>
-            <a:miter lim="800000"/>
-            <a:headEnd/>
-            <a:tailEnd/>
-          </a:ln>
-          <a:effectLst/>
-          <a:extLst>
-            <a:ext uri="{909E8E84-426E-40DD-AFC4-6F175D3DCCD1}">
-              <a14:hiddenFill xmlns:a14="http://schemas.microsoft.com/office/drawing/2010/main">
-                <a:solidFill>
-                  <a:schemeClr val="accent1"/>
-                </a:solidFill>
-              </a14:hiddenFill>
-            </a:ext>
-            <a:ext uri="{AF507438-7753-43E0-B8FC-AC1667EBCBE1}">
-              <a14:hiddenEffects xmlns:a14="http://schemas.microsoft.com/office/drawing/2010/main">
-                <a:effectLst>
-                  <a:outerShdw dist="35921" dir="2700000" algn="ctr" rotWithShape="0">
-                    <a:schemeClr val="bg2"/>
-                  </a:outerShdw>
-                </a:effectLst>
-              </a14:hiddenEffects>
-            </a:ext>
-          </a:extLst>
-        </p:spPr>
-        <p:txBody>
-          <a:bodyPr wrap="square">
-            <a:spAutoFit/>
-          </a:bodyPr>
-          <a:lstStyle/>
-          <a:p>
-            <a:pPr marL="342900" indent="-342900">
-              <a:buAutoNum type="arabicPeriod"/>
-            </a:pPr>
-            <a:endParaRPr lang="en-US" altLang="ko-KR" sz="1600" dirty="0" smtClean="0">
-              <a:solidFill>
-                <a:srgbClr val="3333FF"/>
-              </a:solidFill>
-              <a:latin typeface="Arial" panose="020B0604020202020204" pitchFamily="34" charset="0"/>
-            </a:endParaRPr>
-          </a:p>
-          <a:p>
-            <a:pPr marL="342900" indent="-342900">
-              <a:buAutoNum type="arabicPeriod"/>
-            </a:pPr>
-            <a:r>
-              <a:rPr lang="en-US" altLang="ko-KR" sz="1600" dirty="0" smtClean="0">
-                <a:solidFill>
-                  <a:srgbClr val="3333FF"/>
-                </a:solidFill>
-                <a:latin typeface="Arial" panose="020B0604020202020204" pitchFamily="34" charset="0"/>
-              </a:rPr>
-              <a:t>Image </a:t>
-            </a:r>
-            <a:r>
-              <a:rPr lang="en-US" altLang="ko-KR" sz="1600" dirty="0" err="1" smtClean="0">
-                <a:solidFill>
-                  <a:srgbClr val="3333FF"/>
-                </a:solidFill>
-                <a:latin typeface="Arial" panose="020B0604020202020204" pitchFamily="34" charset="0"/>
-              </a:rPr>
-              <a:t>Resoultion</a:t>
-            </a:r>
-            <a:r>
-              <a:rPr lang="en-US" altLang="ko-KR" sz="1600" dirty="0" smtClean="0">
-                <a:solidFill>
-                  <a:srgbClr val="3333FF"/>
-                </a:solidFill>
-                <a:latin typeface="Arial" panose="020B0604020202020204" pitchFamily="34" charset="0"/>
-              </a:rPr>
-              <a:t> of a Terahertz Imaging System</a:t>
-            </a:r>
-          </a:p>
-          <a:p>
-            <a:pPr marL="342900" indent="-342900">
-              <a:buAutoNum type="arabicPeriod"/>
-            </a:pPr>
-            <a:endParaRPr lang="en-US" altLang="ko-KR" sz="1600" dirty="0">
-              <a:solidFill>
-                <a:srgbClr val="3333FF"/>
-              </a:solidFill>
-              <a:latin typeface="Arial" panose="020B0604020202020204" pitchFamily="34" charset="0"/>
-            </a:endParaRPr>
-          </a:p>
-          <a:p>
-            <a:pPr marL="342900" indent="-342900">
-              <a:buAutoNum type="arabicPeriod"/>
-            </a:pPr>
-            <a:r>
-              <a:rPr lang="en-US" altLang="ko-KR" sz="1600" dirty="0" smtClean="0">
-                <a:solidFill>
-                  <a:srgbClr val="3333FF"/>
-                </a:solidFill>
-                <a:latin typeface="Arial" panose="020B0604020202020204" pitchFamily="34" charset="0"/>
-              </a:rPr>
-              <a:t>Data Analysis in the Far Field</a:t>
-            </a:r>
-          </a:p>
-          <a:p>
-            <a:pPr marL="342900" indent="-342900">
-              <a:buAutoNum type="arabicPeriod"/>
-            </a:pPr>
-            <a:endParaRPr lang="en-US" altLang="ko-KR" sz="1600" dirty="0">
-              <a:solidFill>
-                <a:srgbClr val="3333FF"/>
-              </a:solidFill>
-              <a:latin typeface="Arial" panose="020B0604020202020204" pitchFamily="34" charset="0"/>
-            </a:endParaRPr>
-          </a:p>
-          <a:p>
-            <a:pPr marL="342900" indent="-342900">
-              <a:buAutoNum type="arabicPeriod"/>
-            </a:pPr>
-            <a:r>
-              <a:rPr lang="en-US" altLang="ko-KR" sz="1600" dirty="0" smtClean="0">
-                <a:solidFill>
-                  <a:srgbClr val="3333FF"/>
-                </a:solidFill>
-                <a:latin typeface="Arial" panose="020B0604020202020204" pitchFamily="34" charset="0"/>
-              </a:rPr>
-              <a:t>Imaging Thin Layers</a:t>
-            </a:r>
-          </a:p>
-          <a:p>
-            <a:pPr marL="342900" indent="-342900">
-              <a:buAutoNum type="arabicPeriod"/>
-            </a:pPr>
-            <a:endParaRPr lang="en-US" altLang="ko-KR" sz="1600" dirty="0">
-              <a:solidFill>
-                <a:srgbClr val="3333FF"/>
-              </a:solidFill>
-              <a:latin typeface="Arial" panose="020B0604020202020204" pitchFamily="34" charset="0"/>
-            </a:endParaRPr>
-          </a:p>
-          <a:p>
-            <a:pPr marL="342900" indent="-342900">
-              <a:buAutoNum type="arabicPeriod"/>
-            </a:pPr>
-            <a:r>
-              <a:rPr lang="en-US" altLang="ko-KR" sz="1600" dirty="0" smtClean="0">
-                <a:solidFill>
-                  <a:srgbClr val="3333FF"/>
-                </a:solidFill>
-                <a:latin typeface="Arial" panose="020B0604020202020204" pitchFamily="34" charset="0"/>
-              </a:rPr>
-              <a:t>Spatial Resolution Tests</a:t>
-            </a:r>
-          </a:p>
-          <a:p>
-            <a:pPr marL="342900" indent="-342900">
-              <a:buAutoNum type="arabicPeriod"/>
-            </a:pPr>
-            <a:endParaRPr lang="en-US" altLang="ko-KR" sz="1600" dirty="0">
-              <a:solidFill>
-                <a:srgbClr val="3333FF"/>
-              </a:solidFill>
-              <a:latin typeface="Arial" panose="020B0604020202020204" pitchFamily="34" charset="0"/>
-            </a:endParaRPr>
-          </a:p>
-          <a:p>
-            <a:pPr marL="342900" indent="-342900">
-              <a:buAutoNum type="arabicPeriod"/>
-            </a:pPr>
-            <a:r>
-              <a:rPr lang="en-US" altLang="ko-KR" sz="1600" dirty="0" smtClean="0">
-                <a:solidFill>
-                  <a:srgbClr val="3333FF"/>
-                </a:solidFill>
-                <a:latin typeface="Arial" panose="020B0604020202020204" pitchFamily="34" charset="0"/>
-              </a:rPr>
-              <a:t>Near-Field Imaging</a:t>
-            </a:r>
-          </a:p>
-          <a:p>
-            <a:pPr marL="342900" indent="-342900">
-              <a:buAutoNum type="arabicPeriod"/>
-            </a:pPr>
-            <a:endParaRPr lang="en-US" altLang="ko-KR" sz="1600" dirty="0">
-              <a:solidFill>
-                <a:srgbClr val="3333FF"/>
-              </a:solidFill>
-              <a:latin typeface="Arial" panose="020B0604020202020204" pitchFamily="34" charset="0"/>
-            </a:endParaRPr>
-          </a:p>
-          <a:p>
-            <a:pPr marL="342900" indent="-342900">
-              <a:buAutoNum type="arabicPeriod"/>
-            </a:pPr>
-            <a:r>
-              <a:rPr lang="en-US" altLang="ko-KR" sz="1600" dirty="0" smtClean="0">
-                <a:solidFill>
-                  <a:srgbClr val="3333FF"/>
-                </a:solidFill>
-                <a:latin typeface="Arial" panose="020B0604020202020204" pitchFamily="34" charset="0"/>
-              </a:rPr>
-              <a:t>Chemical Imaging</a:t>
-            </a:r>
-          </a:p>
-          <a:p>
-            <a:pPr marL="342900" indent="-342900">
-              <a:buAutoNum type="arabicPeriod"/>
-            </a:pPr>
-            <a:endParaRPr lang="en-US" altLang="ko-KR" sz="1600" dirty="0">
-              <a:solidFill>
-                <a:srgbClr val="3333FF"/>
-              </a:solidFill>
-              <a:latin typeface="Arial" panose="020B0604020202020204" pitchFamily="34" charset="0"/>
-            </a:endParaRPr>
-          </a:p>
-          <a:p>
-            <a:pPr marL="342900" indent="-342900">
-              <a:buAutoNum type="arabicPeriod"/>
-            </a:pPr>
-            <a:r>
-              <a:rPr lang="en-US" altLang="ko-KR" sz="1600" dirty="0" smtClean="0">
-                <a:solidFill>
-                  <a:srgbClr val="3333FF"/>
-                </a:solidFill>
-                <a:latin typeface="Arial" panose="020B0604020202020204" pitchFamily="34" charset="0"/>
-              </a:rPr>
-              <a:t>Focal Plane Array </a:t>
-            </a:r>
-            <a:r>
-              <a:rPr lang="en-US" altLang="ko-KR" sz="1600" dirty="0" err="1" smtClean="0">
-                <a:solidFill>
-                  <a:srgbClr val="3333FF"/>
-                </a:solidFill>
-                <a:latin typeface="Arial" panose="020B0604020202020204" pitchFamily="34" charset="0"/>
-              </a:rPr>
-              <a:t>Microbolometer</a:t>
-            </a:r>
-            <a:r>
-              <a:rPr lang="en-US" altLang="ko-KR" sz="1600" dirty="0" smtClean="0">
-                <a:solidFill>
-                  <a:srgbClr val="3333FF"/>
-                </a:solidFill>
-                <a:latin typeface="Arial" panose="020B0604020202020204" pitchFamily="34" charset="0"/>
-              </a:rPr>
-              <a:t> Cameras</a:t>
-            </a:r>
-          </a:p>
-          <a:p>
-            <a:pPr marL="342900" indent="-342900">
-              <a:buAutoNum type="arabicPeriod"/>
-            </a:pPr>
-            <a:endParaRPr lang="en-US" altLang="ko-KR" sz="1600" dirty="0">
-              <a:solidFill>
-                <a:srgbClr val="3333FF"/>
-              </a:solidFill>
-              <a:latin typeface="Arial" panose="020B0604020202020204" pitchFamily="34" charset="0"/>
-            </a:endParaRPr>
-          </a:p>
-          <a:p>
-            <a:pPr marL="342900" indent="-342900">
-              <a:buAutoNum type="arabicPeriod"/>
-            </a:pPr>
-            <a:r>
-              <a:rPr lang="en-US" altLang="ko-KR" sz="1600" dirty="0" smtClean="0">
-                <a:solidFill>
-                  <a:srgbClr val="3333FF"/>
-                </a:solidFill>
-                <a:latin typeface="Arial" panose="020B0604020202020204" pitchFamily="34" charset="0"/>
-              </a:rPr>
-              <a:t>Conclusions</a:t>
-            </a:r>
-          </a:p>
-          <a:p>
-            <a:pPr marL="342900" indent="-342900">
-              <a:buAutoNum type="arabicPeriod"/>
-            </a:pPr>
-            <a:endParaRPr lang="en-US" altLang="ko-KR" sz="1600" dirty="0" smtClean="0">
-              <a:solidFill>
-                <a:srgbClr val="3333FF"/>
-              </a:solidFill>
-              <a:latin typeface="Arial" panose="020B0604020202020204" pitchFamily="34" charset="0"/>
-            </a:endParaRPr>
-          </a:p>
-        </p:txBody>
-      </p:sp>
       <p:sp>
         <p:nvSpPr>
           <p:cNvPr id="6199" name="Rectangle 55"/>
@@ -6734,15 +7066,6 @@
           <a:lstStyle/>
           <a:p>
             <a:pPr algn="ctr"/>
-            <a:r>
-              <a:rPr lang="en-US" altLang="ko-KR" sz="2800" dirty="0" smtClean="0">
-                <a:solidFill>
-                  <a:schemeClr val="bg1"/>
-                </a:solidFill>
-                <a:latin typeface="Arial" panose="020B0604020202020204" pitchFamily="34" charset="0"/>
-              </a:rPr>
-              <a:t>Contents</a:t>
-            </a:r>
             <a:endParaRPr lang="en-US" altLang="ko-KR" sz="2800" dirty="0">
               <a:solidFill>
                 <a:schemeClr val="bg1"/>
@@ -6754,7 +7077,62 @@
       </p:sp>
       <p:sp>
         <p:nvSpPr>
-          <p:cNvPr id="2" name="날짜 개체 틀 1"/>
+          <p:cNvPr id="2" name="직사각형 1"/>
+          <p:cNvSpPr/>
+          <p:nvPr/>
+        </p:nvSpPr>
+        <p:spPr>
+          <a:xfrm>
+            <a:off x="1286256" y="2004529"/>
+            <a:ext cx="6571488" cy="2848942"/>
+          </a:xfrm>
+          <a:prstGeom prst="rect">
+            <a:avLst/>
+          </a:prstGeom>
+          <a:noFill/>
+          <a:ln w="38100">
+            <a:solidFill>
+              <a:srgbClr val="3333FF"/>
+            </a:solidFill>
+          </a:ln>
+        </p:spPr>
+        <p:style>
+          <a:lnRef idx="2">
+            <a:schemeClr val="accent1">
+              <a:shade val="50000"/>
+            </a:schemeClr>
+          </a:lnRef>
+          <a:fillRef idx="1">
+            <a:schemeClr val="accent1"/>
+          </a:fillRef>
+          <a:effectRef idx="0">
+            <a:schemeClr val="accent1"/>
+          </a:effectRef>
+          <a:fontRef idx="minor">
+            <a:schemeClr val="lt1"/>
+          </a:fontRef>
+        </p:style>
+        <p:txBody>
+          <a:bodyPr rtlCol="0" anchor="ctr"/>
+          <a:lstStyle/>
+          <a:p>
+            <a:pPr algn="ctr"/>
+            <a:r>
+              <a:rPr lang="en-US" altLang="ko-KR" sz="3600" dirty="0" smtClean="0">
+                <a:solidFill>
+                  <a:srgbClr val="3333FF"/>
+                </a:solidFill>
+                <a:latin typeface="Arial" panose="020B0604020202020204" pitchFamily="34" charset="0"/>
+              </a:rPr>
+              <a:t>Chemical Imaging</a:t>
+            </a:r>
+            <a:endParaRPr lang="ko-KR" altLang="en-US" sz="3600" dirty="0"/>
+          </a:p>
+        </p:txBody>
+      </p:sp>
+      <p:sp>
+        <p:nvSpPr>
+          <p:cNvPr id="3" name="날짜 개체 틀 2"/>
           <p:cNvSpPr>
             <a:spLocks noGrp="1"/>
           </p:cNvSpPr>
@@ -6767,9 +7145,9 @@
           <a:bodyPr/>
           <a:lstStyle/>
           <a:p>
-            <a:fld id="{D71C2118-E1AA-468B-9259-8864ED518988}" type="datetime1">
-              <a:rPr lang="ko-KR" altLang="en-US" smtClean="0"/>
-              <a:t>2018-04-13</a:t>
+            <a:fld id="{F85A177F-6FD3-496B-8A9C-B332CA04E863}" type="datetime1">
+              <a:rPr lang="ko-KR" altLang="en-US" smtClean="0"/>
+              <a:t>2018-04-15</a:t>
             </a:fld>
             <a:endParaRPr lang="ko-KR" altLang="en-US"/>
           </a:p>
@@ -6777,7 +7155,7 @@
       </p:sp>
       <p:sp>
         <p:nvSpPr>
-          <p:cNvPr id="3" name="슬라이드 번호 개체 틀 2"/>
+          <p:cNvPr id="4" name="슬라이드 번호 개체 틀 3"/>
           <p:cNvSpPr>
             <a:spLocks noGrp="1"/>
           </p:cNvSpPr>
@@ -6792,7 +7170,7 @@
           <a:p>
             <a:fld id="{8765F8EB-1186-4395-8E70-F957669279DD}" type="slidenum">
               <a:rPr lang="ko-KR" altLang="en-US" smtClean="0"/>
-              <a:t>2</a:t>
+              <a:t>16</a:t>
             </a:fld>
             <a:endParaRPr lang="ko-KR" altLang="en-US"/>
           </a:p>
@@ -6801,7 +7179,7 @@
     </p:spTree>
     <p:extLst>
       <p:ext uri="{BB962C8B-B14F-4D97-AF65-F5344CB8AC3E}">
-        <p14:creationId xmlns:p14="http://schemas.microsoft.com/office/powerpoint/2010/main" val="1136480468"/>
+        <p14:creationId xmlns:p14="http://schemas.microsoft.com/office/powerpoint/2010/main" val="2097305813"/>
       </p:ext>
     </p:extLst>
   </p:cSld>
@@ -6818,7 +7196,7 @@
 </p:sld>
 </file>
 
-<file path=ppt/slides/slide3.xml><?xml version="1.0" encoding="utf-8"?>
+<file path=ppt/slides/slide17.xml><?xml version="1.0" encoding="utf-8"?>
 <p:sld xmlns:a="http://schemas.openxmlformats.org/drawingml/2006/main" xmlns:r="http://schemas.openxmlformats.org/officeDocument/2006/relationships" xmlns:p="http://schemas.openxmlformats.org/presentationml/2006/main">
   <p:cSld>
     <p:spTree>
@@ -6885,6 +7263,195 @@
           <a:lstStyle/>
           <a:p>
             <a:pPr algn="ctr"/>
+            <a:r>
+              <a:rPr lang="en-US" altLang="ko-KR" sz="2800" dirty="0">
+                <a:solidFill>
+                  <a:schemeClr val="bg1"/>
+                </a:solidFill>
+                <a:latin typeface="Arial" panose="020B0604020202020204" pitchFamily="34" charset="0"/>
+              </a:rPr>
+              <a:t>6</a:t>
+            </a:r>
+            <a:r>
+              <a:rPr lang="en-US" altLang="ko-KR" sz="2800" dirty="0" smtClean="0">
+                <a:solidFill>
+                  <a:schemeClr val="bg1"/>
+                </a:solidFill>
+                <a:latin typeface="Arial" panose="020B0604020202020204" pitchFamily="34" charset="0"/>
+              </a:rPr>
+              <a:t>. Chemical Imaging</a:t>
+            </a:r>
+            <a:endParaRPr lang="en-US" altLang="ko-KR" sz="2800" dirty="0" smtClean="0">
+              <a:solidFill>
+                <a:schemeClr val="bg1"/>
+              </a:solidFill>
+              <a:latin typeface="Arial" panose="020B0604020202020204" pitchFamily="34" charset="0"/>
+            </a:endParaRPr>
+          </a:p>
+        </p:txBody>
+      </p:sp>
+      <p:sp>
+        <p:nvSpPr>
+          <p:cNvPr id="2" name="날짜 개체 틀 1"/>
+          <p:cNvSpPr>
+            <a:spLocks noGrp="1"/>
+          </p:cNvSpPr>
+          <p:nvPr>
+            <p:ph type="dt" sz="half" idx="10"/>
+          </p:nvPr>
+        </p:nvSpPr>
+        <p:spPr/>
+        <p:txBody>
+          <a:bodyPr/>
+          <a:lstStyle/>
+          <a:p>
+            <a:fld id="{53646E5C-8775-44A9-9523-40B6CCA06789}" type="datetime1">
+              <a:rPr lang="ko-KR" altLang="en-US" smtClean="0"/>
+              <a:t>2018-04-15</a:t>
+            </a:fld>
+            <a:endParaRPr lang="ko-KR" altLang="en-US"/>
+          </a:p>
+        </p:txBody>
+      </p:sp>
+      <p:sp>
+        <p:nvSpPr>
+          <p:cNvPr id="15" name="슬라이드 번호 개체 틀 14"/>
+          <p:cNvSpPr>
+            <a:spLocks noGrp="1"/>
+          </p:cNvSpPr>
+          <p:nvPr>
+            <p:ph type="sldNum" sz="quarter" idx="12"/>
+          </p:nvPr>
+        </p:nvSpPr>
+        <p:spPr/>
+        <p:txBody>
+          <a:bodyPr/>
+          <a:lstStyle/>
+          <a:p>
+            <a:fld id="{8765F8EB-1186-4395-8E70-F957669279DD}" type="slidenum">
+              <a:rPr lang="ko-KR" altLang="en-US" smtClean="0"/>
+              <a:t>17</a:t>
+            </a:fld>
+            <a:endParaRPr lang="ko-KR" altLang="en-US"/>
+          </a:p>
+        </p:txBody>
+      </p:sp>
+      <p:sp>
+        <p:nvSpPr>
+          <p:cNvPr id="18" name="TextBox 17"/>
+          <p:cNvSpPr txBox="1"/>
+          <p:nvPr/>
+        </p:nvSpPr>
+        <p:spPr>
+          <a:xfrm>
+            <a:off x="720969" y="914202"/>
+            <a:ext cx="7794381" cy="400110"/>
+          </a:xfrm>
+          <a:prstGeom prst="rect">
+            <a:avLst/>
+          </a:prstGeom>
+          <a:noFill/>
+        </p:spPr>
+        <p:txBody>
+          <a:bodyPr wrap="square" rtlCol="0">
+            <a:spAutoFit/>
+          </a:bodyPr>
+          <a:lstStyle/>
+          <a:p>
+            <a:r>
+              <a:rPr lang="en-US" altLang="ko-KR" sz="2000" dirty="0" smtClean="0"/>
+              <a:t>First, the model takes into account only a single reflected pulse.</a:t>
+            </a:r>
+          </a:p>
+        </p:txBody>
+      </p:sp>
+    </p:spTree>
+    <p:extLst>
+      <p:ext uri="{BB962C8B-B14F-4D97-AF65-F5344CB8AC3E}">
+        <p14:creationId xmlns:p14="http://schemas.microsoft.com/office/powerpoint/2010/main" val="4288768303"/>
+      </p:ext>
+    </p:extLst>
+  </p:cSld>
+  <p:clrMapOvr>
+    <a:masterClrMapping/>
+  </p:clrMapOvr>
+  <p:timing>
+    <p:tnLst>
+      <p:par>
+        <p:cTn id="1" dur="indefinite" restart="never" nodeType="tmRoot"/>
+      </p:par>
+    </p:tnLst>
+  </p:timing>
+</p:sld>
+</file>
+
+<file path=ppt/slides/slide18.xml><?xml version="1.0" encoding="utf-8"?>
+<p:sld xmlns:a="http://schemas.openxmlformats.org/drawingml/2006/main" xmlns:r="http://schemas.openxmlformats.org/officeDocument/2006/relationships" xmlns:p="http://schemas.openxmlformats.org/presentationml/2006/main">
+  <p:cSld>
+    <p:spTree>
+      <p:nvGrpSpPr>
+        <p:cNvPr id="1" name=""/>
+        <p:cNvGrpSpPr/>
+        <p:nvPr/>
+      </p:nvGrpSpPr>
+      <p:grpSpPr>
+        <a:xfrm>
+          <a:off x="0" y="0"/>
+          <a:ext cx="0" cy="0"/>
+          <a:chOff x="0" y="0"/>
+          <a:chExt cx="0" cy="0"/>
+        </a:xfrm>
+      </p:grpSpPr>
+      <p:sp>
+        <p:nvSpPr>
+          <p:cNvPr id="6199" name="Rectangle 55"/>
+          <p:cNvSpPr>
+            <a:spLocks noChangeArrowheads="1"/>
+          </p:cNvSpPr>
+          <p:nvPr/>
+        </p:nvSpPr>
+        <p:spPr bwMode="auto">
+          <a:xfrm>
+            <a:off x="0" y="0"/>
+            <a:ext cx="9144000" cy="692150"/>
+          </a:xfrm>
+          <a:prstGeom prst="rect">
+            <a:avLst/>
+          </a:prstGeom>
+          <a:solidFill>
+            <a:srgbClr val="3333FF"/>
+          </a:solidFill>
+          <a:ln>
+            <a:noFill/>
+          </a:ln>
+          <a:effectLst/>
+          <a:extLst>
+            <a:ext uri="{91240B29-F687-4F45-9708-019B960494DF}">
+              <a14:hiddenLine xmlns:a14="http://schemas.microsoft.com/office/drawing/2010/main" w="9525">
+                <a:solidFill>
+                  <a:schemeClr val="tx1"/>
+                </a:solidFill>
+                <a:miter lim="800000"/>
+                <a:headEnd/>
+                <a:tailEnd/>
+              </a14:hiddenLine>
+            </a:ext>
+            <a:ext uri="{AF507438-7753-43E0-B8FC-AC1667EBCBE1}">
+              <a14:hiddenEffects xmlns:a14="http://schemas.microsoft.com/office/drawing/2010/main">
+                <a:effectLst>
+                  <a:outerShdw dist="35921" dir="2700000" algn="ctr" rotWithShape="0">
+                    <a:schemeClr val="bg2"/>
+                  </a:outerShdw>
+                </a:effectLst>
+              </a14:hiddenEffects>
+            </a:ext>
+          </a:extLst>
+        </p:spPr>
+        <p:txBody>
+          <a:bodyPr wrap="none" anchor="ctr"/>
+          <a:lstStyle/>
+          <a:p>
+            <a:pPr algn="ctr"/>
             <a:endParaRPr lang="en-US" altLang="ko-KR" sz="2800" dirty="0">
               <a:solidFill>
                 <a:schemeClr val="bg1"/>
@@ -6943,6 +7510,1207 @@
                 </a:solidFill>
                 <a:latin typeface="Arial" panose="020B0604020202020204" pitchFamily="34" charset="0"/>
               </a:rPr>
+              <a:t>Focal Plane Array</a:t>
+            </a:r>
+          </a:p>
+          <a:p>
+            <a:pPr algn="ctr"/>
+            <a:r>
+              <a:rPr lang="en-US" altLang="ko-KR" sz="3600" dirty="0" smtClean="0">
+                <a:solidFill>
+                  <a:srgbClr val="3333FF"/>
+                </a:solidFill>
+                <a:latin typeface="Arial" panose="020B0604020202020204" pitchFamily="34" charset="0"/>
+              </a:rPr>
+              <a:t>Microbolometer Cameras</a:t>
+            </a:r>
+            <a:endParaRPr lang="ko-KR" altLang="en-US" sz="3600" dirty="0"/>
+          </a:p>
+        </p:txBody>
+      </p:sp>
+      <p:sp>
+        <p:nvSpPr>
+          <p:cNvPr id="3" name="날짜 개체 틀 2"/>
+          <p:cNvSpPr>
+            <a:spLocks noGrp="1"/>
+          </p:cNvSpPr>
+          <p:nvPr>
+            <p:ph type="dt" sz="half" idx="10"/>
+          </p:nvPr>
+        </p:nvSpPr>
+        <p:spPr/>
+        <p:txBody>
+          <a:bodyPr/>
+          <a:lstStyle/>
+          <a:p>
+            <a:fld id="{F85A177F-6FD3-496B-8A9C-B332CA04E863}" type="datetime1">
+              <a:rPr lang="ko-KR" altLang="en-US" smtClean="0"/>
+              <a:t>2018-04-15</a:t>
+            </a:fld>
+            <a:endParaRPr lang="ko-KR" altLang="en-US"/>
+          </a:p>
+        </p:txBody>
+      </p:sp>
+      <p:sp>
+        <p:nvSpPr>
+          <p:cNvPr id="4" name="슬라이드 번호 개체 틀 3"/>
+          <p:cNvSpPr>
+            <a:spLocks noGrp="1"/>
+          </p:cNvSpPr>
+          <p:nvPr>
+            <p:ph type="sldNum" sz="quarter" idx="12"/>
+          </p:nvPr>
+        </p:nvSpPr>
+        <p:spPr/>
+        <p:txBody>
+          <a:bodyPr/>
+          <a:lstStyle/>
+          <a:p>
+            <a:fld id="{8765F8EB-1186-4395-8E70-F957669279DD}" type="slidenum">
+              <a:rPr lang="ko-KR" altLang="en-US" smtClean="0"/>
+              <a:t>18</a:t>
+            </a:fld>
+            <a:endParaRPr lang="ko-KR" altLang="en-US"/>
+          </a:p>
+        </p:txBody>
+      </p:sp>
+    </p:spTree>
+    <p:extLst>
+      <p:ext uri="{BB962C8B-B14F-4D97-AF65-F5344CB8AC3E}">
+        <p14:creationId xmlns:p14="http://schemas.microsoft.com/office/powerpoint/2010/main" val="2502062157"/>
+      </p:ext>
+    </p:extLst>
+  </p:cSld>
+  <p:clrMapOvr>
+    <a:masterClrMapping/>
+  </p:clrMapOvr>
+  <p:timing>
+    <p:tnLst>
+      <p:par>
+        <p:cTn id="1" dur="indefinite" restart="never" nodeType="tmRoot"/>
+      </p:par>
+    </p:tnLst>
+  </p:timing>
+</p:sld>
+</file>
+
+<file path=ppt/slides/slide19.xml><?xml version="1.0" encoding="utf-8"?>
+<p:sld xmlns:a="http://schemas.openxmlformats.org/drawingml/2006/main" xmlns:r="http://schemas.openxmlformats.org/officeDocument/2006/relationships" xmlns:p="http://schemas.openxmlformats.org/presentationml/2006/main">
+  <p:cSld>
+    <p:spTree>
+      <p:nvGrpSpPr>
+        <p:cNvPr id="1" name=""/>
+        <p:cNvGrpSpPr/>
+        <p:nvPr/>
+      </p:nvGrpSpPr>
+      <p:grpSpPr>
+        <a:xfrm>
+          <a:off x="0" y="0"/>
+          <a:ext cx="0" cy="0"/>
+          <a:chOff x="0" y="0"/>
+          <a:chExt cx="0" cy="0"/>
+        </a:xfrm>
+      </p:grpSpPr>
+      <p:sp>
+        <p:nvSpPr>
+          <p:cNvPr id="6199" name="Rectangle 55"/>
+          <p:cNvSpPr>
+            <a:spLocks noChangeArrowheads="1"/>
+          </p:cNvSpPr>
+          <p:nvPr/>
+        </p:nvSpPr>
+        <p:spPr bwMode="auto">
+          <a:xfrm>
+            <a:off x="0" y="0"/>
+            <a:ext cx="9144000" cy="692150"/>
+          </a:xfrm>
+          <a:prstGeom prst="rect">
+            <a:avLst/>
+          </a:prstGeom>
+          <a:solidFill>
+            <a:srgbClr val="3333FF"/>
+          </a:solidFill>
+          <a:ln>
+            <a:noFill/>
+          </a:ln>
+          <a:effectLst/>
+          <a:extLst>
+            <a:ext uri="{91240B29-F687-4F45-9708-019B960494DF}">
+              <a14:hiddenLine xmlns:a14="http://schemas.microsoft.com/office/drawing/2010/main" w="9525">
+                <a:solidFill>
+                  <a:schemeClr val="tx1"/>
+                </a:solidFill>
+                <a:miter lim="800000"/>
+                <a:headEnd/>
+                <a:tailEnd/>
+              </a14:hiddenLine>
+            </a:ext>
+            <a:ext uri="{AF507438-7753-43E0-B8FC-AC1667EBCBE1}">
+              <a14:hiddenEffects xmlns:a14="http://schemas.microsoft.com/office/drawing/2010/main">
+                <a:effectLst>
+                  <a:outerShdw dist="35921" dir="2700000" algn="ctr" rotWithShape="0">
+                    <a:schemeClr val="bg2"/>
+                  </a:outerShdw>
+                </a:effectLst>
+              </a14:hiddenEffects>
+            </a:ext>
+          </a:extLst>
+        </p:spPr>
+        <p:txBody>
+          <a:bodyPr wrap="none" anchor="ctr"/>
+          <a:lstStyle/>
+          <a:p>
+            <a:pPr algn="ctr"/>
+            <a:r>
+              <a:rPr lang="en-US" altLang="ko-KR" sz="2800" dirty="0" smtClean="0">
+                <a:solidFill>
+                  <a:schemeClr val="bg1"/>
+                </a:solidFill>
+                <a:latin typeface="Arial" panose="020B0604020202020204" pitchFamily="34" charset="0"/>
+              </a:rPr>
+              <a:t>7. Focal Plane Array Microbolometer Cameras</a:t>
+            </a:r>
+            <a:endParaRPr lang="en-US" altLang="ko-KR" sz="2800" dirty="0" smtClean="0">
+              <a:solidFill>
+                <a:schemeClr val="bg1"/>
+              </a:solidFill>
+              <a:latin typeface="Arial" panose="020B0604020202020204" pitchFamily="34" charset="0"/>
+            </a:endParaRPr>
+          </a:p>
+        </p:txBody>
+      </p:sp>
+      <p:sp>
+        <p:nvSpPr>
+          <p:cNvPr id="2" name="날짜 개체 틀 1"/>
+          <p:cNvSpPr>
+            <a:spLocks noGrp="1"/>
+          </p:cNvSpPr>
+          <p:nvPr>
+            <p:ph type="dt" sz="half" idx="10"/>
+          </p:nvPr>
+        </p:nvSpPr>
+        <p:spPr/>
+        <p:txBody>
+          <a:bodyPr/>
+          <a:lstStyle/>
+          <a:p>
+            <a:fld id="{53646E5C-8775-44A9-9523-40B6CCA06789}" type="datetime1">
+              <a:rPr lang="ko-KR" altLang="en-US" smtClean="0"/>
+              <a:t>2018-04-15</a:t>
+            </a:fld>
+            <a:endParaRPr lang="ko-KR" altLang="en-US"/>
+          </a:p>
+        </p:txBody>
+      </p:sp>
+      <p:sp>
+        <p:nvSpPr>
+          <p:cNvPr id="15" name="슬라이드 번호 개체 틀 14"/>
+          <p:cNvSpPr>
+            <a:spLocks noGrp="1"/>
+          </p:cNvSpPr>
+          <p:nvPr>
+            <p:ph type="sldNum" sz="quarter" idx="12"/>
+          </p:nvPr>
+        </p:nvSpPr>
+        <p:spPr/>
+        <p:txBody>
+          <a:bodyPr/>
+          <a:lstStyle/>
+          <a:p>
+            <a:fld id="{8765F8EB-1186-4395-8E70-F957669279DD}" type="slidenum">
+              <a:rPr lang="ko-KR" altLang="en-US" smtClean="0"/>
+              <a:t>19</a:t>
+            </a:fld>
+            <a:endParaRPr lang="ko-KR" altLang="en-US"/>
+          </a:p>
+        </p:txBody>
+      </p:sp>
+      <p:sp>
+        <p:nvSpPr>
+          <p:cNvPr id="18" name="TextBox 17"/>
+          <p:cNvSpPr txBox="1"/>
+          <p:nvPr/>
+        </p:nvSpPr>
+        <p:spPr>
+          <a:xfrm>
+            <a:off x="720969" y="914202"/>
+            <a:ext cx="7794381" cy="400110"/>
+          </a:xfrm>
+          <a:prstGeom prst="rect">
+            <a:avLst/>
+          </a:prstGeom>
+          <a:noFill/>
+        </p:spPr>
+        <p:txBody>
+          <a:bodyPr wrap="square" rtlCol="0">
+            <a:spAutoFit/>
+          </a:bodyPr>
+          <a:lstStyle/>
+          <a:p>
+            <a:r>
+              <a:rPr lang="en-US" altLang="ko-KR" sz="2000" dirty="0" smtClean="0"/>
+              <a:t>First, the model takes into account only a single reflected pulse.</a:t>
+            </a:r>
+          </a:p>
+        </p:txBody>
+      </p:sp>
+    </p:spTree>
+    <p:extLst>
+      <p:ext uri="{BB962C8B-B14F-4D97-AF65-F5344CB8AC3E}">
+        <p14:creationId xmlns:p14="http://schemas.microsoft.com/office/powerpoint/2010/main" val="2562710295"/>
+      </p:ext>
+    </p:extLst>
+  </p:cSld>
+  <p:clrMapOvr>
+    <a:masterClrMapping/>
+  </p:clrMapOvr>
+  <p:timing>
+    <p:tnLst>
+      <p:par>
+        <p:cTn id="1" dur="indefinite" restart="never" nodeType="tmRoot"/>
+      </p:par>
+    </p:tnLst>
+  </p:timing>
+</p:sld>
+</file>
+
+<file path=ppt/slides/slide2.xml><?xml version="1.0" encoding="utf-8"?>
+<p:sld xmlns:a="http://schemas.openxmlformats.org/drawingml/2006/main" xmlns:r="http://schemas.openxmlformats.org/officeDocument/2006/relationships" xmlns:p="http://schemas.openxmlformats.org/presentationml/2006/main">
+  <p:cSld>
+    <p:spTree>
+      <p:nvGrpSpPr>
+        <p:cNvPr id="1" name=""/>
+        <p:cNvGrpSpPr/>
+        <p:nvPr/>
+      </p:nvGrpSpPr>
+      <p:grpSpPr>
+        <a:xfrm>
+          <a:off x="0" y="0"/>
+          <a:ext cx="0" cy="0"/>
+          <a:chOff x="0" y="0"/>
+          <a:chExt cx="0" cy="0"/>
+        </a:xfrm>
+      </p:grpSpPr>
+      <p:sp>
+        <p:nvSpPr>
+          <p:cNvPr id="6185" name="Text Box 41"/>
+          <p:cNvSpPr txBox="1">
+            <a:spLocks noChangeArrowheads="1"/>
+          </p:cNvSpPr>
+          <p:nvPr/>
+        </p:nvSpPr>
+        <p:spPr bwMode="auto">
+          <a:xfrm>
+            <a:off x="1775445" y="1289953"/>
+            <a:ext cx="5593111" cy="3785652"/>
+          </a:xfrm>
+          <a:prstGeom prst="rect">
+            <a:avLst/>
+          </a:prstGeom>
+          <a:noFill/>
+          <a:ln w="19050">
+            <a:solidFill>
+              <a:srgbClr val="3333FF"/>
+            </a:solidFill>
+            <a:miter lim="800000"/>
+            <a:headEnd/>
+            <a:tailEnd/>
+          </a:ln>
+          <a:effectLst/>
+          <a:extLst>
+            <a:ext uri="{909E8E84-426E-40DD-AFC4-6F175D3DCCD1}">
+              <a14:hiddenFill xmlns:a14="http://schemas.microsoft.com/office/drawing/2010/main">
+                <a:solidFill>
+                  <a:schemeClr val="accent1"/>
+                </a:solidFill>
+              </a14:hiddenFill>
+            </a:ext>
+            <a:ext uri="{AF507438-7753-43E0-B8FC-AC1667EBCBE1}">
+              <a14:hiddenEffects xmlns:a14="http://schemas.microsoft.com/office/drawing/2010/main">
+                <a:effectLst>
+                  <a:outerShdw dist="35921" dir="2700000" algn="ctr" rotWithShape="0">
+                    <a:schemeClr val="bg2"/>
+                  </a:outerShdw>
+                </a:effectLst>
+              </a14:hiddenEffects>
+            </a:ext>
+          </a:extLst>
+        </p:spPr>
+        <p:txBody>
+          <a:bodyPr wrap="square">
+            <a:spAutoFit/>
+          </a:bodyPr>
+          <a:lstStyle/>
+          <a:p>
+            <a:pPr marL="342900" indent="-342900">
+              <a:buAutoNum type="arabicPeriod"/>
+            </a:pPr>
+            <a:endParaRPr lang="en-US" altLang="ko-KR" sz="1600" dirty="0" smtClean="0">
+              <a:solidFill>
+                <a:srgbClr val="3333FF"/>
+              </a:solidFill>
+              <a:latin typeface="Arial" panose="020B0604020202020204" pitchFamily="34" charset="0"/>
+            </a:endParaRPr>
+          </a:p>
+          <a:p>
+            <a:pPr marL="342900" indent="-342900">
+              <a:buAutoNum type="arabicPeriod"/>
+            </a:pPr>
+            <a:r>
+              <a:rPr lang="en-US" altLang="ko-KR" sz="1600" dirty="0" smtClean="0">
+                <a:solidFill>
+                  <a:srgbClr val="3333FF"/>
+                </a:solidFill>
+                <a:latin typeface="Arial" panose="020B0604020202020204" pitchFamily="34" charset="0"/>
+              </a:rPr>
+              <a:t>Image </a:t>
+            </a:r>
+            <a:r>
+              <a:rPr lang="en-US" altLang="ko-KR" sz="1600" dirty="0" err="1" smtClean="0">
+                <a:solidFill>
+                  <a:srgbClr val="3333FF"/>
+                </a:solidFill>
+                <a:latin typeface="Arial" panose="020B0604020202020204" pitchFamily="34" charset="0"/>
+              </a:rPr>
+              <a:t>Resoultion</a:t>
+            </a:r>
+            <a:r>
+              <a:rPr lang="en-US" altLang="ko-KR" sz="1600" dirty="0" smtClean="0">
+                <a:solidFill>
+                  <a:srgbClr val="3333FF"/>
+                </a:solidFill>
+                <a:latin typeface="Arial" panose="020B0604020202020204" pitchFamily="34" charset="0"/>
+              </a:rPr>
+              <a:t> of a Terahertz Imaging System</a:t>
+            </a:r>
+          </a:p>
+          <a:p>
+            <a:pPr marL="342900" indent="-342900">
+              <a:buAutoNum type="arabicPeriod"/>
+            </a:pPr>
+            <a:endParaRPr lang="en-US" altLang="ko-KR" sz="1600" dirty="0">
+              <a:solidFill>
+                <a:srgbClr val="3333FF"/>
+              </a:solidFill>
+              <a:latin typeface="Arial" panose="020B0604020202020204" pitchFamily="34" charset="0"/>
+            </a:endParaRPr>
+          </a:p>
+          <a:p>
+            <a:pPr marL="342900" indent="-342900">
+              <a:buAutoNum type="arabicPeriod"/>
+            </a:pPr>
+            <a:r>
+              <a:rPr lang="en-US" altLang="ko-KR" sz="1600" dirty="0" smtClean="0">
+                <a:solidFill>
+                  <a:srgbClr val="3333FF"/>
+                </a:solidFill>
+                <a:latin typeface="Arial" panose="020B0604020202020204" pitchFamily="34" charset="0"/>
+              </a:rPr>
+              <a:t>Data Analysis in the Far Field</a:t>
+            </a:r>
+          </a:p>
+          <a:p>
+            <a:pPr marL="342900" indent="-342900">
+              <a:buAutoNum type="arabicPeriod"/>
+            </a:pPr>
+            <a:endParaRPr lang="en-US" altLang="ko-KR" sz="1600" dirty="0">
+              <a:solidFill>
+                <a:srgbClr val="3333FF"/>
+              </a:solidFill>
+              <a:latin typeface="Arial" panose="020B0604020202020204" pitchFamily="34" charset="0"/>
+            </a:endParaRPr>
+          </a:p>
+          <a:p>
+            <a:pPr marL="342900" indent="-342900">
+              <a:buAutoNum type="arabicPeriod"/>
+            </a:pPr>
+            <a:r>
+              <a:rPr lang="en-US" altLang="ko-KR" sz="1600" dirty="0" smtClean="0">
+                <a:solidFill>
+                  <a:srgbClr val="3333FF"/>
+                </a:solidFill>
+                <a:latin typeface="Arial" panose="020B0604020202020204" pitchFamily="34" charset="0"/>
+              </a:rPr>
+              <a:t>Imaging Thin Layers</a:t>
+            </a:r>
+          </a:p>
+          <a:p>
+            <a:pPr marL="342900" indent="-342900">
+              <a:buAutoNum type="arabicPeriod"/>
+            </a:pPr>
+            <a:endParaRPr lang="en-US" altLang="ko-KR" sz="1600" dirty="0">
+              <a:solidFill>
+                <a:srgbClr val="3333FF"/>
+              </a:solidFill>
+              <a:latin typeface="Arial" panose="020B0604020202020204" pitchFamily="34" charset="0"/>
+            </a:endParaRPr>
+          </a:p>
+          <a:p>
+            <a:pPr marL="342900" indent="-342900">
+              <a:buAutoNum type="arabicPeriod"/>
+            </a:pPr>
+            <a:r>
+              <a:rPr lang="en-US" altLang="ko-KR" sz="1600" dirty="0" smtClean="0">
+                <a:solidFill>
+                  <a:srgbClr val="3333FF"/>
+                </a:solidFill>
+                <a:latin typeface="Arial" panose="020B0604020202020204" pitchFamily="34" charset="0"/>
+              </a:rPr>
+              <a:t>Spatial Resolution Tests</a:t>
+            </a:r>
+          </a:p>
+          <a:p>
+            <a:pPr marL="342900" indent="-342900">
+              <a:buAutoNum type="arabicPeriod"/>
+            </a:pPr>
+            <a:endParaRPr lang="en-US" altLang="ko-KR" sz="1600" dirty="0">
+              <a:solidFill>
+                <a:srgbClr val="3333FF"/>
+              </a:solidFill>
+              <a:latin typeface="Arial" panose="020B0604020202020204" pitchFamily="34" charset="0"/>
+            </a:endParaRPr>
+          </a:p>
+          <a:p>
+            <a:pPr marL="342900" indent="-342900">
+              <a:buAutoNum type="arabicPeriod"/>
+            </a:pPr>
+            <a:r>
+              <a:rPr lang="en-US" altLang="ko-KR" sz="1600" dirty="0" smtClean="0">
+                <a:solidFill>
+                  <a:srgbClr val="3333FF"/>
+                </a:solidFill>
+                <a:latin typeface="Arial" panose="020B0604020202020204" pitchFamily="34" charset="0"/>
+              </a:rPr>
+              <a:t>Near-Field Imaging</a:t>
+            </a:r>
+          </a:p>
+          <a:p>
+            <a:pPr marL="342900" indent="-342900">
+              <a:buAutoNum type="arabicPeriod"/>
+            </a:pPr>
+            <a:endParaRPr lang="en-US" altLang="ko-KR" sz="1600" dirty="0">
+              <a:solidFill>
+                <a:srgbClr val="3333FF"/>
+              </a:solidFill>
+              <a:latin typeface="Arial" panose="020B0604020202020204" pitchFamily="34" charset="0"/>
+            </a:endParaRPr>
+          </a:p>
+          <a:p>
+            <a:pPr marL="342900" indent="-342900">
+              <a:buAutoNum type="arabicPeriod"/>
+            </a:pPr>
+            <a:r>
+              <a:rPr lang="en-US" altLang="ko-KR" sz="1600" dirty="0" smtClean="0">
+                <a:solidFill>
+                  <a:srgbClr val="3333FF"/>
+                </a:solidFill>
+                <a:latin typeface="Arial" panose="020B0604020202020204" pitchFamily="34" charset="0"/>
+              </a:rPr>
+              <a:t>Chemical Imaging</a:t>
+            </a:r>
+          </a:p>
+          <a:p>
+            <a:pPr marL="342900" indent="-342900">
+              <a:buAutoNum type="arabicPeriod"/>
+            </a:pPr>
+            <a:endParaRPr lang="en-US" altLang="ko-KR" sz="1600" dirty="0">
+              <a:solidFill>
+                <a:srgbClr val="3333FF"/>
+              </a:solidFill>
+              <a:latin typeface="Arial" panose="020B0604020202020204" pitchFamily="34" charset="0"/>
+            </a:endParaRPr>
+          </a:p>
+          <a:p>
+            <a:pPr marL="342900" indent="-342900">
+              <a:buAutoNum type="arabicPeriod"/>
+            </a:pPr>
+            <a:r>
+              <a:rPr lang="en-US" altLang="ko-KR" sz="1600" dirty="0" smtClean="0">
+                <a:solidFill>
+                  <a:srgbClr val="3333FF"/>
+                </a:solidFill>
+                <a:latin typeface="Arial" panose="020B0604020202020204" pitchFamily="34" charset="0"/>
+              </a:rPr>
+              <a:t>Focal Plane Array Microbolometer Cameras</a:t>
+            </a:r>
+          </a:p>
+          <a:p>
+            <a:pPr marL="342900" indent="-342900">
+              <a:buAutoNum type="arabicPeriod"/>
+            </a:pPr>
+            <a:endParaRPr lang="en-US" altLang="ko-KR" sz="1600" dirty="0">
+              <a:solidFill>
+                <a:srgbClr val="3333FF"/>
+              </a:solidFill>
+              <a:latin typeface="Arial" panose="020B0604020202020204" pitchFamily="34" charset="0"/>
+            </a:endParaRPr>
+          </a:p>
+        </p:txBody>
+      </p:sp>
+      <p:sp>
+        <p:nvSpPr>
+          <p:cNvPr id="6199" name="Rectangle 55"/>
+          <p:cNvSpPr>
+            <a:spLocks noChangeArrowheads="1"/>
+          </p:cNvSpPr>
+          <p:nvPr/>
+        </p:nvSpPr>
+        <p:spPr bwMode="auto">
+          <a:xfrm>
+            <a:off x="0" y="0"/>
+            <a:ext cx="9144000" cy="692150"/>
+          </a:xfrm>
+          <a:prstGeom prst="rect">
+            <a:avLst/>
+          </a:prstGeom>
+          <a:solidFill>
+            <a:srgbClr val="3333FF"/>
+          </a:solidFill>
+          <a:ln>
+            <a:noFill/>
+          </a:ln>
+          <a:effectLst/>
+          <a:extLst>
+            <a:ext uri="{91240B29-F687-4F45-9708-019B960494DF}">
+              <a14:hiddenLine xmlns:a14="http://schemas.microsoft.com/office/drawing/2010/main" w="9525">
+                <a:solidFill>
+                  <a:schemeClr val="tx1"/>
+                </a:solidFill>
+                <a:miter lim="800000"/>
+                <a:headEnd/>
+                <a:tailEnd/>
+              </a14:hiddenLine>
+            </a:ext>
+            <a:ext uri="{AF507438-7753-43E0-B8FC-AC1667EBCBE1}">
+              <a14:hiddenEffects xmlns:a14="http://schemas.microsoft.com/office/drawing/2010/main">
+                <a:effectLst>
+                  <a:outerShdw dist="35921" dir="2700000" algn="ctr" rotWithShape="0">
+                    <a:schemeClr val="bg2"/>
+                  </a:outerShdw>
+                </a:effectLst>
+              </a14:hiddenEffects>
+            </a:ext>
+          </a:extLst>
+        </p:spPr>
+        <p:txBody>
+          <a:bodyPr wrap="none" anchor="ctr"/>
+          <a:lstStyle/>
+          <a:p>
+            <a:pPr algn="ctr"/>
+            <a:r>
+              <a:rPr lang="en-US" altLang="ko-KR" sz="2800" dirty="0" smtClean="0">
+                <a:solidFill>
+                  <a:schemeClr val="bg1"/>
+                </a:solidFill>
+                <a:latin typeface="Arial" panose="020B0604020202020204" pitchFamily="34" charset="0"/>
+              </a:rPr>
+              <a:t>Contents</a:t>
+            </a:r>
+            <a:endParaRPr lang="en-US" altLang="ko-KR" sz="2800" dirty="0">
+              <a:solidFill>
+                <a:schemeClr val="bg1"/>
+              </a:solidFill>
+              <a:latin typeface="Arial" panose="020B0604020202020204" pitchFamily="34" charset="0"/>
+            </a:endParaRPr>
+          </a:p>
+        </p:txBody>
+      </p:sp>
+      <p:sp>
+        <p:nvSpPr>
+          <p:cNvPr id="2" name="날짜 개체 틀 1"/>
+          <p:cNvSpPr>
+            <a:spLocks noGrp="1"/>
+          </p:cNvSpPr>
+          <p:nvPr>
+            <p:ph type="dt" sz="half" idx="10"/>
+          </p:nvPr>
+        </p:nvSpPr>
+        <p:spPr/>
+        <p:txBody>
+          <a:bodyPr/>
+          <a:lstStyle/>
+          <a:p>
+            <a:fld id="{D71C2118-E1AA-468B-9259-8864ED518988}" type="datetime1">
+              <a:rPr lang="ko-KR" altLang="en-US" smtClean="0"/>
+              <a:t>2018-04-15</a:t>
+            </a:fld>
+            <a:endParaRPr lang="ko-KR" altLang="en-US"/>
+          </a:p>
+        </p:txBody>
+      </p:sp>
+      <p:sp>
+        <p:nvSpPr>
+          <p:cNvPr id="3" name="슬라이드 번호 개체 틀 2"/>
+          <p:cNvSpPr>
+            <a:spLocks noGrp="1"/>
+          </p:cNvSpPr>
+          <p:nvPr>
+            <p:ph type="sldNum" sz="quarter" idx="12"/>
+          </p:nvPr>
+        </p:nvSpPr>
+        <p:spPr/>
+        <p:txBody>
+          <a:bodyPr/>
+          <a:lstStyle/>
+          <a:p>
+            <a:fld id="{8765F8EB-1186-4395-8E70-F957669279DD}" type="slidenum">
+              <a:rPr lang="ko-KR" altLang="en-US" smtClean="0"/>
+              <a:t>2</a:t>
+            </a:fld>
+            <a:endParaRPr lang="ko-KR" altLang="en-US"/>
+          </a:p>
+        </p:txBody>
+      </p:sp>
+    </p:spTree>
+    <p:extLst>
+      <p:ext uri="{BB962C8B-B14F-4D97-AF65-F5344CB8AC3E}">
+        <p14:creationId xmlns:p14="http://schemas.microsoft.com/office/powerpoint/2010/main" val="1136480468"/>
+      </p:ext>
+    </p:extLst>
+  </p:cSld>
+  <p:clrMapOvr>
+    <a:masterClrMapping/>
+  </p:clrMapOvr>
+  <p:timing>
+    <p:tnLst>
+      <p:par>
+        <p:cTn id="1" dur="indefinite" restart="never" nodeType="tmRoot"/>
+      </p:par>
+    </p:tnLst>
+  </p:timing>
+</p:sld>
+</file>
+
+<file path=ppt/slides/slide20.xml><?xml version="1.0" encoding="utf-8"?>
+<p:sld xmlns:a="http://schemas.openxmlformats.org/drawingml/2006/main" xmlns:r="http://schemas.openxmlformats.org/officeDocument/2006/relationships" xmlns:p="http://schemas.openxmlformats.org/presentationml/2006/main">
+  <p:cSld>
+    <p:spTree>
+      <p:nvGrpSpPr>
+        <p:cNvPr id="1" name=""/>
+        <p:cNvGrpSpPr/>
+        <p:nvPr/>
+      </p:nvGrpSpPr>
+      <p:grpSpPr>
+        <a:xfrm>
+          <a:off x="0" y="0"/>
+          <a:ext cx="0" cy="0"/>
+          <a:chOff x="0" y="0"/>
+          <a:chExt cx="0" cy="0"/>
+        </a:xfrm>
+      </p:grpSpPr>
+      <p:sp>
+        <p:nvSpPr>
+          <p:cNvPr id="6199" name="Rectangle 55"/>
+          <p:cNvSpPr>
+            <a:spLocks noChangeArrowheads="1"/>
+          </p:cNvSpPr>
+          <p:nvPr/>
+        </p:nvSpPr>
+        <p:spPr bwMode="auto">
+          <a:xfrm>
+            <a:off x="0" y="0"/>
+            <a:ext cx="9144000" cy="692150"/>
+          </a:xfrm>
+          <a:prstGeom prst="rect">
+            <a:avLst/>
+          </a:prstGeom>
+          <a:solidFill>
+            <a:srgbClr val="3333FF"/>
+          </a:solidFill>
+          <a:ln>
+            <a:noFill/>
+          </a:ln>
+          <a:effectLst/>
+          <a:extLst>
+            <a:ext uri="{91240B29-F687-4F45-9708-019B960494DF}">
+              <a14:hiddenLine xmlns:a14="http://schemas.microsoft.com/office/drawing/2010/main" w="9525">
+                <a:solidFill>
+                  <a:schemeClr val="tx1"/>
+                </a:solidFill>
+                <a:miter lim="800000"/>
+                <a:headEnd/>
+                <a:tailEnd/>
+              </a14:hiddenLine>
+            </a:ext>
+            <a:ext uri="{AF507438-7753-43E0-B8FC-AC1667EBCBE1}">
+              <a14:hiddenEffects xmlns:a14="http://schemas.microsoft.com/office/drawing/2010/main">
+                <a:effectLst>
+                  <a:outerShdw dist="35921" dir="2700000" algn="ctr" rotWithShape="0">
+                    <a:schemeClr val="bg2"/>
+                  </a:outerShdw>
+                </a:effectLst>
+              </a14:hiddenEffects>
+            </a:ext>
+          </a:extLst>
+        </p:spPr>
+        <p:txBody>
+          <a:bodyPr wrap="none" anchor="ctr"/>
+          <a:lstStyle/>
+          <a:p>
+            <a:pPr algn="ctr"/>
+            <a:r>
+              <a:rPr lang="en-US" altLang="ko-KR" sz="2800" dirty="0" smtClean="0">
+                <a:solidFill>
+                  <a:schemeClr val="bg1"/>
+                </a:solidFill>
+                <a:latin typeface="Arial" panose="020B0604020202020204" pitchFamily="34" charset="0"/>
+              </a:rPr>
+              <a:t>References</a:t>
+            </a:r>
+            <a:endParaRPr lang="en-US" altLang="ko-KR" sz="2800" dirty="0">
+              <a:solidFill>
+                <a:schemeClr val="bg1"/>
+              </a:solidFill>
+              <a:latin typeface="Arial" panose="020B0604020202020204" pitchFamily="34" charset="0"/>
+            </a:endParaRPr>
+          </a:p>
+        </p:txBody>
+      </p:sp>
+      <p:sp>
+        <p:nvSpPr>
+          <p:cNvPr id="2" name="TextBox 1"/>
+          <p:cNvSpPr txBox="1"/>
+          <p:nvPr/>
+        </p:nvSpPr>
+        <p:spPr>
+          <a:xfrm>
+            <a:off x="268165" y="1362807"/>
+            <a:ext cx="8607669" cy="2862322"/>
+          </a:xfrm>
+          <a:prstGeom prst="rect">
+            <a:avLst/>
+          </a:prstGeom>
+          <a:noFill/>
+        </p:spPr>
+        <p:txBody>
+          <a:bodyPr wrap="square" rtlCol="0">
+            <a:spAutoFit/>
+          </a:bodyPr>
+          <a:lstStyle/>
+          <a:p>
+            <a:pPr marL="285750" indent="-285750">
+              <a:buFont typeface="Arial" panose="020B0604020202020204" pitchFamily="34" charset="0"/>
+              <a:buChar char="•"/>
+            </a:pPr>
+            <a:r>
+              <a:rPr lang="en-US" altLang="ko-KR" dirty="0" err="1" smtClean="0">
+                <a:latin typeface="Times New Roman" panose="02020603050405020304" pitchFamily="18" charset="0"/>
+                <a:cs typeface="Times New Roman" panose="02020603050405020304" pitchFamily="18" charset="0"/>
+              </a:rPr>
+              <a:t>Aenchbacher</a:t>
+            </a:r>
+            <a:r>
+              <a:rPr lang="en-US" altLang="ko-KR" dirty="0" smtClean="0">
+                <a:latin typeface="Times New Roman" panose="02020603050405020304" pitchFamily="18" charset="0"/>
+                <a:cs typeface="Times New Roman" panose="02020603050405020304" pitchFamily="18" charset="0"/>
+              </a:rPr>
+              <a:t>, W., M. </a:t>
+            </a:r>
+            <a:r>
+              <a:rPr lang="en-US" altLang="ko-KR" dirty="0" err="1" smtClean="0">
+                <a:latin typeface="Times New Roman" panose="02020603050405020304" pitchFamily="18" charset="0"/>
+                <a:cs typeface="Times New Roman" panose="02020603050405020304" pitchFamily="18" charset="0"/>
+              </a:rPr>
+              <a:t>Naftaly</a:t>
+            </a:r>
+            <a:r>
+              <a:rPr lang="en-US" altLang="ko-KR" dirty="0" smtClean="0">
+                <a:latin typeface="Times New Roman" panose="02020603050405020304" pitchFamily="18" charset="0"/>
+                <a:cs typeface="Times New Roman" panose="02020603050405020304" pitchFamily="18" charset="0"/>
+              </a:rPr>
+              <a:t>, and R. Dudley, “Line Strengths and Self-Broadening of Pure Rotational Lines of Carbon Monoxide Measured by Terahertz Time-Domain Spectroscopy,” </a:t>
+            </a:r>
+            <a:r>
+              <a:rPr lang="en-US" altLang="ko-KR" i="1" dirty="0" smtClean="0">
+                <a:latin typeface="Times New Roman" panose="02020603050405020304" pitchFamily="18" charset="0"/>
+                <a:cs typeface="Times New Roman" panose="02020603050405020304" pitchFamily="18" charset="0"/>
+              </a:rPr>
+              <a:t>Applied Optics</a:t>
+            </a:r>
+            <a:r>
+              <a:rPr lang="en-US" altLang="ko-KR" dirty="0" smtClean="0">
+                <a:latin typeface="Times New Roman" panose="02020603050405020304" pitchFamily="18" charset="0"/>
+                <a:cs typeface="Times New Roman" panose="02020603050405020304" pitchFamily="18" charset="0"/>
+              </a:rPr>
+              <a:t>, Vol. 49, No. 13, 2010, pp. 2490-2496.</a:t>
+            </a:r>
+          </a:p>
+          <a:p>
+            <a:pPr marL="285750" indent="-285750">
+              <a:buFont typeface="Arial" panose="020B0604020202020204" pitchFamily="34" charset="0"/>
+              <a:buChar char="•"/>
+            </a:pPr>
+            <a:r>
+              <a:rPr lang="en-US" altLang="ko-KR" dirty="0" smtClean="0">
+                <a:latin typeface="Times New Roman" panose="02020603050405020304" pitchFamily="18" charset="0"/>
+                <a:cs typeface="Times New Roman" panose="02020603050405020304" pitchFamily="18" charset="0"/>
+              </a:rPr>
+              <a:t>Molloy, J. F., et al., “Dispersion Properties of </a:t>
+            </a:r>
+            <a:r>
+              <a:rPr lang="en-US" altLang="ko-KR" dirty="0" err="1" smtClean="0">
+                <a:latin typeface="Times New Roman" panose="02020603050405020304" pitchFamily="18" charset="0"/>
+                <a:cs typeface="Times New Roman" panose="02020603050405020304" pitchFamily="18" charset="0"/>
+              </a:rPr>
+              <a:t>GaS</a:t>
+            </a:r>
+            <a:r>
+              <a:rPr lang="en-US" altLang="ko-KR" dirty="0" smtClean="0">
+                <a:latin typeface="Times New Roman" panose="02020603050405020304" pitchFamily="18" charset="0"/>
+                <a:cs typeface="Times New Roman" panose="02020603050405020304" pitchFamily="18" charset="0"/>
+              </a:rPr>
+              <a:t> Studied by THz-TDS,” </a:t>
+            </a:r>
+            <a:r>
+              <a:rPr lang="en-US" altLang="ko-KR" i="1" dirty="0" err="1" smtClean="0">
+                <a:latin typeface="Times New Roman" panose="02020603050405020304" pitchFamily="18" charset="0"/>
+                <a:cs typeface="Times New Roman" panose="02020603050405020304" pitchFamily="18" charset="0"/>
+              </a:rPr>
+              <a:t>Cryst</a:t>
+            </a:r>
+            <a:r>
+              <a:rPr lang="en-US" altLang="ko-KR" i="1" dirty="0" smtClean="0">
+                <a:latin typeface="Times New Roman" panose="02020603050405020304" pitchFamily="18" charset="0"/>
+                <a:cs typeface="Times New Roman" panose="02020603050405020304" pitchFamily="18" charset="0"/>
+              </a:rPr>
+              <a:t>. Eng. Comm.</a:t>
+            </a:r>
+            <a:r>
+              <a:rPr lang="en-US" altLang="ko-KR" dirty="0" smtClean="0">
+                <a:latin typeface="Times New Roman" panose="02020603050405020304" pitchFamily="18" charset="0"/>
+                <a:cs typeface="Times New Roman" panose="02020603050405020304" pitchFamily="18" charset="0"/>
+              </a:rPr>
+              <a:t>, Vol. 16, 2014, pp. 1995-2000</a:t>
+            </a:r>
+            <a:r>
+              <a:rPr lang="en-US" altLang="ko-KR" dirty="0" smtClean="0">
+                <a:latin typeface="Times New Roman" panose="02020603050405020304" pitchFamily="18" charset="0"/>
+                <a:cs typeface="Times New Roman" panose="02020603050405020304" pitchFamily="18" charset="0"/>
+              </a:rPr>
+              <a:t>.</a:t>
+            </a:r>
+          </a:p>
+          <a:p>
+            <a:pPr marL="285750" indent="-285750">
+              <a:buFont typeface="Arial" panose="020B0604020202020204" pitchFamily="34" charset="0"/>
+              <a:buChar char="•"/>
+            </a:pPr>
+            <a:r>
+              <a:rPr lang="en-US" altLang="ko-KR" dirty="0" smtClean="0">
+                <a:latin typeface="Times New Roman" panose="02020603050405020304" pitchFamily="18" charset="0"/>
+                <a:cs typeface="Times New Roman" panose="02020603050405020304" pitchFamily="18" charset="0"/>
+              </a:rPr>
+              <a:t>Van der </a:t>
+            </a:r>
+            <a:r>
+              <a:rPr lang="en-US" altLang="ko-KR" dirty="0" err="1" smtClean="0">
+                <a:latin typeface="Times New Roman" panose="02020603050405020304" pitchFamily="18" charset="0"/>
+                <a:cs typeface="Times New Roman" panose="02020603050405020304" pitchFamily="18" charset="0"/>
+              </a:rPr>
+              <a:t>Valk</a:t>
+            </a:r>
+            <a:r>
+              <a:rPr lang="en-US" altLang="ko-KR" dirty="0" smtClean="0">
+                <a:latin typeface="Times New Roman" panose="02020603050405020304" pitchFamily="18" charset="0"/>
+                <a:cs typeface="Times New Roman" panose="02020603050405020304" pitchFamily="18" charset="0"/>
+              </a:rPr>
+              <a:t>, N. C. J., and P. C. M. </a:t>
+            </a:r>
+            <a:r>
+              <a:rPr lang="en-US" altLang="ko-KR" dirty="0" err="1" smtClean="0">
+                <a:latin typeface="Times New Roman" panose="02020603050405020304" pitchFamily="18" charset="0"/>
+                <a:cs typeface="Times New Roman" panose="02020603050405020304" pitchFamily="18" charset="0"/>
+              </a:rPr>
+              <a:t>Planken</a:t>
+            </a:r>
+            <a:r>
+              <a:rPr lang="en-US" altLang="ko-KR" dirty="0" smtClean="0">
+                <a:latin typeface="Times New Roman" panose="02020603050405020304" pitchFamily="18" charset="0"/>
+                <a:cs typeface="Times New Roman" panose="02020603050405020304" pitchFamily="18" charset="0"/>
+              </a:rPr>
+              <a:t>. “Electro-Optic Detection of Subwavelength Terahertz Spot Sizes in the Near Field of a Metal Tip,” </a:t>
+            </a:r>
+            <a:r>
+              <a:rPr lang="en-US" altLang="ko-KR" i="1" dirty="0" smtClean="0">
+                <a:latin typeface="Times New Roman" panose="02020603050405020304" pitchFamily="18" charset="0"/>
+                <a:cs typeface="Times New Roman" panose="02020603050405020304" pitchFamily="18" charset="0"/>
+              </a:rPr>
+              <a:t>Applied Physics Letters</a:t>
+            </a:r>
+            <a:r>
+              <a:rPr lang="en-US" altLang="ko-KR" dirty="0" smtClean="0">
+                <a:latin typeface="Times New Roman" panose="02020603050405020304" pitchFamily="18" charset="0"/>
+                <a:cs typeface="Times New Roman" panose="02020603050405020304" pitchFamily="18" charset="0"/>
+              </a:rPr>
+              <a:t>, Vol. 81, No. 9, 2002, pp. 1558-1560.</a:t>
+            </a:r>
+          </a:p>
+          <a:p>
+            <a:pPr marL="285750" indent="-285750">
+              <a:buFont typeface="Arial" panose="020B0604020202020204" pitchFamily="34" charset="0"/>
+              <a:buChar char="•"/>
+            </a:pPr>
+            <a:r>
+              <a:rPr lang="en-US" altLang="ko-KR" dirty="0" smtClean="0">
+                <a:latin typeface="Times New Roman" panose="02020603050405020304" pitchFamily="18" charset="0"/>
+                <a:cs typeface="Times New Roman" panose="02020603050405020304" pitchFamily="18" charset="0"/>
+              </a:rPr>
+              <a:t>Hillenbrand, R., T. </a:t>
+            </a:r>
+            <a:r>
+              <a:rPr lang="en-US" altLang="ko-KR" dirty="0" err="1" smtClean="0">
+                <a:latin typeface="Times New Roman" panose="02020603050405020304" pitchFamily="18" charset="0"/>
+                <a:cs typeface="Times New Roman" panose="02020603050405020304" pitchFamily="18" charset="0"/>
+              </a:rPr>
+              <a:t>Taubner</a:t>
+            </a:r>
+            <a:r>
+              <a:rPr lang="en-US" altLang="ko-KR" dirty="0" smtClean="0">
+                <a:latin typeface="Times New Roman" panose="02020603050405020304" pitchFamily="18" charset="0"/>
+                <a:cs typeface="Times New Roman" panose="02020603050405020304" pitchFamily="18" charset="0"/>
+              </a:rPr>
+              <a:t>, and F. </a:t>
+            </a:r>
+            <a:r>
+              <a:rPr lang="en-US" altLang="ko-KR" dirty="0" err="1" smtClean="0">
+                <a:latin typeface="Times New Roman" panose="02020603050405020304" pitchFamily="18" charset="0"/>
+                <a:cs typeface="Times New Roman" panose="02020603050405020304" pitchFamily="18" charset="0"/>
+              </a:rPr>
+              <a:t>Keilmann</a:t>
+            </a:r>
+            <a:r>
+              <a:rPr lang="en-US" altLang="ko-KR" dirty="0" smtClean="0">
+                <a:latin typeface="Times New Roman" panose="02020603050405020304" pitchFamily="18" charset="0"/>
+                <a:cs typeface="Times New Roman" panose="02020603050405020304" pitchFamily="18" charset="0"/>
+              </a:rPr>
+              <a:t>, “Phonon-Enhanced Light-Matter Interaction at the </a:t>
+            </a:r>
+            <a:r>
+              <a:rPr lang="en-US" altLang="ko-KR" dirty="0" err="1" smtClean="0">
+                <a:latin typeface="Times New Roman" panose="02020603050405020304" pitchFamily="18" charset="0"/>
+                <a:cs typeface="Times New Roman" panose="02020603050405020304" pitchFamily="18" charset="0"/>
+              </a:rPr>
+              <a:t>Nanometre</a:t>
+            </a:r>
+            <a:r>
+              <a:rPr lang="en-US" altLang="ko-KR" dirty="0" smtClean="0">
+                <a:latin typeface="Times New Roman" panose="02020603050405020304" pitchFamily="18" charset="0"/>
+                <a:cs typeface="Times New Roman" panose="02020603050405020304" pitchFamily="18" charset="0"/>
+              </a:rPr>
+              <a:t> Scale,” </a:t>
+            </a:r>
+            <a:r>
+              <a:rPr lang="en-US" altLang="ko-KR" i="1" dirty="0" smtClean="0">
+                <a:latin typeface="Times New Roman" panose="02020603050405020304" pitchFamily="18" charset="0"/>
+                <a:cs typeface="Times New Roman" panose="02020603050405020304" pitchFamily="18" charset="0"/>
+              </a:rPr>
+              <a:t>Nature</a:t>
+            </a:r>
+            <a:r>
+              <a:rPr lang="en-US" altLang="ko-KR" dirty="0" smtClean="0">
+                <a:latin typeface="Times New Roman" panose="02020603050405020304" pitchFamily="18" charset="0"/>
+                <a:cs typeface="Times New Roman" panose="02020603050405020304" pitchFamily="18" charset="0"/>
+              </a:rPr>
+              <a:t>, Vol. 418, No. 6894, 2002, pp. 159-162.</a:t>
+            </a:r>
+            <a:endParaRPr lang="en-US" altLang="ko-KR" dirty="0" smtClean="0">
+              <a:latin typeface="Times New Roman" panose="02020603050405020304" pitchFamily="18" charset="0"/>
+              <a:cs typeface="Times New Roman" panose="02020603050405020304" pitchFamily="18" charset="0"/>
+            </a:endParaRPr>
+          </a:p>
+        </p:txBody>
+      </p:sp>
+      <p:sp>
+        <p:nvSpPr>
+          <p:cNvPr id="3" name="날짜 개체 틀 2"/>
+          <p:cNvSpPr>
+            <a:spLocks noGrp="1"/>
+          </p:cNvSpPr>
+          <p:nvPr>
+            <p:ph type="dt" sz="half" idx="10"/>
+          </p:nvPr>
+        </p:nvSpPr>
+        <p:spPr/>
+        <p:txBody>
+          <a:bodyPr/>
+          <a:lstStyle/>
+          <a:p>
+            <a:fld id="{6509A91F-0059-474E-BAEC-65E67593FE25}" type="datetime1">
+              <a:rPr lang="ko-KR" altLang="en-US" smtClean="0"/>
+              <a:t>2018-04-15</a:t>
+            </a:fld>
+            <a:endParaRPr lang="ko-KR" altLang="en-US"/>
+          </a:p>
+        </p:txBody>
+      </p:sp>
+      <p:sp>
+        <p:nvSpPr>
+          <p:cNvPr id="4" name="슬라이드 번호 개체 틀 3"/>
+          <p:cNvSpPr>
+            <a:spLocks noGrp="1"/>
+          </p:cNvSpPr>
+          <p:nvPr>
+            <p:ph type="sldNum" sz="quarter" idx="12"/>
+          </p:nvPr>
+        </p:nvSpPr>
+        <p:spPr/>
+        <p:txBody>
+          <a:bodyPr/>
+          <a:lstStyle/>
+          <a:p>
+            <a:fld id="{8765F8EB-1186-4395-8E70-F957669279DD}" type="slidenum">
+              <a:rPr lang="ko-KR" altLang="en-US" smtClean="0"/>
+              <a:t>20</a:t>
+            </a:fld>
+            <a:endParaRPr lang="ko-KR" altLang="en-US"/>
+          </a:p>
+        </p:txBody>
+      </p:sp>
+    </p:spTree>
+    <p:extLst>
+      <p:ext uri="{BB962C8B-B14F-4D97-AF65-F5344CB8AC3E}">
+        <p14:creationId xmlns:p14="http://schemas.microsoft.com/office/powerpoint/2010/main" val="3518239763"/>
+      </p:ext>
+    </p:extLst>
+  </p:cSld>
+  <p:clrMapOvr>
+    <a:masterClrMapping/>
+  </p:clrMapOvr>
+  <p:timing>
+    <p:tnLst>
+      <p:par>
+        <p:cTn id="1" dur="indefinite" restart="never" nodeType="tmRoot"/>
+      </p:par>
+    </p:tnLst>
+  </p:timing>
+</p:sld>
+</file>
+
+<file path=ppt/slides/slide3.xml><?xml version="1.0" encoding="utf-8"?>
+<p:sld xmlns:a="http://schemas.openxmlformats.org/drawingml/2006/main" xmlns:r="http://schemas.openxmlformats.org/officeDocument/2006/relationships" xmlns:p="http://schemas.openxmlformats.org/presentationml/2006/main">
+  <p:cSld>
+    <p:spTree>
+      <p:nvGrpSpPr>
+        <p:cNvPr id="1" name=""/>
+        <p:cNvGrpSpPr/>
+        <p:nvPr/>
+      </p:nvGrpSpPr>
+      <p:grpSpPr>
+        <a:xfrm>
+          <a:off x="0" y="0"/>
+          <a:ext cx="0" cy="0"/>
+          <a:chOff x="0" y="0"/>
+          <a:chExt cx="0" cy="0"/>
+        </a:xfrm>
+      </p:grpSpPr>
+      <p:sp>
+        <p:nvSpPr>
+          <p:cNvPr id="6199" name="Rectangle 55"/>
+          <p:cNvSpPr>
+            <a:spLocks noChangeArrowheads="1"/>
+          </p:cNvSpPr>
+          <p:nvPr/>
+        </p:nvSpPr>
+        <p:spPr bwMode="auto">
+          <a:xfrm>
+            <a:off x="0" y="0"/>
+            <a:ext cx="9144000" cy="692150"/>
+          </a:xfrm>
+          <a:prstGeom prst="rect">
+            <a:avLst/>
+          </a:prstGeom>
+          <a:solidFill>
+            <a:srgbClr val="3333FF"/>
+          </a:solidFill>
+          <a:ln>
+            <a:noFill/>
+          </a:ln>
+          <a:effectLst/>
+          <a:extLst>
+            <a:ext uri="{91240B29-F687-4F45-9708-019B960494DF}">
+              <a14:hiddenLine xmlns:a14="http://schemas.microsoft.com/office/drawing/2010/main" w="9525">
+                <a:solidFill>
+                  <a:schemeClr val="tx1"/>
+                </a:solidFill>
+                <a:miter lim="800000"/>
+                <a:headEnd/>
+                <a:tailEnd/>
+              </a14:hiddenLine>
+            </a:ext>
+            <a:ext uri="{AF507438-7753-43E0-B8FC-AC1667EBCBE1}">
+              <a14:hiddenEffects xmlns:a14="http://schemas.microsoft.com/office/drawing/2010/main">
+                <a:effectLst>
+                  <a:outerShdw dist="35921" dir="2700000" algn="ctr" rotWithShape="0">
+                    <a:schemeClr val="bg2"/>
+                  </a:outerShdw>
+                </a:effectLst>
+              </a14:hiddenEffects>
+            </a:ext>
+          </a:extLst>
+        </p:spPr>
+        <p:txBody>
+          <a:bodyPr wrap="none" anchor="ctr"/>
+          <a:lstStyle/>
+          <a:p>
+            <a:pPr algn="ctr"/>
+            <a:endParaRPr lang="en-US" altLang="ko-KR" sz="2800" dirty="0">
+              <a:solidFill>
+                <a:schemeClr val="bg1"/>
+              </a:solidFill>
+              <a:latin typeface="Arial" panose="020B0604020202020204" pitchFamily="34" charset="0"/>
+            </a:endParaRPr>
+          </a:p>
+        </p:txBody>
+      </p:sp>
+      <p:sp>
+        <p:nvSpPr>
+          <p:cNvPr id="2" name="직사각형 1"/>
+          <p:cNvSpPr/>
+          <p:nvPr/>
+        </p:nvSpPr>
+        <p:spPr>
+          <a:xfrm>
+            <a:off x="1286256" y="2004529"/>
+            <a:ext cx="6571488" cy="2848942"/>
+          </a:xfrm>
+          <a:prstGeom prst="rect">
+            <a:avLst/>
+          </a:prstGeom>
+          <a:noFill/>
+          <a:ln w="38100">
+            <a:solidFill>
+              <a:srgbClr val="3333FF"/>
+            </a:solidFill>
+          </a:ln>
+        </p:spPr>
+        <p:style>
+          <a:lnRef idx="2">
+            <a:schemeClr val="accent1">
+              <a:shade val="50000"/>
+            </a:schemeClr>
+          </a:lnRef>
+          <a:fillRef idx="1">
+            <a:schemeClr val="accent1"/>
+          </a:fillRef>
+          <a:effectRef idx="0">
+            <a:schemeClr val="accent1"/>
+          </a:effectRef>
+          <a:fontRef idx="minor">
+            <a:schemeClr val="lt1"/>
+          </a:fontRef>
+        </p:style>
+        <p:txBody>
+          <a:bodyPr rtlCol="0" anchor="ctr"/>
+          <a:lstStyle/>
+          <a:p>
+            <a:pPr algn="ctr"/>
+            <a:r>
+              <a:rPr lang="en-US" altLang="ko-KR" sz="3600" dirty="0" smtClean="0">
+                <a:solidFill>
+                  <a:srgbClr val="3333FF"/>
+                </a:solidFill>
+                <a:latin typeface="Arial" panose="020B0604020202020204" pitchFamily="34" charset="0"/>
+              </a:rPr>
               <a:t>Image Resolution of</a:t>
             </a:r>
           </a:p>
@@ -6978,7 +8746,7 @@
           <a:p>
             <a:fld id="{F85A177F-6FD3-496B-8A9C-B332CA04E863}" type="datetime1">
               <a:rPr lang="ko-KR" altLang="en-US" smtClean="0"/>
-              <a:t>2018-04-13</a:t>
+              <a:t>2018-04-15</a:t>
             </a:fld>
             <a:endParaRPr lang="ko-KR" altLang="en-US"/>
           </a:p>
@@ -7123,7 +8891,7 @@
           <a:p>
             <a:fld id="{53646E5C-8775-44A9-9523-40B6CCA06789}" type="datetime1">
               <a:rPr lang="ko-KR" altLang="en-US" smtClean="0"/>
-              <a:t>2018-04-13</a:t>
+              <a:t>2018-04-15</a:t>
             </a:fld>
             <a:endParaRPr lang="ko-KR" altLang="en-US"/>
           </a:p>
@@ -7661,7 +9429,7 @@
           <a:p>
             <a:fld id="{F85A177F-6FD3-496B-8A9C-B332CA04E863}" type="datetime1">
               <a:rPr lang="ko-KR" altLang="en-US" smtClean="0"/>
-              <a:t>2018-04-13</a:t>
+              <a:t>2018-04-15</a:t>
             </a:fld>
             <a:endParaRPr lang="ko-KR" altLang="en-US"/>
           </a:p>
@@ -7806,7 +9574,7 @@
           <a:p>
             <a:fld id="{53646E5C-8775-44A9-9523-40B6CCA06789}" type="datetime1">
               <a:rPr lang="ko-KR" altLang="en-US" smtClean="0"/>
-              <a:t>2018-04-13</a:t>
+              <a:t>2018-04-15</a:t>
             </a:fld>
             <a:endParaRPr lang="ko-KR" altLang="en-US"/>
           </a:p>
@@ -7974,7 +9742,6 @@
               <a:rPr lang="en-US" altLang="ko-KR" sz="2000" dirty="0" smtClean="0"/>
               <a:t>: area scan</a:t>
             </a:r>
-            <a:endParaRPr lang="en-US" altLang="ko-KR" sz="2000" dirty="0" smtClean="0"/>
           </a:p>
         </p:txBody>
       </p:sp>
@@ -8094,7 +9861,7 @@
           <a:p>
             <a:fld id="{53646E5C-8775-44A9-9523-40B6CCA06789}" type="datetime1">
               <a:rPr lang="ko-KR" altLang="en-US" smtClean="0"/>
-              <a:t>2018-04-13</a:t>
+              <a:t>2018-04-15</a:t>
             </a:fld>
             <a:endParaRPr lang="ko-KR" altLang="en-US"/>
           </a:p>
@@ -9603,7 +11370,7 @@
           <a:p>
             <a:fld id="{F85A177F-6FD3-496B-8A9C-B332CA04E863}" type="datetime1">
               <a:rPr lang="ko-KR" altLang="en-US" smtClean="0"/>
-              <a:t>2018-04-13</a:t>
+              <a:t>2018-04-15</a:t>
             </a:fld>
             <a:endParaRPr lang="ko-KR" altLang="en-US"/>
           </a:p>
@@ -9757,7 +11524,7 @@
           <a:p>
             <a:fld id="{53646E5C-8775-44A9-9523-40B6CCA06789}" type="datetime1">
               <a:rPr lang="ko-KR" altLang="en-US" smtClean="0"/>
-              <a:t>2018-04-13</a:t>
+              <a:t>2018-04-15</a:t>
             </a:fld>
             <a:endParaRPr lang="ko-KR" altLang="en-US"/>
           </a:p>
@@ -9812,7 +11579,6 @@
               <a:rPr lang="en-US" altLang="ko-KR" sz="2000" dirty="0" smtClean="0"/>
               <a:t>First, the model takes into account only a single reflected pulse.</a:t>
             </a:r>
-            <a:endParaRPr lang="en-US" altLang="ko-KR" sz="2000" dirty="0" smtClean="0"/>
           </a:p>
         </p:txBody>
       </p:sp>
@@ -9890,7 +11656,6 @@
               <a:rPr lang="en-US" altLang="ko-KR" sz="1200" dirty="0" smtClean="0"/>
               <a:t>Air-Material</a:t>
             </a:r>
-            <a:endParaRPr lang="en-US" altLang="ko-KR" sz="1200" dirty="0" smtClean="0"/>
           </a:p>
         </p:txBody>
       </p:sp>
@@ -9920,7 +11685,6 @@
               <a:rPr lang="en-US" altLang="ko-KR" sz="1200" dirty="0" smtClean="0"/>
               <a:t>Material-Substrate</a:t>
             </a:r>
-            <a:endParaRPr lang="en-US" altLang="ko-KR" sz="1200" dirty="0" smtClean="0"/>
           </a:p>
         </p:txBody>
       </p:sp>

--- a/Terahertz Metrology/Ch7/Terahertz Metrology_Ch7.pptx
+++ b/Terahertz Metrology/Ch7/Terahertz Metrology_Ch7.pptx
@@ -216,7 +216,7 @@
           <a:p>
             <a:fld id="{A9D6DECA-6E4E-4D09-9277-E151A2E3F74C}" type="datetimeFigureOut">
               <a:rPr lang="ko-KR" altLang="en-US" smtClean="0"/>
-              <a:t>2018-04-15</a:t>
+              <a:t>2018-04-16</a:t>
             </a:fld>
             <a:endParaRPr lang="ko-KR" altLang="en-US"/>
           </a:p>
@@ -2295,7 +2295,7 @@
           <a:p>
             <a:fld id="{78E89258-A40F-4400-BA1A-638141289729}" type="datetime1">
               <a:rPr lang="ko-KR" altLang="en-US" smtClean="0"/>
-              <a:t>2018-04-15</a:t>
+              <a:t>2018-04-16</a:t>
             </a:fld>
             <a:endParaRPr lang="ko-KR" altLang="en-US"/>
           </a:p>
@@ -2472,7 +2472,7 @@
           <a:p>
             <a:fld id="{CD116CEF-802E-43F7-8932-78519DF2A264}" type="datetime1">
               <a:rPr lang="ko-KR" altLang="en-US" smtClean="0"/>
-              <a:t>2018-04-15</a:t>
+              <a:t>2018-04-16</a:t>
             </a:fld>
             <a:endParaRPr lang="ko-KR" altLang="en-US"/>
           </a:p>
@@ -2652,7 +2652,7 @@
           <a:p>
             <a:fld id="{EFD9D7C3-1982-427D-BFA7-1AF9687AAB0F}" type="datetime1">
               <a:rPr lang="ko-KR" altLang="en-US" smtClean="0"/>
-              <a:t>2018-04-15</a:t>
+              <a:t>2018-04-16</a:t>
             </a:fld>
             <a:endParaRPr lang="ko-KR" altLang="en-US"/>
           </a:p>
@@ -2822,7 +2822,7 @@
           <a:p>
             <a:fld id="{EDD93E7F-B437-40E5-8ACB-B79696783EFA}" type="datetime1">
               <a:rPr lang="ko-KR" altLang="en-US" smtClean="0"/>
-              <a:t>2018-04-15</a:t>
+              <a:t>2018-04-16</a:t>
             </a:fld>
             <a:endParaRPr lang="ko-KR" altLang="en-US"/>
           </a:p>
@@ -3066,7 +3066,7 @@
           <a:p>
             <a:fld id="{DB249950-0BD4-4F6E-BE3F-CB53B7E2FD06}" type="datetime1">
               <a:rPr lang="ko-KR" altLang="en-US" smtClean="0"/>
-              <a:t>2018-04-15</a:t>
+              <a:t>2018-04-16</a:t>
             </a:fld>
             <a:endParaRPr lang="ko-KR" altLang="en-US"/>
           </a:p>
@@ -3298,7 +3298,7 @@
           <a:p>
             <a:fld id="{7B016D7E-32C0-4DB3-B6B3-0506A62840FB}" type="datetime1">
               <a:rPr lang="ko-KR" altLang="en-US" smtClean="0"/>
-              <a:t>2018-04-15</a:t>
+              <a:t>2018-04-16</a:t>
             </a:fld>
             <a:endParaRPr lang="ko-KR" altLang="en-US"/>
           </a:p>
@@ -3665,7 +3665,7 @@
           <a:p>
             <a:fld id="{B246672D-B3FD-4B2E-92C0-4A80DA670927}" type="datetime1">
               <a:rPr lang="ko-KR" altLang="en-US" smtClean="0"/>
-              <a:t>2018-04-15</a:t>
+              <a:t>2018-04-16</a:t>
             </a:fld>
             <a:endParaRPr lang="ko-KR" altLang="en-US"/>
           </a:p>
@@ -3783,7 +3783,7 @@
           <a:p>
             <a:fld id="{9B9B7D2E-B202-4D7A-9519-0C490A04EB9C}" type="datetime1">
               <a:rPr lang="ko-KR" altLang="en-US" smtClean="0"/>
-              <a:t>2018-04-15</a:t>
+              <a:t>2018-04-16</a:t>
             </a:fld>
             <a:endParaRPr lang="ko-KR" altLang="en-US"/>
           </a:p>
@@ -3878,7 +3878,7 @@
           <a:p>
             <a:fld id="{12FB9327-987E-47D6-AE2D-63CED8A79494}" type="datetime1">
               <a:rPr lang="ko-KR" altLang="en-US" smtClean="0"/>
-              <a:t>2018-04-15</a:t>
+              <a:t>2018-04-16</a:t>
             </a:fld>
             <a:endParaRPr lang="ko-KR" altLang="en-US"/>
           </a:p>
@@ -4155,7 +4155,7 @@
           <a:p>
             <a:fld id="{D8D87011-7294-4632-A156-4F695AB9E41C}" type="datetime1">
               <a:rPr lang="ko-KR" altLang="en-US" smtClean="0"/>
-              <a:t>2018-04-15</a:t>
+              <a:t>2018-04-16</a:t>
             </a:fld>
             <a:endParaRPr lang="ko-KR" altLang="en-US"/>
           </a:p>
@@ -4412,7 +4412,7 @@
           <a:p>
             <a:fld id="{1BDC7FDB-72DE-4D65-AF4F-510496DAF70F}" type="datetime1">
               <a:rPr lang="ko-KR" altLang="en-US" smtClean="0"/>
-              <a:t>2018-04-15</a:t>
+              <a:t>2018-04-16</a:t>
             </a:fld>
             <a:endParaRPr lang="ko-KR" altLang="en-US"/>
           </a:p>
@@ -4625,7 +4625,7 @@
           <a:p>
             <a:fld id="{9A286DBF-DB43-470A-A903-26374CB6EF47}" type="datetime1">
               <a:rPr lang="ko-KR" altLang="en-US" smtClean="0"/>
-              <a:t>2018-04-15</a:t>
+              <a:t>2018-04-16</a:t>
             </a:fld>
             <a:endParaRPr lang="ko-KR" altLang="en-US"/>
           </a:p>
@@ -5224,7 +5224,7 @@
           <a:p>
             <a:fld id="{32C03489-23FC-4021-B9AB-958EFB3C0FE7}" type="datetime1">
               <a:rPr lang="ko-KR" altLang="en-US" smtClean="0"/>
-              <a:t>2018-04-15</a:t>
+              <a:t>2018-04-16</a:t>
             </a:fld>
             <a:endParaRPr lang="ko-KR" altLang="en-US"/>
           </a:p>
@@ -5378,7 +5378,7 @@
           <a:p>
             <a:fld id="{53646E5C-8775-44A9-9523-40B6CCA06789}" type="datetime1">
               <a:rPr lang="ko-KR" altLang="en-US" smtClean="0"/>
-              <a:t>2018-04-15</a:t>
+              <a:t>2018-04-16</a:t>
             </a:fld>
             <a:endParaRPr lang="ko-KR" altLang="en-US"/>
           </a:p>
@@ -5798,7 +5798,7 @@
           <a:p>
             <a:fld id="{F85A177F-6FD3-496B-8A9C-B332CA04E863}" type="datetime1">
               <a:rPr lang="ko-KR" altLang="en-US" smtClean="0"/>
-              <a:t>2018-04-15</a:t>
+              <a:t>2018-04-16</a:t>
             </a:fld>
             <a:endParaRPr lang="ko-KR" altLang="en-US"/>
           </a:p>
@@ -5952,7 +5952,7 @@
           <a:p>
             <a:fld id="{53646E5C-8775-44A9-9523-40B6CCA06789}" type="datetime1">
               <a:rPr lang="ko-KR" altLang="en-US" smtClean="0"/>
-              <a:t>2018-04-15</a:t>
+              <a:t>2018-04-16</a:t>
             </a:fld>
             <a:endParaRPr lang="ko-KR" altLang="en-US"/>
           </a:p>
@@ -6029,11 +6029,7 @@
             </a:pPr>
             <a:r>
               <a:rPr lang="en-US" altLang="ko-KR" sz="2000" dirty="0" smtClean="0"/>
-              <a:t>I</a:t>
-            </a:r>
-            <a:r>
-              <a:rPr lang="en-US" altLang="ko-KR" sz="2000" dirty="0" smtClean="0"/>
-              <a:t>ncreasing the LF </a:t>
+              <a:t>Increasing the LF </a:t>
             </a:r>
             <a:r>
               <a:rPr lang="en-US" altLang="ko-KR" sz="2000" dirty="0" smtClean="0">
@@ -6218,7 +6214,7 @@
           <a:p>
             <a:fld id="{53646E5C-8775-44A9-9523-40B6CCA06789}" type="datetime1">
               <a:rPr lang="ko-KR" altLang="en-US" smtClean="0"/>
-              <a:t>2018-04-15</a:t>
+              <a:t>2018-04-16</a:t>
             </a:fld>
             <a:endParaRPr lang="ko-KR" altLang="en-US"/>
           </a:p>
@@ -6287,7 +6283,6 @@
               <a:rPr lang="en-US" altLang="ko-KR" sz="2000" dirty="0" smtClean="0"/>
               <a:t>The image at 2.5 THz, reduced SNR.</a:t>
             </a:r>
-            <a:endParaRPr lang="en-US" altLang="ko-KR" sz="2000" dirty="0" smtClean="0"/>
           </a:p>
         </p:txBody>
       </p:sp>
@@ -6507,7 +6502,7 @@
           <a:p>
             <a:fld id="{F85A177F-6FD3-496B-8A9C-B332CA04E863}" type="datetime1">
               <a:rPr lang="ko-KR" altLang="en-US" smtClean="0"/>
-              <a:t>2018-04-15</a:t>
+              <a:t>2018-04-16</a:t>
             </a:fld>
             <a:endParaRPr lang="ko-KR" altLang="en-US"/>
           </a:p>
@@ -6641,12 +6636,6 @@
               </a:rPr>
               <a:t>. Near-Field Imaging</a:t>
             </a:r>
-            <a:endParaRPr lang="en-US" altLang="ko-KR" sz="2800" dirty="0" smtClean="0">
-              <a:solidFill>
-                <a:schemeClr val="bg1"/>
-              </a:solidFill>
-              <a:latin typeface="Arial" panose="020B0604020202020204" pitchFamily="34" charset="0"/>
-            </a:endParaRPr>
           </a:p>
         </p:txBody>
       </p:sp>
@@ -6667,7 +6656,7 @@
           <a:p>
             <a:fld id="{53646E5C-8775-44A9-9523-40B6CCA06789}" type="datetime1">
               <a:rPr lang="ko-KR" altLang="en-US" smtClean="0"/>
-              <a:t>2018-04-15</a:t>
+              <a:t>2018-04-16</a:t>
             </a:fld>
             <a:endParaRPr lang="ko-KR" altLang="en-US"/>
           </a:p>
@@ -6760,7 +6749,6 @@
               <a:rPr lang="en-US" altLang="ko-KR" sz="2000" dirty="0" smtClean="0"/>
               <a:t>, known as s-SNOM</a:t>
             </a:r>
-            <a:endParaRPr lang="en-US" altLang="ko-KR" sz="2000" dirty="0" smtClean="0"/>
           </a:p>
         </p:txBody>
       </p:sp>
@@ -7147,7 +7135,7 @@
           <a:p>
             <a:fld id="{F85A177F-6FD3-496B-8A9C-B332CA04E863}" type="datetime1">
               <a:rPr lang="ko-KR" altLang="en-US" smtClean="0"/>
-              <a:t>2018-04-15</a:t>
+              <a:t>2018-04-16</a:t>
             </a:fld>
             <a:endParaRPr lang="ko-KR" altLang="en-US"/>
           </a:p>
@@ -7281,12 +7269,6 @@
               </a:rPr>
               <a:t>. Chemical Imaging</a:t>
             </a:r>
-            <a:endParaRPr lang="en-US" altLang="ko-KR" sz="2800" dirty="0" smtClean="0">
-              <a:solidFill>
-                <a:schemeClr val="bg1"/>
-              </a:solidFill>
-              <a:latin typeface="Arial" panose="020B0604020202020204" pitchFamily="34" charset="0"/>
-            </a:endParaRPr>
           </a:p>
         </p:txBody>
       </p:sp>
@@ -7307,7 +7289,7 @@
           <a:p>
             <a:fld id="{53646E5C-8775-44A9-9523-40B6CCA06789}" type="datetime1">
               <a:rPr lang="ko-KR" altLang="en-US" smtClean="0"/>
-              <a:t>2018-04-15</a:t>
+              <a:t>2018-04-16</a:t>
             </a:fld>
             <a:endParaRPr lang="ko-KR" altLang="en-US"/>
           </a:p>
@@ -7360,7 +7342,137 @@
           <a:p>
             <a:r>
               <a:rPr lang="en-US" altLang="ko-KR" sz="2000" dirty="0" smtClean="0"/>
-              <a:t>First, the model takes into account only a single reflected pulse.</a:t>
+              <a:t>Non-destructive drugs test</a:t>
+            </a:r>
+            <a:endParaRPr lang="en-US" altLang="ko-KR" sz="2000" dirty="0" smtClean="0"/>
+          </a:p>
+        </p:txBody>
+      </p:sp>
+      <p:pic>
+        <p:nvPicPr>
+          <p:cNvPr id="3" name="그림 2"/>
+          <p:cNvPicPr>
+            <a:picLocks noChangeAspect="1"/>
+          </p:cNvPicPr>
+          <p:nvPr/>
+        </p:nvPicPr>
+        <p:blipFill>
+          <a:blip r:embed="rId3"/>
+          <a:stretch>
+            <a:fillRect/>
+          </a:stretch>
+        </p:blipFill>
+        <p:spPr>
+          <a:xfrm>
+            <a:off x="579559" y="2214084"/>
+            <a:ext cx="4038600" cy="2847975"/>
+          </a:xfrm>
+          <a:prstGeom prst="rect">
+            <a:avLst/>
+          </a:prstGeom>
+        </p:spPr>
+      </p:pic>
+      <p:pic>
+        <p:nvPicPr>
+          <p:cNvPr id="4" name="그림 3"/>
+          <p:cNvPicPr>
+            <a:picLocks noChangeAspect="1"/>
+          </p:cNvPicPr>
+          <p:nvPr/>
+        </p:nvPicPr>
+        <p:blipFill>
+          <a:blip r:embed="rId4"/>
+          <a:stretch>
+            <a:fillRect/>
+          </a:stretch>
+        </p:blipFill>
+        <p:spPr>
+          <a:xfrm>
+            <a:off x="4983773" y="1709259"/>
+            <a:ext cx="3562350" cy="3857625"/>
+          </a:xfrm>
+          <a:prstGeom prst="rect">
+            <a:avLst/>
+          </a:prstGeom>
+        </p:spPr>
+      </p:pic>
+      <p:sp>
+        <p:nvSpPr>
+          <p:cNvPr id="8" name="TextBox 7"/>
+          <p:cNvSpPr txBox="1"/>
+          <p:nvPr/>
+        </p:nvSpPr>
+        <p:spPr>
+          <a:xfrm>
+            <a:off x="268165" y="5961832"/>
+            <a:ext cx="8607669" cy="253916"/>
+          </a:xfrm>
+          <a:prstGeom prst="rect">
+            <a:avLst/>
+          </a:prstGeom>
+          <a:noFill/>
+        </p:spPr>
+        <p:txBody>
+          <a:bodyPr wrap="square" rtlCol="0">
+            <a:spAutoFit/>
+          </a:bodyPr>
+          <a:lstStyle/>
+          <a:p>
+            <a:r>
+              <a:rPr lang="en-US" altLang="ko-KR" sz="1050" dirty="0" err="1">
+                <a:latin typeface="Times New Roman" panose="02020603050405020304" pitchFamily="18" charset="0"/>
+                <a:cs typeface="Times New Roman" panose="02020603050405020304" pitchFamily="18" charset="0"/>
+              </a:rPr>
+              <a:t>Kawase</a:t>
+            </a:r>
+            <a:r>
+              <a:rPr lang="en-US" altLang="ko-KR" sz="1050" dirty="0">
+                <a:latin typeface="Times New Roman" panose="02020603050405020304" pitchFamily="18" charset="0"/>
+                <a:cs typeface="Times New Roman" panose="02020603050405020304" pitchFamily="18" charset="0"/>
+              </a:rPr>
+              <a:t>, K., </a:t>
+            </a:r>
+            <a:r>
+              <a:rPr lang="en-US" altLang="ko-KR" sz="1050" dirty="0" err="1">
+                <a:latin typeface="Times New Roman" panose="02020603050405020304" pitchFamily="18" charset="0"/>
+                <a:cs typeface="Times New Roman" panose="02020603050405020304" pitchFamily="18" charset="0"/>
+              </a:rPr>
+              <a:t>etal</a:t>
+            </a:r>
+            <a:r>
+              <a:rPr lang="en-US" altLang="ko-KR" sz="1050" dirty="0">
+                <a:latin typeface="Times New Roman" panose="02020603050405020304" pitchFamily="18" charset="0"/>
+                <a:cs typeface="Times New Roman" panose="02020603050405020304" pitchFamily="18" charset="0"/>
+              </a:rPr>
+              <a:t>., “Non-Destructive Terahertz Imaging of Illicit Drugs Using Spectral Fingerprints,” </a:t>
+            </a:r>
+            <a:r>
+              <a:rPr lang="en-US" altLang="ko-KR" sz="1050" i="1" dirty="0">
+                <a:latin typeface="Times New Roman" panose="02020603050405020304" pitchFamily="18" charset="0"/>
+                <a:cs typeface="Times New Roman" panose="02020603050405020304" pitchFamily="18" charset="0"/>
+              </a:rPr>
+              <a:t>Optics Express</a:t>
+            </a:r>
+            <a:r>
+              <a:rPr lang="en-US" altLang="ko-KR" sz="1050" dirty="0">
+                <a:latin typeface="Times New Roman" panose="02020603050405020304" pitchFamily="18" charset="0"/>
+                <a:cs typeface="Times New Roman" panose="02020603050405020304" pitchFamily="18" charset="0"/>
+              </a:rPr>
+              <a:t>, Vol. 11, No. 20, </a:t>
+            </a:r>
+            <a:r>
+              <a:rPr lang="en-US" altLang="ko-KR" sz="1050" dirty="0" smtClean="0">
+                <a:latin typeface="Times New Roman" panose="02020603050405020304" pitchFamily="18" charset="0"/>
+                <a:cs typeface="Times New Roman" panose="02020603050405020304" pitchFamily="18" charset="0"/>
+              </a:rPr>
+              <a:t>2003</a:t>
+            </a:r>
+            <a:r>
+              <a:rPr lang="en-US" altLang="ko-KR" sz="1050" dirty="0">
+                <a:latin typeface="Times New Roman" panose="02020603050405020304" pitchFamily="18" charset="0"/>
+                <a:cs typeface="Times New Roman" panose="02020603050405020304" pitchFamily="18" charset="0"/>
+              </a:rPr>
+              <a:t>.</a:t>
             </a:r>
           </a:p>
         </p:txBody>
@@ -7545,7 +7657,7 @@
           <a:p>
             <a:fld id="{F85A177F-6FD3-496B-8A9C-B332CA04E863}" type="datetime1">
               <a:rPr lang="ko-KR" altLang="en-US" smtClean="0"/>
-              <a:t>2018-04-15</a:t>
+              <a:t>2018-04-16</a:t>
             </a:fld>
             <a:endParaRPr lang="ko-KR" altLang="en-US"/>
           </a:p>
@@ -7670,12 +7782,6 @@
               </a:rPr>
               <a:t>7. Focal Plane Array Microbolometer Cameras</a:t>
             </a:r>
-            <a:endParaRPr lang="en-US" altLang="ko-KR" sz="2800" dirty="0" smtClean="0">
-              <a:solidFill>
-                <a:schemeClr val="bg1"/>
-              </a:solidFill>
-              <a:latin typeface="Arial" panose="020B0604020202020204" pitchFamily="34" charset="0"/>
-            </a:endParaRPr>
           </a:p>
         </p:txBody>
       </p:sp>
@@ -7696,7 +7802,7 @@
           <a:p>
             <a:fld id="{53646E5C-8775-44A9-9523-40B6CCA06789}" type="datetime1">
               <a:rPr lang="ko-KR" altLang="en-US" smtClean="0"/>
-              <a:t>2018-04-15</a:t>
+              <a:t>2018-04-16</a:t>
             </a:fld>
             <a:endParaRPr lang="ko-KR" altLang="en-US"/>
           </a:p>
@@ -7749,8 +7855,153 @@
           <a:p>
             <a:r>
               <a:rPr lang="en-US" altLang="ko-KR" sz="2000" dirty="0" smtClean="0"/>
-              <a:t>First, the model takes into account only a single reflected pulse.</a:t>
-            </a:r>
+              <a:t>Raster scan has limits the speed of image acquisition.</a:t>
+            </a:r>
+            <a:endParaRPr lang="en-US" altLang="ko-KR" sz="2000" dirty="0" smtClean="0"/>
+          </a:p>
+        </p:txBody>
+      </p:sp>
+      <p:sp>
+        <p:nvSpPr>
+          <p:cNvPr id="7" name="TextBox 6"/>
+          <p:cNvSpPr txBox="1"/>
+          <p:nvPr/>
+        </p:nvSpPr>
+        <p:spPr>
+          <a:xfrm>
+            <a:off x="268165" y="5961832"/>
+            <a:ext cx="8607669" cy="253916"/>
+          </a:xfrm>
+          <a:prstGeom prst="rect">
+            <a:avLst/>
+          </a:prstGeom>
+          <a:noFill/>
+        </p:spPr>
+        <p:txBody>
+          <a:bodyPr wrap="square" rtlCol="0">
+            <a:spAutoFit/>
+          </a:bodyPr>
+          <a:lstStyle/>
+          <a:p>
+            <a:r>
+              <a:rPr lang="en-US" altLang="ko-KR" sz="1050" dirty="0">
+                <a:latin typeface="Times New Roman" panose="02020603050405020304" pitchFamily="18" charset="0"/>
+                <a:cs typeface="Times New Roman" panose="02020603050405020304" pitchFamily="18" charset="0"/>
+              </a:rPr>
+              <a:t>Lee, A. W. M., and Q. Hu, “Real-Time Continuous Wave Terahertz Imaging by Use of a </a:t>
+            </a:r>
+            <a:r>
+              <a:rPr lang="en-US" altLang="ko-KR" sz="1050" dirty="0" err="1">
+                <a:latin typeface="Times New Roman" panose="02020603050405020304" pitchFamily="18" charset="0"/>
+                <a:cs typeface="Times New Roman" panose="02020603050405020304" pitchFamily="18" charset="0"/>
+              </a:rPr>
+              <a:t>Microbolometer</a:t>
+            </a:r>
+            <a:r>
+              <a:rPr lang="en-US" altLang="ko-KR" sz="1050" dirty="0">
+                <a:latin typeface="Times New Roman" panose="02020603050405020304" pitchFamily="18" charset="0"/>
+                <a:cs typeface="Times New Roman" panose="02020603050405020304" pitchFamily="18" charset="0"/>
+              </a:rPr>
+              <a:t> FPA,” Optics Letters, Vol. 30, No. 19, </a:t>
+            </a:r>
+            <a:r>
+              <a:rPr lang="en-US" altLang="ko-KR" sz="1050" dirty="0" smtClean="0">
+                <a:latin typeface="Times New Roman" panose="02020603050405020304" pitchFamily="18" charset="0"/>
+                <a:cs typeface="Times New Roman" panose="02020603050405020304" pitchFamily="18" charset="0"/>
+              </a:rPr>
+              <a:t>2005</a:t>
+            </a:r>
+            <a:r>
+              <a:rPr lang="en-US" altLang="ko-KR" sz="1050" dirty="0">
+                <a:latin typeface="Times New Roman" panose="02020603050405020304" pitchFamily="18" charset="0"/>
+                <a:cs typeface="Times New Roman" panose="02020603050405020304" pitchFamily="18" charset="0"/>
+              </a:rPr>
+              <a:t>.</a:t>
+            </a:r>
+          </a:p>
+        </p:txBody>
+      </p:sp>
+      <p:pic>
+        <p:nvPicPr>
+          <p:cNvPr id="4" name="그림 3"/>
+          <p:cNvPicPr>
+            <a:picLocks noChangeAspect="1"/>
+          </p:cNvPicPr>
+          <p:nvPr/>
+        </p:nvPicPr>
+        <p:blipFill>
+          <a:blip r:embed="rId3"/>
+          <a:stretch>
+            <a:fillRect/>
+          </a:stretch>
+        </p:blipFill>
+        <p:spPr>
+          <a:xfrm>
+            <a:off x="339244" y="1454915"/>
+            <a:ext cx="8465513" cy="4154296"/>
+          </a:xfrm>
+          <a:prstGeom prst="rect">
+            <a:avLst/>
+          </a:prstGeom>
+        </p:spPr>
+      </p:pic>
+      <p:sp>
+        <p:nvSpPr>
+          <p:cNvPr id="9" name="TextBox 8"/>
+          <p:cNvSpPr txBox="1"/>
+          <p:nvPr/>
+        </p:nvSpPr>
+        <p:spPr>
+          <a:xfrm>
+            <a:off x="5498124" y="1454915"/>
+            <a:ext cx="2242590" cy="400110"/>
+          </a:xfrm>
+          <a:prstGeom prst="rect">
+            <a:avLst/>
+          </a:prstGeom>
+          <a:noFill/>
+        </p:spPr>
+        <p:txBody>
+          <a:bodyPr wrap="square" rtlCol="0">
+            <a:spAutoFit/>
+          </a:bodyPr>
+          <a:lstStyle/>
+          <a:p>
+            <a:r>
+              <a:rPr lang="en-US" altLang="ko-KR" sz="2000" dirty="0" smtClean="0"/>
+              <a:t>Transmission mode</a:t>
+            </a:r>
+            <a:endParaRPr lang="en-US" altLang="ko-KR" sz="2000" dirty="0" smtClean="0"/>
+          </a:p>
+        </p:txBody>
+      </p:sp>
+      <p:sp>
+        <p:nvSpPr>
+          <p:cNvPr id="12" name="TextBox 11"/>
+          <p:cNvSpPr txBox="1"/>
+          <p:nvPr/>
+        </p:nvSpPr>
+        <p:spPr>
+          <a:xfrm>
+            <a:off x="5498124" y="3468354"/>
+            <a:ext cx="2242590" cy="400110"/>
+          </a:xfrm>
+          <a:prstGeom prst="rect">
+            <a:avLst/>
+          </a:prstGeom>
+          <a:noFill/>
+        </p:spPr>
+        <p:txBody>
+          <a:bodyPr wrap="square" rtlCol="0">
+            <a:spAutoFit/>
+          </a:bodyPr>
+          <a:lstStyle/>
+          <a:p>
+            <a:r>
+              <a:rPr lang="en-US" altLang="ko-KR" sz="2000" dirty="0" smtClean="0"/>
+              <a:t>Reflection mode</a:t>
+            </a:r>
+            <a:endParaRPr lang="en-US" altLang="ko-KR" sz="2000" dirty="0" smtClean="0"/>
           </a:p>
         </p:txBody>
       </p:sp>
@@ -8132,7 +8383,7 @@
           <a:p>
             <a:fld id="{D71C2118-E1AA-468B-9259-8864ED518988}" type="datetime1">
               <a:rPr lang="ko-KR" altLang="en-US" smtClean="0"/>
-              <a:t>2018-04-15</a:t>
+              <a:t>2018-04-16</a:t>
             </a:fld>
             <a:endParaRPr lang="ko-KR" altLang="en-US"/>
           </a:p>
@@ -8275,7 +8526,7 @@
         <p:spPr>
           <a:xfrm>
             <a:off x="268165" y="1362807"/>
-            <a:ext cx="8607669" cy="2862322"/>
+            <a:ext cx="8607669" cy="3970318"/>
           </a:xfrm>
           <a:prstGeom prst="rect">
             <a:avLst/>
@@ -8332,7 +8583,14 @@
                 <a:latin typeface="Times New Roman" panose="02020603050405020304" pitchFamily="18" charset="0"/>
                 <a:cs typeface="Times New Roman" panose="02020603050405020304" pitchFamily="18" charset="0"/>
               </a:rPr>
-              <a:t>, Vol. 49, No. 13, 2010, pp. 2490-2496.</a:t>
+              <a:t>, Vol. 49, No. 13, 2010, pp. 2490-2496</a:t>
+            </a:r>
+            <a:r>
+              <a:rPr lang="en-US" altLang="ko-KR" dirty="0" smtClean="0">
+                <a:latin typeface="Times New Roman" panose="02020603050405020304" pitchFamily="18" charset="0"/>
+                <a:cs typeface="Times New Roman" panose="02020603050405020304" pitchFamily="18" charset="0"/>
+              </a:rPr>
+              <a:t>.</a:t>
             </a:r>
           </a:p>
           <a:p>
@@ -8341,54 +8599,79 @@
               <a:buChar char="•"/>
             </a:pPr>
             <a:r>
+              <a:rPr lang="en-US" altLang="ko-KR" dirty="0">
+                <a:latin typeface="Times New Roman" panose="02020603050405020304" pitchFamily="18" charset="0"/>
+                <a:cs typeface="Times New Roman" panose="02020603050405020304" pitchFamily="18" charset="0"/>
+              </a:rPr>
+              <a:t>Hillenbrand, R., T. </a:t>
+            </a:r>
+            <a:r>
+              <a:rPr lang="en-US" altLang="ko-KR" dirty="0" err="1">
+                <a:latin typeface="Times New Roman" panose="02020603050405020304" pitchFamily="18" charset="0"/>
+                <a:cs typeface="Times New Roman" panose="02020603050405020304" pitchFamily="18" charset="0"/>
+              </a:rPr>
+              <a:t>Taubner</a:t>
+            </a:r>
+            <a:r>
+              <a:rPr lang="en-US" altLang="ko-KR" dirty="0">
+                <a:latin typeface="Times New Roman" panose="02020603050405020304" pitchFamily="18" charset="0"/>
+                <a:cs typeface="Times New Roman" panose="02020603050405020304" pitchFamily="18" charset="0"/>
+              </a:rPr>
+              <a:t>, and F. </a:t>
+            </a:r>
+            <a:r>
+              <a:rPr lang="en-US" altLang="ko-KR" dirty="0" err="1">
+                <a:latin typeface="Times New Roman" panose="02020603050405020304" pitchFamily="18" charset="0"/>
+                <a:cs typeface="Times New Roman" panose="02020603050405020304" pitchFamily="18" charset="0"/>
+              </a:rPr>
+              <a:t>Keilmann</a:t>
+            </a:r>
+            <a:r>
+              <a:rPr lang="en-US" altLang="ko-KR" dirty="0">
+                <a:latin typeface="Times New Roman" panose="02020603050405020304" pitchFamily="18" charset="0"/>
+                <a:cs typeface="Times New Roman" panose="02020603050405020304" pitchFamily="18" charset="0"/>
+              </a:rPr>
+              <a:t>, “Phonon-Enhanced Light-Matter Interaction at the </a:t>
+            </a:r>
+            <a:r>
+              <a:rPr lang="en-US" altLang="ko-KR" dirty="0" err="1">
+                <a:latin typeface="Times New Roman" panose="02020603050405020304" pitchFamily="18" charset="0"/>
+                <a:cs typeface="Times New Roman" panose="02020603050405020304" pitchFamily="18" charset="0"/>
+              </a:rPr>
+              <a:t>Nanometre</a:t>
+            </a:r>
+            <a:r>
+              <a:rPr lang="en-US" altLang="ko-KR" dirty="0">
+                <a:latin typeface="Times New Roman" panose="02020603050405020304" pitchFamily="18" charset="0"/>
+                <a:cs typeface="Times New Roman" panose="02020603050405020304" pitchFamily="18" charset="0"/>
+              </a:rPr>
+              <a:t> Scale,” </a:t>
+            </a:r>
+            <a:r>
+              <a:rPr lang="en-US" altLang="ko-KR" i="1" dirty="0">
+                <a:latin typeface="Times New Roman" panose="02020603050405020304" pitchFamily="18" charset="0"/>
+                <a:cs typeface="Times New Roman" panose="02020603050405020304" pitchFamily="18" charset="0"/>
+              </a:rPr>
+              <a:t>Nature</a:t>
+            </a:r>
+            <a:r>
+              <a:rPr lang="en-US" altLang="ko-KR" dirty="0">
+                <a:latin typeface="Times New Roman" panose="02020603050405020304" pitchFamily="18" charset="0"/>
+                <a:cs typeface="Times New Roman" panose="02020603050405020304" pitchFamily="18" charset="0"/>
+              </a:rPr>
+              <a:t>, Vol. 418, No. 6894, 2002, pp. 159-162</a:t>
+            </a:r>
+            <a:r>
               <a:rPr lang="en-US" altLang="ko-KR" dirty="0" smtClean="0">
                 <a:latin typeface="Times New Roman" panose="02020603050405020304" pitchFamily="18" charset="0"/>
                 <a:cs typeface="Times New Roman" panose="02020603050405020304" pitchFamily="18" charset="0"/>
               </a:rPr>
-              <a:t>Molloy, J. F., et al., “Dispersion Properties of </a:t>
-            </a:r>
-            <a:r>
-              <a:rPr lang="en-US" altLang="ko-KR" dirty="0" err="1" smtClean="0">
-                <a:latin typeface="Times New Roman" panose="02020603050405020304" pitchFamily="18" charset="0"/>
-                <a:cs typeface="Times New Roman" panose="02020603050405020304" pitchFamily="18" charset="0"/>
-              </a:rPr>
-              <a:t>GaS</a:t>
-            </a:r>
-            <a:r>
-              <a:rPr lang="en-US" altLang="ko-KR" dirty="0" smtClean="0">
-                <a:latin typeface="Times New Roman" panose="02020603050405020304" pitchFamily="18" charset="0"/>
-                <a:cs typeface="Times New Roman" panose="02020603050405020304" pitchFamily="18" charset="0"/>
-              </a:rPr>
-              <a:t> Studied by THz-TDS,” </a:t>
-            </a:r>
-            <a:r>
-              <a:rPr lang="en-US" altLang="ko-KR" i="1" dirty="0" err="1" smtClean="0">
-                <a:latin typeface="Times New Roman" panose="02020603050405020304" pitchFamily="18" charset="0"/>
-                <a:cs typeface="Times New Roman" panose="02020603050405020304" pitchFamily="18" charset="0"/>
-              </a:rPr>
-              <a:t>Cryst</a:t>
-            </a:r>
-            <a:r>
-              <a:rPr lang="en-US" altLang="ko-KR" i="1" dirty="0" smtClean="0">
-                <a:latin typeface="Times New Roman" panose="02020603050405020304" pitchFamily="18" charset="0"/>
-                <a:cs typeface="Times New Roman" panose="02020603050405020304" pitchFamily="18" charset="0"/>
-              </a:rPr>
-              <a:t>. Eng. Comm.</a:t>
-            </a:r>
-            <a:r>
-              <a:rPr lang="en-US" altLang="ko-KR" dirty="0" smtClean="0">
-                <a:latin typeface="Times New Roman" panose="02020603050405020304" pitchFamily="18" charset="0"/>
-                <a:cs typeface="Times New Roman" panose="02020603050405020304" pitchFamily="18" charset="0"/>
-              </a:rPr>
-              <a:t>, Vol. 16, 2014, pp. 1995-2000</a:t>
-            </a:r>
-            <a:r>
-              <a:rPr lang="en-US" altLang="ko-KR" dirty="0" smtClean="0">
-                <a:latin typeface="Times New Roman" panose="02020603050405020304" pitchFamily="18" charset="0"/>
-                <a:cs typeface="Times New Roman" panose="02020603050405020304" pitchFamily="18" charset="0"/>
-              </a:rPr>
               <a:t>.</a:t>
             </a:r>
+            <a:endParaRPr lang="en-US" altLang="ko-KR" dirty="0" smtClean="0">
+              <a:latin typeface="Times New Roman" panose="02020603050405020304" pitchFamily="18" charset="0"/>
+              <a:cs typeface="Times New Roman" panose="02020603050405020304" pitchFamily="18" charset="0"/>
+            </a:endParaRPr>
           </a:p>
           <a:p>
             <a:pPr marL="285750" indent="-285750">
@@ -8396,53 +8679,46 @@
               <a:buChar char="•"/>
             </a:pPr>
             <a:r>
-              <a:rPr lang="en-US" altLang="ko-KR" dirty="0" smtClean="0">
+              <a:rPr lang="en-US" altLang="ko-KR" dirty="0" err="1">
                 <a:latin typeface="Times New Roman" panose="02020603050405020304" pitchFamily="18" charset="0"/>
                 <a:cs typeface="Times New Roman" panose="02020603050405020304" pitchFamily="18" charset="0"/>
               </a:rPr>
-              <a:t>Van der </a:t>
-            </a:r>
-            <a:r>
-              <a:rPr lang="en-US" altLang="ko-KR" dirty="0" err="1" smtClean="0">
+              <a:t>Kawase</a:t>
+            </a:r>
+            <a:r>
+              <a:rPr lang="en-US" altLang="ko-KR" dirty="0">
                 <a:latin typeface="Times New Roman" panose="02020603050405020304" pitchFamily="18" charset="0"/>
                 <a:cs typeface="Times New Roman" panose="02020603050405020304" pitchFamily="18" charset="0"/>
               </a:rPr>
-              <a:t>Valk</a:t>
-            </a:r>
-            <a:r>
-              <a:rPr lang="en-US" altLang="ko-KR" dirty="0" smtClean="0">
+              <a:t>, K., </a:t>
+            </a:r>
+            <a:r>
+              <a:rPr lang="en-US" altLang="ko-KR" dirty="0" err="1">
                 <a:latin typeface="Times New Roman" panose="02020603050405020304" pitchFamily="18" charset="0"/>
                 <a:cs typeface="Times New Roman" panose="02020603050405020304" pitchFamily="18" charset="0"/>
               </a:rPr>
-              <a:t>, N. C. J., and P. C. M. </a:t>
-            </a:r>
-            <a:r>
-              <a:rPr lang="en-US" altLang="ko-KR" dirty="0" err="1" smtClean="0">
+              <a:t>etal</a:t>
+            </a:r>
+            <a:r>
+              <a:rPr lang="en-US" altLang="ko-KR" dirty="0">
                 <a:latin typeface="Times New Roman" panose="02020603050405020304" pitchFamily="18" charset="0"/>
                 <a:cs typeface="Times New Roman" panose="02020603050405020304" pitchFamily="18" charset="0"/>
               </a:rPr>
-              <a:t>Planken</a:t>
-            </a:r>
-            <a:r>
-              <a:rPr lang="en-US" altLang="ko-KR" dirty="0" smtClean="0">
+              <a:t>., “Non-Destructive Terahertz Imaging of Illicit Drugs Using Spectral Fingerprints,” </a:t>
+            </a:r>
+            <a:r>
+              <a:rPr lang="en-US" altLang="ko-KR" i="1" dirty="0">
                 <a:latin typeface="Times New Roman" panose="02020603050405020304" pitchFamily="18" charset="0"/>
                 <a:cs typeface="Times New Roman" panose="02020603050405020304" pitchFamily="18" charset="0"/>
               </a:rPr>
-              <a:t>. “Electro-Optic Detection of Subwavelength Terahertz Spot Sizes in the Near Field of a Metal Tip,” </a:t>
-            </a:r>
-            <a:r>
-              <a:rPr lang="en-US" altLang="ko-KR" i="1" dirty="0" smtClean="0">
+              <a:t>Optics Express</a:t>
+            </a:r>
+            <a:r>
+              <a:rPr lang="en-US" altLang="ko-KR" dirty="0">
                 <a:latin typeface="Times New Roman" panose="02020603050405020304" pitchFamily="18" charset="0"/>
                 <a:cs typeface="Times New Roman" panose="02020603050405020304" pitchFamily="18" charset="0"/>
               </a:rPr>
-              <a:t>Applied Physics Letters</a:t>
-            </a:r>
-            <a:r>
-              <a:rPr lang="en-US" altLang="ko-KR" dirty="0" smtClean="0">
-                <a:latin typeface="Times New Roman" panose="02020603050405020304" pitchFamily="18" charset="0"/>
-                <a:cs typeface="Times New Roman" panose="02020603050405020304" pitchFamily="18" charset="0"/>
-              </a:rPr>
-              <a:t>, Vol. 81, No. 9, 2002, pp. 1558-1560.</a:t>
+              <a:t>, Vol. 11, No. 20, 2003, pp. 2549-2554.</a:t>
             </a:r>
           </a:p>
           <a:p>
@@ -8451,67 +8727,142 @@
               <a:buChar char="•"/>
             </a:pPr>
             <a:r>
+              <a:rPr lang="en-US" altLang="ko-KR" dirty="0">
+                <a:latin typeface="Times New Roman" panose="02020603050405020304" pitchFamily="18" charset="0"/>
+                <a:cs typeface="Times New Roman" panose="02020603050405020304" pitchFamily="18" charset="0"/>
+              </a:rPr>
+              <a:t>Lee, A. W. M., and Q. Hu, “Real-Time Continuous Wave Terahertz Imaging by Use of a </a:t>
+            </a:r>
+            <a:r>
+              <a:rPr lang="en-US" altLang="ko-KR" dirty="0" err="1">
+                <a:latin typeface="Times New Roman" panose="02020603050405020304" pitchFamily="18" charset="0"/>
+                <a:cs typeface="Times New Roman" panose="02020603050405020304" pitchFamily="18" charset="0"/>
+              </a:rPr>
+              <a:t>Microbolometer</a:t>
+            </a:r>
+            <a:r>
+              <a:rPr lang="en-US" altLang="ko-KR" dirty="0">
+                <a:latin typeface="Times New Roman" panose="02020603050405020304" pitchFamily="18" charset="0"/>
+                <a:cs typeface="Times New Roman" panose="02020603050405020304" pitchFamily="18" charset="0"/>
+              </a:rPr>
+              <a:t> FPA,” Optics Letters, Vol. 30, No. 19, 2005, p. 2563.</a:t>
+            </a:r>
+          </a:p>
+          <a:p>
+            <a:pPr marL="285750" indent="-285750">
+              <a:buFont typeface="Arial" panose="020B0604020202020204" pitchFamily="34" charset="0"/>
+              <a:buChar char="•"/>
+            </a:pPr>
+            <a:r>
               <a:rPr lang="en-US" altLang="ko-KR" dirty="0" smtClean="0">
                 <a:latin typeface="Times New Roman" panose="02020603050405020304" pitchFamily="18" charset="0"/>
                 <a:cs typeface="Times New Roman" panose="02020603050405020304" pitchFamily="18" charset="0"/>
               </a:rPr>
-              <a:t>Hillenbrand, R., T. </a:t>
+              <a:t>Molloy</a:t>
+            </a:r>
+            <a:r>
+              <a:rPr lang="en-US" altLang="ko-KR" dirty="0" smtClean="0">
+                <a:latin typeface="Times New Roman" panose="02020603050405020304" pitchFamily="18" charset="0"/>
+                <a:cs typeface="Times New Roman" panose="02020603050405020304" pitchFamily="18" charset="0"/>
+              </a:rPr>
+              <a:t>, J. F., et al., “Dispersion Properties of </a:t>
             </a:r>
             <a:r>
               <a:rPr lang="en-US" altLang="ko-KR" dirty="0" err="1" smtClean="0">
                 <a:latin typeface="Times New Roman" panose="02020603050405020304" pitchFamily="18" charset="0"/>
                 <a:cs typeface="Times New Roman" panose="02020603050405020304" pitchFamily="18" charset="0"/>
               </a:rPr>
-              <a:t>Taubner</a:t>
+              <a:t>GaS</a:t>
             </a:r>
             <a:r>
               <a:rPr lang="en-US" altLang="ko-KR" dirty="0" smtClean="0">
                 <a:latin typeface="Times New Roman" panose="02020603050405020304" pitchFamily="18" charset="0"/>
                 <a:cs typeface="Times New Roman" panose="02020603050405020304" pitchFamily="18" charset="0"/>
               </a:rPr>
-              <a:t>, and F. </a:t>
+              <a:t> Studied by THz-TDS,” </a:t>
+            </a:r>
+            <a:r>
+              <a:rPr lang="en-US" altLang="ko-KR" i="1" dirty="0" err="1" smtClean="0">
+                <a:latin typeface="Times New Roman" panose="02020603050405020304" pitchFamily="18" charset="0"/>
+                <a:cs typeface="Times New Roman" panose="02020603050405020304" pitchFamily="18" charset="0"/>
+              </a:rPr>
+              <a:t>Cryst</a:t>
+            </a:r>
+            <a:r>
+              <a:rPr lang="en-US" altLang="ko-KR" i="1" dirty="0" smtClean="0">
+                <a:latin typeface="Times New Roman" panose="02020603050405020304" pitchFamily="18" charset="0"/>
+                <a:cs typeface="Times New Roman" panose="02020603050405020304" pitchFamily="18" charset="0"/>
+              </a:rPr>
+              <a:t>. Eng. Comm.</a:t>
+            </a:r>
+            <a:r>
+              <a:rPr lang="en-US" altLang="ko-KR" dirty="0" smtClean="0">
+                <a:latin typeface="Times New Roman" panose="02020603050405020304" pitchFamily="18" charset="0"/>
+                <a:cs typeface="Times New Roman" panose="02020603050405020304" pitchFamily="18" charset="0"/>
+              </a:rPr>
+              <a:t>, Vol. 16, 2014, pp. 1995-2000.</a:t>
+            </a:r>
+          </a:p>
+          <a:p>
+            <a:pPr marL="285750" indent="-285750">
+              <a:buFont typeface="Arial" panose="020B0604020202020204" pitchFamily="34" charset="0"/>
+              <a:buChar char="•"/>
+            </a:pPr>
+            <a:r>
+              <a:rPr lang="en-US" altLang="ko-KR" dirty="0" smtClean="0">
+                <a:latin typeface="Times New Roman" panose="02020603050405020304" pitchFamily="18" charset="0"/>
+                <a:cs typeface="Times New Roman" panose="02020603050405020304" pitchFamily="18" charset="0"/>
+              </a:rPr>
+              <a:t>Van der </a:t>
             </a:r>
             <a:r>
               <a:rPr lang="en-US" altLang="ko-KR" dirty="0" err="1" smtClean="0">
                 <a:latin typeface="Times New Roman" panose="02020603050405020304" pitchFamily="18" charset="0"/>
                 <a:cs typeface="Times New Roman" panose="02020603050405020304" pitchFamily="18" charset="0"/>
               </a:rPr>
-              <a:t>Keilmann</a:t>
+              <a:t>Valk</a:t>
             </a:r>
             <a:r>
               <a:rPr lang="en-US" altLang="ko-KR" dirty="0" smtClean="0">
                 <a:latin typeface="Times New Roman" panose="02020603050405020304" pitchFamily="18" charset="0"/>
                 <a:cs typeface="Times New Roman" panose="02020603050405020304" pitchFamily="18" charset="0"/>
               </a:rPr>
-              <a:t>, “Phonon-Enhanced Light-Matter Interaction at the </a:t>
+              <a:t>, N. C. J., and P. C. M. </a:t>
             </a:r>
             <a:r>
               <a:rPr lang="en-US" altLang="ko-KR" dirty="0" err="1" smtClean="0">
                 <a:latin typeface="Times New Roman" panose="02020603050405020304" pitchFamily="18" charset="0"/>
                 <a:cs typeface="Times New Roman" panose="02020603050405020304" pitchFamily="18" charset="0"/>
               </a:rPr>
-              <a:t>Nanometre</a:t>
+              <a:t>Planken</a:t>
             </a:r>
             <a:r>
               <a:rPr lang="en-US" altLang="ko-KR" dirty="0" smtClean="0">
                 <a:latin typeface="Times New Roman" panose="02020603050405020304" pitchFamily="18" charset="0"/>
                 <a:cs typeface="Times New Roman" panose="02020603050405020304" pitchFamily="18" charset="0"/>
               </a:rPr>
-              <a:t> Scale,” </a:t>
+              <a:t>. “Electro-Optic Detection of Subwavelength Terahertz Spot Sizes in the Near Field of a Metal Tip,” </a:t>
             </a:r>
             <a:r>
               <a:rPr lang="en-US" altLang="ko-KR" i="1" dirty="0" smtClean="0">
                 <a:latin typeface="Times New Roman" panose="02020603050405020304" pitchFamily="18" charset="0"/>
                 <a:cs typeface="Times New Roman" panose="02020603050405020304" pitchFamily="18" charset="0"/>
               </a:rPr>
-              <a:t>Nature</a:t>
+              <a:t>Applied Physics Letters</a:t>
             </a:r>
             <a:r>
               <a:rPr lang="en-US" altLang="ko-KR" dirty="0" smtClean="0">
                 <a:latin typeface="Times New Roman" panose="02020603050405020304" pitchFamily="18" charset="0"/>
                 <a:cs typeface="Times New Roman" panose="02020603050405020304" pitchFamily="18" charset="0"/>
               </a:rPr>
-              <a:t>, Vol. 418, No. 6894, 2002, pp. 159-162.</a:t>
+              <a:t>, Vol. 81, No. 9, 2002, pp. 1558-1560</a:t>
+            </a:r>
+            <a:r>
+              <a:rPr lang="en-US" altLang="ko-KR" dirty="0" smtClean="0">
+                <a:latin typeface="Times New Roman" panose="02020603050405020304" pitchFamily="18" charset="0"/>
+                <a:cs typeface="Times New Roman" panose="02020603050405020304" pitchFamily="18" charset="0"/>
+              </a:rPr>
+              <a:t>.</a:t>
             </a:r>
             <a:endParaRPr lang="en-US" altLang="ko-KR" dirty="0" smtClean="0">
               <a:latin typeface="Times New Roman" panose="02020603050405020304" pitchFamily="18" charset="0"/>
@@ -8537,7 +8888,7 @@
           <a:p>
             <a:fld id="{6509A91F-0059-474E-BAEC-65E67593FE25}" type="datetime1">
               <a:rPr lang="ko-KR" altLang="en-US" smtClean="0"/>
-              <a:t>2018-04-15</a:t>
+              <a:t>2018-04-16</a:t>
             </a:fld>
             <a:endParaRPr lang="ko-KR" altLang="en-US"/>
           </a:p>
@@ -8746,7 +9097,7 @@
           <a:p>
             <a:fld id="{F85A177F-6FD3-496B-8A9C-B332CA04E863}" type="datetime1">
               <a:rPr lang="ko-KR" altLang="en-US" smtClean="0"/>
-              <a:t>2018-04-15</a:t>
+              <a:t>2018-04-16</a:t>
             </a:fld>
             <a:endParaRPr lang="ko-KR" altLang="en-US"/>
           </a:p>
@@ -8891,7 +9242,7 @@
           <a:p>
             <a:fld id="{53646E5C-8775-44A9-9523-40B6CCA06789}" type="datetime1">
               <a:rPr lang="ko-KR" altLang="en-US" smtClean="0"/>
-              <a:t>2018-04-15</a:t>
+              <a:t>2018-04-16</a:t>
             </a:fld>
             <a:endParaRPr lang="ko-KR" altLang="en-US"/>
           </a:p>
@@ -9261,6 +9612,86 @@
           </a:prstGeom>
         </p:spPr>
       </p:pic>
+      <p:sp>
+        <p:nvSpPr>
+          <p:cNvPr id="5" name="직사각형 4"/>
+          <p:cNvSpPr/>
+          <p:nvPr/>
+        </p:nvSpPr>
+        <p:spPr>
+          <a:xfrm>
+            <a:off x="5125915" y="2456525"/>
+            <a:ext cx="187859" cy="594406"/>
+          </a:xfrm>
+          <a:prstGeom prst="rect">
+            <a:avLst/>
+          </a:prstGeom>
+          <a:noFill/>
+          <a:ln w="28575">
+            <a:solidFill>
+              <a:srgbClr val="FF0000"/>
+            </a:solidFill>
+          </a:ln>
+        </p:spPr>
+        <p:style>
+          <a:lnRef idx="2">
+            <a:schemeClr val="accent1">
+              <a:shade val="50000"/>
+            </a:schemeClr>
+          </a:lnRef>
+          <a:fillRef idx="1">
+            <a:schemeClr val="accent1"/>
+          </a:fillRef>
+          <a:effectRef idx="0">
+            <a:schemeClr val="accent1"/>
+          </a:effectRef>
+          <a:fontRef idx="minor">
+            <a:schemeClr val="lt1"/>
+          </a:fontRef>
+        </p:style>
+        <p:txBody>
+          <a:bodyPr rtlCol="0" anchor="ctr"/>
+          <a:lstStyle/>
+          <a:p>
+            <a:pPr algn="ctr"/>
+            <a:endParaRPr lang="ko-KR" altLang="en-US"/>
+          </a:p>
+        </p:txBody>
+      </p:sp>
+      <p:sp>
+        <p:nvSpPr>
+          <p:cNvPr id="12" name="TextBox 11"/>
+          <p:cNvSpPr txBox="1"/>
+          <p:nvPr/>
+        </p:nvSpPr>
+        <p:spPr>
+          <a:xfrm>
+            <a:off x="5313774" y="2179526"/>
+            <a:ext cx="832049" cy="276999"/>
+          </a:xfrm>
+          <a:prstGeom prst="rect">
+            <a:avLst/>
+          </a:prstGeom>
+          <a:noFill/>
+        </p:spPr>
+        <p:txBody>
+          <a:bodyPr wrap="square" rtlCol="0">
+            <a:spAutoFit/>
+          </a:bodyPr>
+          <a:lstStyle/>
+          <a:p>
+            <a:r>
+              <a:rPr lang="en-US" altLang="ko-KR" sz="1200" dirty="0"/>
+              <a:t>f</a:t>
+            </a:r>
+            <a:r>
+              <a:rPr lang="en-US" altLang="ko-KR" sz="1200" dirty="0" smtClean="0"/>
+              <a:t>-number</a:t>
+            </a:r>
+            <a:endParaRPr lang="en-US" altLang="ko-KR" sz="1200" dirty="0" smtClean="0"/>
+          </a:p>
+        </p:txBody>
+      </p:sp>
     </p:spTree>
     <p:extLst>
       <p:ext uri="{BB962C8B-B14F-4D97-AF65-F5344CB8AC3E}">
@@ -9429,7 +9860,7 @@
           <a:p>
             <a:fld id="{F85A177F-6FD3-496B-8A9C-B332CA04E863}" type="datetime1">
               <a:rPr lang="ko-KR" altLang="en-US" smtClean="0"/>
-              <a:t>2018-04-15</a:t>
+              <a:t>2018-04-16</a:t>
             </a:fld>
             <a:endParaRPr lang="ko-KR" altLang="en-US"/>
           </a:p>
@@ -9574,7 +10005,7 @@
           <a:p>
             <a:fld id="{53646E5C-8775-44A9-9523-40B6CCA06789}" type="datetime1">
               <a:rPr lang="ko-KR" altLang="en-US" smtClean="0"/>
-              <a:t>2018-04-15</a:t>
+              <a:t>2018-04-16</a:t>
             </a:fld>
             <a:endParaRPr lang="ko-KR" altLang="en-US"/>
           </a:p>
@@ -9861,7 +10292,7 @@
           <a:p>
             <a:fld id="{53646E5C-8775-44A9-9523-40B6CCA06789}" type="datetime1">
               <a:rPr lang="ko-KR" altLang="en-US" smtClean="0"/>
-              <a:t>2018-04-15</a:t>
+              <a:t>2018-04-16</a:t>
             </a:fld>
             <a:endParaRPr lang="ko-KR" altLang="en-US"/>
           </a:p>
@@ -11370,7 +11801,7 @@
           <a:p>
             <a:fld id="{F85A177F-6FD3-496B-8A9C-B332CA04E863}" type="datetime1">
               <a:rPr lang="ko-KR" altLang="en-US" smtClean="0"/>
-              <a:t>2018-04-15</a:t>
+              <a:t>2018-04-16</a:t>
             </a:fld>
             <a:endParaRPr lang="ko-KR" altLang="en-US"/>
           </a:p>
@@ -11524,7 +11955,7 @@
           <a:p>
             <a:fld id="{53646E5C-8775-44A9-9523-40B6CCA06789}" type="datetime1">
               <a:rPr lang="ko-KR" altLang="en-US" smtClean="0"/>
-              <a:t>2018-04-15</a:t>
+              <a:t>2018-04-16</a:t>
             </a:fld>
             <a:endParaRPr lang="ko-KR" altLang="en-US"/>
           </a:p>
